--- a/Deliverables/Presentation Slides.pptx
+++ b/Deliverables/Presentation Slides.pptx
@@ -2,22 +2,26 @@
 <file path=ppt/presentation.xml><?xml version="1.0" encoding="utf-8"?>
 <p:presentation xmlns:a="http://schemas.openxmlformats.org/drawingml/2006/main" xmlns:r="http://schemas.openxmlformats.org/officeDocument/2006/relationships" xmlns:p="http://schemas.openxmlformats.org/presentationml/2006/main">
   <p:sldMasterIdLst>
-    <p:sldMasterId id="2147483648" r:id="rId5"/>
+    <p:sldMasterId id="2147483648" r:id="rId1"/>
   </p:sldMasterIdLst>
   <p:notesMasterIdLst>
-    <p:notesMasterId r:id="rId7"/>
+    <p:notesMasterId r:id="rId14"/>
   </p:notesMasterIdLst>
   <p:sldIdLst>
-    <p:sldId id="256" r:id="rId8"/>
-    <p:sldId id="257" r:id="rId9"/>
-    <p:sldId id="258" r:id="rId10"/>
-    <p:sldId id="259" r:id="rId11"/>
-    <p:sldId id="260" r:id="rId12"/>
-    <p:sldId id="261" r:id="rId13"/>
-    <p:sldId id="262" r:id="rId14"/>
-    <p:sldId id="263" r:id="rId15"/>
+    <p:sldId id="256" r:id="rId2"/>
+    <p:sldId id="257" r:id="rId3"/>
+    <p:sldId id="258" r:id="rId4"/>
+    <p:sldId id="259" r:id="rId5"/>
+    <p:sldId id="268" r:id="rId6"/>
+    <p:sldId id="264" r:id="rId7"/>
+    <p:sldId id="260" r:id="rId8"/>
+    <p:sldId id="265" r:id="rId9"/>
+    <p:sldId id="261" r:id="rId10"/>
+    <p:sldId id="266" r:id="rId11"/>
+    <p:sldId id="267" r:id="rId12"/>
+    <p:sldId id="262" r:id="rId13"/>
   </p:sldIdLst>
-  <p:sldSz cx="9144000" cy="5143500"/>
+  <p:sldSz cx="9144000" cy="5143500" type="screen16x9"/>
   <p:notesSz cx="6858000" cy="9144000"/>
   <p:defaultTextStyle>
     <a:defPPr marL="0" marR="0" indent="0" algn="l" defTabSz="914400" rtl="0" fontAlgn="auto" latinLnBrk="1" hangingPunct="0">
@@ -35,7 +39,7 @@
       <a:buFontTx/>
       <a:buNone/>
       <a:tabLst/>
-      <a:defRPr b="0" baseline="0" cap="none" i="0" spc="0" strike="noStrike" sz="1800" u="none" kumimoji="0" normalizeH="0">
+      <a:defRPr kumimoji="0" sz="1800" b="0" i="0" u="none" strike="noStrike" cap="none" spc="0" normalizeH="0" baseline="0">
         <a:ln>
           <a:noFill/>
         </a:ln>
@@ -61,7 +65,7 @@
       <a:buFontTx/>
       <a:buNone/>
       <a:tabLst/>
-      <a:defRPr b="0" baseline="0" cap="none" i="0" spc="0" strike="noStrike" sz="1400" u="none" kumimoji="0" normalizeH="0">
+      <a:defRPr kumimoji="0" sz="1400" b="0" i="0" u="none" strike="noStrike" cap="none" spc="0" normalizeH="0" baseline="0">
         <a:ln>
           <a:noFill/>
         </a:ln>
@@ -91,7 +95,7 @@
       <a:buFontTx/>
       <a:buNone/>
       <a:tabLst/>
-      <a:defRPr b="0" baseline="0" cap="none" i="0" spc="0" strike="noStrike" sz="1400" u="none" kumimoji="0" normalizeH="0">
+      <a:defRPr kumimoji="0" sz="1400" b="0" i="0" u="none" strike="noStrike" cap="none" spc="0" normalizeH="0" baseline="0">
         <a:ln>
           <a:noFill/>
         </a:ln>
@@ -121,7 +125,7 @@
       <a:buFontTx/>
       <a:buNone/>
       <a:tabLst/>
-      <a:defRPr b="0" baseline="0" cap="none" i="0" spc="0" strike="noStrike" sz="1400" u="none" kumimoji="0" normalizeH="0">
+      <a:defRPr kumimoji="0" sz="1400" b="0" i="0" u="none" strike="noStrike" cap="none" spc="0" normalizeH="0" baseline="0">
         <a:ln>
           <a:noFill/>
         </a:ln>
@@ -151,7 +155,7 @@
       <a:buFontTx/>
       <a:buNone/>
       <a:tabLst/>
-      <a:defRPr b="0" baseline="0" cap="none" i="0" spc="0" strike="noStrike" sz="1400" u="none" kumimoji="0" normalizeH="0">
+      <a:defRPr kumimoji="0" sz="1400" b="0" i="0" u="none" strike="noStrike" cap="none" spc="0" normalizeH="0" baseline="0">
         <a:ln>
           <a:noFill/>
         </a:ln>
@@ -181,7 +185,7 @@
       <a:buFontTx/>
       <a:buNone/>
       <a:tabLst/>
-      <a:defRPr b="0" baseline="0" cap="none" i="0" spc="0" strike="noStrike" sz="1400" u="none" kumimoji="0" normalizeH="0">
+      <a:defRPr kumimoji="0" sz="1400" b="0" i="0" u="none" strike="noStrike" cap="none" spc="0" normalizeH="0" baseline="0">
         <a:ln>
           <a:noFill/>
         </a:ln>
@@ -211,7 +215,7 @@
       <a:buFontTx/>
       <a:buNone/>
       <a:tabLst/>
-      <a:defRPr b="0" baseline="0" cap="none" i="0" spc="0" strike="noStrike" sz="1400" u="none" kumimoji="0" normalizeH="0">
+      <a:defRPr kumimoji="0" sz="1400" b="0" i="0" u="none" strike="noStrike" cap="none" spc="0" normalizeH="0" baseline="0">
         <a:ln>
           <a:noFill/>
         </a:ln>
@@ -241,7 +245,7 @@
       <a:buFontTx/>
       <a:buNone/>
       <a:tabLst/>
-      <a:defRPr b="0" baseline="0" cap="none" i="0" spc="0" strike="noStrike" sz="1400" u="none" kumimoji="0" normalizeH="0">
+      <a:defRPr kumimoji="0" sz="1400" b="0" i="0" u="none" strike="noStrike" cap="none" spc="0" normalizeH="0" baseline="0">
         <a:ln>
           <a:noFill/>
         </a:ln>
@@ -271,7 +275,7 @@
       <a:buFontTx/>
       <a:buNone/>
       <a:tabLst/>
-      <a:defRPr b="0" baseline="0" cap="none" i="0" spc="0" strike="noStrike" sz="1400" u="none" kumimoji="0" normalizeH="0">
+      <a:defRPr kumimoji="0" sz="1400" b="0" i="0" u="none" strike="noStrike" cap="none" spc="0" normalizeH="0" baseline="0">
         <a:ln>
           <a:noFill/>
         </a:ln>
@@ -301,7 +305,7 @@
       <a:buFontTx/>
       <a:buNone/>
       <a:tabLst/>
-      <a:defRPr b="0" baseline="0" cap="none" i="0" spc="0" strike="noStrike" sz="1400" u="none" kumimoji="0" normalizeH="0">
+      <a:defRPr kumimoji="0" sz="1400" b="0" i="0" u="none" strike="noStrike" cap="none" spc="0" normalizeH="0" baseline="0">
         <a:ln>
           <a:noFill/>
         </a:ln>
@@ -320,13 +324,14 @@
 </p:presentation>
 </file>
 
-<file path=ppt/commentAuthors.xml><?xml version="1.0" encoding="utf-8"?>
-<p:cmAuthorLst xmlns:a="http://schemas.openxmlformats.org/drawingml/2006/main" xmlns:r="http://schemas.openxmlformats.org/officeDocument/2006/relationships" xmlns:p="http://schemas.openxmlformats.org/presentationml/2006/main"/>
-</file>
-
 <file path=ppt/notesMasters/notesMaster1.xml><?xml version="1.0" encoding="utf-8"?>
 <p:notesMaster xmlns:a="http://schemas.openxmlformats.org/drawingml/2006/main" xmlns:r="http://schemas.openxmlformats.org/officeDocument/2006/relationships" xmlns:p="http://schemas.openxmlformats.org/presentationml/2006/main">
   <p:cSld>
+    <p:bg>
+      <p:bgRef idx="1001">
+        <a:schemeClr val="bg1"/>
+      </p:bgRef>
+    </p:bg>
     <p:spTree>
       <p:nvGrpSpPr>
         <p:cNvPr id="1" name=""/>
@@ -344,7 +349,9 @@
       <p:sp>
         <p:nvSpPr>
           <p:cNvPr id="106" name="Shape 106"/>
-          <p:cNvSpPr/>
+          <p:cNvSpPr>
+            <a:spLocks noGrp="1" noRot="1" noChangeAspect="1"/>
+          </p:cNvSpPr>
           <p:nvPr>
             <p:ph type="sldImg"/>
           </p:nvPr>
@@ -362,14 +369,16 @@
           <a:bodyPr/>
           <a:lstStyle/>
           <a:p>
-            <a:pPr/>
+            <a:endParaRPr/>
           </a:p>
         </p:txBody>
       </p:sp>
       <p:sp>
         <p:nvSpPr>
           <p:cNvPr id="107" name="Shape 107"/>
-          <p:cNvSpPr/>
+          <p:cNvSpPr>
+            <a:spLocks noGrp="1"/>
+          </p:cNvSpPr>
           <p:nvPr>
             <p:ph type="body" sz="quarter" idx="1"/>
           </p:nvPr>
@@ -387,7 +396,7 @@
           <a:bodyPr/>
           <a:lstStyle/>
           <a:p>
-            <a:pPr/>
+            <a:endParaRPr/>
           </a:p>
         </p:txBody>
       </p:sp>
@@ -471,8 +480,206 @@
 </p:notesMaster>
 </file>
 
+<file path=ppt/notesSlides/notesSlide1.xml><?xml version="1.0" encoding="utf-8"?>
+<p:notes xmlns:a="http://schemas.openxmlformats.org/drawingml/2006/main" xmlns:r="http://schemas.openxmlformats.org/officeDocument/2006/relationships" xmlns:p="http://schemas.openxmlformats.org/presentationml/2006/main">
+  <p:cSld>
+    <p:spTree>
+      <p:nvGrpSpPr>
+        <p:cNvPr id="1" name=""/>
+        <p:cNvGrpSpPr/>
+        <p:nvPr/>
+      </p:nvGrpSpPr>
+      <p:grpSpPr>
+        <a:xfrm>
+          <a:off x="0" y="0"/>
+          <a:ext cx="0" cy="0"/>
+          <a:chOff x="0" y="0"/>
+          <a:chExt cx="0" cy="0"/>
+        </a:xfrm>
+      </p:grpSpPr>
+      <p:sp>
+        <p:nvSpPr>
+          <p:cNvPr id="2" name="Slide Image Placeholder 1"/>
+          <p:cNvSpPr>
+            <a:spLocks noGrp="1" noRot="1" noChangeAspect="1"/>
+          </p:cNvSpPr>
+          <p:nvPr>
+            <p:ph type="sldImg"/>
+          </p:nvPr>
+        </p:nvSpPr>
+        <p:spPr>
+          <a:xfrm>
+            <a:off x="381000" y="685800"/>
+            <a:ext cx="6096000" cy="3429000"/>
+          </a:xfrm>
+        </p:spPr>
+      </p:sp>
+      <p:sp>
+        <p:nvSpPr>
+          <p:cNvPr id="3" name="Notes Placeholder 2"/>
+          <p:cNvSpPr>
+            <a:spLocks noGrp="1"/>
+          </p:cNvSpPr>
+          <p:nvPr>
+            <p:ph type="body" idx="1"/>
+          </p:nvPr>
+        </p:nvSpPr>
+        <p:spPr/>
+        <p:txBody>
+          <a:bodyPr/>
+          <a:lstStyle/>
+          <a:p>
+            <a:endParaRPr lang="en-US" dirty="0"/>
+          </a:p>
+        </p:txBody>
+      </p:sp>
+    </p:spTree>
+    <p:extLst>
+      <p:ext uri="{BB962C8B-B14F-4D97-AF65-F5344CB8AC3E}">
+        <p14:creationId xmlns:p14="http://schemas.microsoft.com/office/powerpoint/2010/main" val="2661508135"/>
+      </p:ext>
+    </p:extLst>
+  </p:cSld>
+  <p:clrMapOvr>
+    <a:masterClrMapping/>
+  </p:clrMapOvr>
+</p:notes>
+</file>
+
+<file path=ppt/notesSlides/notesSlide2.xml><?xml version="1.0" encoding="utf-8"?>
+<p:notes xmlns:a="http://schemas.openxmlformats.org/drawingml/2006/main" xmlns:r="http://schemas.openxmlformats.org/officeDocument/2006/relationships" xmlns:p="http://schemas.openxmlformats.org/presentationml/2006/main">
+  <p:cSld>
+    <p:spTree>
+      <p:nvGrpSpPr>
+        <p:cNvPr id="1" name=""/>
+        <p:cNvGrpSpPr/>
+        <p:nvPr/>
+      </p:nvGrpSpPr>
+      <p:grpSpPr>
+        <a:xfrm>
+          <a:off x="0" y="0"/>
+          <a:ext cx="0" cy="0"/>
+          <a:chOff x="0" y="0"/>
+          <a:chExt cx="0" cy="0"/>
+        </a:xfrm>
+      </p:grpSpPr>
+      <p:sp>
+        <p:nvSpPr>
+          <p:cNvPr id="2" name="Slide Image Placeholder 1"/>
+          <p:cNvSpPr>
+            <a:spLocks noGrp="1" noRot="1" noChangeAspect="1"/>
+          </p:cNvSpPr>
+          <p:nvPr>
+            <p:ph type="sldImg"/>
+          </p:nvPr>
+        </p:nvSpPr>
+        <p:spPr>
+          <a:xfrm>
+            <a:off x="381000" y="685800"/>
+            <a:ext cx="6096000" cy="3429000"/>
+          </a:xfrm>
+        </p:spPr>
+      </p:sp>
+      <p:sp>
+        <p:nvSpPr>
+          <p:cNvPr id="3" name="Notes Placeholder 2"/>
+          <p:cNvSpPr>
+            <a:spLocks noGrp="1"/>
+          </p:cNvSpPr>
+          <p:nvPr>
+            <p:ph type="body" idx="1"/>
+          </p:nvPr>
+        </p:nvSpPr>
+        <p:spPr/>
+        <p:txBody>
+          <a:bodyPr/>
+          <a:lstStyle/>
+          <a:p>
+            <a:endParaRPr lang="en-US" dirty="0"/>
+          </a:p>
+        </p:txBody>
+      </p:sp>
+    </p:spTree>
+    <p:extLst>
+      <p:ext uri="{BB962C8B-B14F-4D97-AF65-F5344CB8AC3E}">
+        <p14:creationId xmlns:p14="http://schemas.microsoft.com/office/powerpoint/2010/main" val="1657380877"/>
+      </p:ext>
+    </p:extLst>
+  </p:cSld>
+  <p:clrMapOvr>
+    <a:masterClrMapping/>
+  </p:clrMapOvr>
+</p:notes>
+</file>
+
+<file path=ppt/notesSlides/notesSlide3.xml><?xml version="1.0" encoding="utf-8"?>
+<p:notes xmlns:a="http://schemas.openxmlformats.org/drawingml/2006/main" xmlns:r="http://schemas.openxmlformats.org/officeDocument/2006/relationships" xmlns:p="http://schemas.openxmlformats.org/presentationml/2006/main">
+  <p:cSld>
+    <p:spTree>
+      <p:nvGrpSpPr>
+        <p:cNvPr id="1" name=""/>
+        <p:cNvGrpSpPr/>
+        <p:nvPr/>
+      </p:nvGrpSpPr>
+      <p:grpSpPr>
+        <a:xfrm>
+          <a:off x="0" y="0"/>
+          <a:ext cx="0" cy="0"/>
+          <a:chOff x="0" y="0"/>
+          <a:chExt cx="0" cy="0"/>
+        </a:xfrm>
+      </p:grpSpPr>
+      <p:sp>
+        <p:nvSpPr>
+          <p:cNvPr id="2" name="Slide Image Placeholder 1"/>
+          <p:cNvSpPr>
+            <a:spLocks noGrp="1" noRot="1" noChangeAspect="1"/>
+          </p:cNvSpPr>
+          <p:nvPr>
+            <p:ph type="sldImg"/>
+          </p:nvPr>
+        </p:nvSpPr>
+        <p:spPr>
+          <a:xfrm>
+            <a:off x="381000" y="685800"/>
+            <a:ext cx="6096000" cy="3429000"/>
+          </a:xfrm>
+        </p:spPr>
+      </p:sp>
+      <p:sp>
+        <p:nvSpPr>
+          <p:cNvPr id="3" name="Notes Placeholder 2"/>
+          <p:cNvSpPr>
+            <a:spLocks noGrp="1"/>
+          </p:cNvSpPr>
+          <p:nvPr>
+            <p:ph type="body" idx="1"/>
+          </p:nvPr>
+        </p:nvSpPr>
+        <p:spPr/>
+        <p:txBody>
+          <a:bodyPr/>
+          <a:lstStyle/>
+          <a:p>
+            <a:endParaRPr lang="en-US" dirty="0"/>
+          </a:p>
+        </p:txBody>
+      </p:sp>
+    </p:spTree>
+    <p:extLst>
+      <p:ext uri="{BB962C8B-B14F-4D97-AF65-F5344CB8AC3E}">
+        <p14:creationId xmlns:p14="http://schemas.microsoft.com/office/powerpoint/2010/main" val="3186417996"/>
+      </p:ext>
+    </p:extLst>
+  </p:cSld>
+  <p:clrMapOvr>
+    <a:masterClrMapping/>
+  </p:clrMapOvr>
+</p:notes>
+</file>
+
 <file path=ppt/slideLayouts/slideLayout1.xml><?xml version="1.0" encoding="utf-8"?>
-<p:sldLayout xmlns:a="http://schemas.openxmlformats.org/drawingml/2006/main" xmlns:r="http://schemas.openxmlformats.org/officeDocument/2006/relationships" xmlns:p="http://schemas.openxmlformats.org/presentationml/2006/main" type="title" showMasterSp="1" showMasterPhAnim="1">
+<p:sldLayout xmlns:a="http://schemas.openxmlformats.org/drawingml/2006/main" xmlns:r="http://schemas.openxmlformats.org/officeDocument/2006/relationships" xmlns:p="http://schemas.openxmlformats.org/presentationml/2006/main" type="title">
   <p:cSld name="TITLE">
     <p:spTree>
       <p:nvGrpSpPr>
@@ -491,7 +698,9 @@
       <p:sp>
         <p:nvSpPr>
           <p:cNvPr id="11" name="Title Text"/>
-          <p:cNvSpPr/>
+          <p:cNvSpPr>
+            <a:spLocks noGrp="1"/>
+          </p:cNvSpPr>
           <p:nvPr>
             <p:ph type="title"/>
           </p:nvPr>
@@ -513,7 +722,6 @@
             </a:lvl1pPr>
           </a:lstStyle>
           <a:p>
-            <a:pPr/>
             <a:r>
               <a:t>Title Text</a:t>
             </a:r>
@@ -523,7 +731,9 @@
       <p:sp>
         <p:nvSpPr>
           <p:cNvPr id="12" name="Body Level One…"/>
-          <p:cNvSpPr/>
+          <p:cNvSpPr>
+            <a:spLocks noGrp="1"/>
+          </p:cNvSpPr>
           <p:nvPr>
             <p:ph type="body" sz="quarter" idx="1"/>
           </p:nvPr>
@@ -592,7 +802,6 @@
             </a:lvl5pPr>
           </a:lstStyle>
           <a:p>
-            <a:pPr/>
             <a:r>
               <a:t>Body Level One</a:t>
             </a:r>
@@ -626,7 +835,9 @@
       <p:sp>
         <p:nvSpPr>
           <p:cNvPr id="13" name="Slide Number"/>
-          <p:cNvSpPr/>
+          <p:cNvSpPr>
+            <a:spLocks noGrp="1"/>
+          </p:cNvSpPr>
           <p:nvPr>
             <p:ph type="sldNum" sz="quarter" idx="2"/>
           </p:nvPr>
@@ -640,8 +851,10 @@
           <a:bodyPr/>
           <a:lstStyle/>
           <a:p>
-            <a:pPr/>
-            <a:fld id="{86CB4B4D-7CA3-9044-876B-883B54F8677D}" type="slidenum"/>
+            <a:fld id="{86CB4B4D-7CA3-9044-876B-883B54F8677D}" type="slidenum">
+              <a:t>‹#›</a:t>
+            </a:fld>
+            <a:endParaRPr/>
           </a:p>
         </p:txBody>
       </p:sp>
@@ -650,12 +863,12 @@
   <p:clrMapOvr>
     <a:masterClrMapping/>
   </p:clrMapOvr>
-  <p:transition xmlns:p14="http://schemas.microsoft.com/office/powerpoint/2010/main" spd="med" advClick="1"/>
+  <p:transition spd="med"/>
 </p:sldLayout>
 </file>
 
 <file path=ppt/slideLayouts/slideLayout10.xml><?xml version="1.0" encoding="utf-8"?>
-<p:sldLayout xmlns:a="http://schemas.openxmlformats.org/drawingml/2006/main" xmlns:r="http://schemas.openxmlformats.org/officeDocument/2006/relationships" xmlns:p="http://schemas.openxmlformats.org/presentationml/2006/main" type="tx" showMasterSp="1" showMasterPhAnim="1">
+<p:sldLayout xmlns:a="http://schemas.openxmlformats.org/drawingml/2006/main" xmlns:r="http://schemas.openxmlformats.org/officeDocument/2006/relationships" xmlns:p="http://schemas.openxmlformats.org/presentationml/2006/main" type="tx">
   <p:cSld name="BIG_NUMBER">
     <p:spTree>
       <p:nvGrpSpPr>
@@ -674,7 +887,9 @@
       <p:sp>
         <p:nvSpPr>
           <p:cNvPr id="91" name="Title Text"/>
-          <p:cNvSpPr/>
+          <p:cNvSpPr>
+            <a:spLocks noGrp="1"/>
+          </p:cNvSpPr>
           <p:nvPr>
             <p:ph type="title"/>
           </p:nvPr>
@@ -696,7 +911,6 @@
             </a:lvl1pPr>
           </a:lstStyle>
           <a:p>
-            <a:pPr/>
             <a:r>
               <a:t>Title Text</a:t>
             </a:r>
@@ -706,7 +920,9 @@
       <p:sp>
         <p:nvSpPr>
           <p:cNvPr id="92" name="Body Level One…"/>
-          <p:cNvSpPr/>
+          <p:cNvSpPr>
+            <a:spLocks noGrp="1"/>
+          </p:cNvSpPr>
           <p:nvPr>
             <p:ph type="body" sz="half" idx="1"/>
           </p:nvPr>
@@ -730,7 +946,6 @@
             <a:lvl5pPr algn="ctr"/>
           </a:lstStyle>
           <a:p>
-            <a:pPr/>
             <a:r>
               <a:t>Body Level One</a:t>
             </a:r>
@@ -764,7 +979,9 @@
       <p:sp>
         <p:nvSpPr>
           <p:cNvPr id="93" name="Slide Number"/>
-          <p:cNvSpPr/>
+          <p:cNvSpPr>
+            <a:spLocks noGrp="1"/>
+          </p:cNvSpPr>
           <p:nvPr>
             <p:ph type="sldNum" sz="quarter" idx="2"/>
           </p:nvPr>
@@ -778,8 +995,10 @@
           <a:bodyPr/>
           <a:lstStyle/>
           <a:p>
-            <a:pPr/>
-            <a:fld id="{86CB4B4D-7CA3-9044-876B-883B54F8677D}" type="slidenum"/>
+            <a:fld id="{86CB4B4D-7CA3-9044-876B-883B54F8677D}" type="slidenum">
+              <a:t>‹#›</a:t>
+            </a:fld>
+            <a:endParaRPr/>
           </a:p>
         </p:txBody>
       </p:sp>
@@ -788,12 +1007,12 @@
   <p:clrMapOvr>
     <a:masterClrMapping/>
   </p:clrMapOvr>
-  <p:transition xmlns:p14="http://schemas.microsoft.com/office/powerpoint/2010/main" spd="med" advClick="1"/>
+  <p:transition spd="med"/>
 </p:sldLayout>
 </file>
 
 <file path=ppt/slideLayouts/slideLayout11.xml><?xml version="1.0" encoding="utf-8"?>
-<p:sldLayout xmlns:a="http://schemas.openxmlformats.org/drawingml/2006/main" xmlns:r="http://schemas.openxmlformats.org/officeDocument/2006/relationships" xmlns:p="http://schemas.openxmlformats.org/presentationml/2006/main" type="tx" showMasterSp="1" showMasterPhAnim="1">
+<p:sldLayout xmlns:a="http://schemas.openxmlformats.org/drawingml/2006/main" xmlns:r="http://schemas.openxmlformats.org/officeDocument/2006/relationships" xmlns:p="http://schemas.openxmlformats.org/presentationml/2006/main" type="tx">
   <p:cSld name="BLANK">
     <p:spTree>
       <p:nvGrpSpPr>
@@ -812,7 +1031,9 @@
       <p:sp>
         <p:nvSpPr>
           <p:cNvPr id="100" name="Slide Number"/>
-          <p:cNvSpPr/>
+          <p:cNvSpPr>
+            <a:spLocks noGrp="1"/>
+          </p:cNvSpPr>
           <p:nvPr>
             <p:ph type="sldNum" sz="quarter" idx="2"/>
           </p:nvPr>
@@ -826,8 +1047,10 @@
           <a:bodyPr/>
           <a:lstStyle/>
           <a:p>
-            <a:pPr/>
-            <a:fld id="{86CB4B4D-7CA3-9044-876B-883B54F8677D}" type="slidenum"/>
+            <a:fld id="{86CB4B4D-7CA3-9044-876B-883B54F8677D}" type="slidenum">
+              <a:t>‹#›</a:t>
+            </a:fld>
+            <a:endParaRPr/>
           </a:p>
         </p:txBody>
       </p:sp>
@@ -836,12 +1059,12 @@
   <p:clrMapOvr>
     <a:masterClrMapping/>
   </p:clrMapOvr>
-  <p:transition xmlns:p14="http://schemas.microsoft.com/office/powerpoint/2010/main" spd="med" advClick="1"/>
+  <p:transition spd="med"/>
 </p:sldLayout>
 </file>
 
 <file path=ppt/slideLayouts/slideLayout2.xml><?xml version="1.0" encoding="utf-8"?>
-<p:sldLayout xmlns:a="http://schemas.openxmlformats.org/drawingml/2006/main" xmlns:r="http://schemas.openxmlformats.org/officeDocument/2006/relationships" xmlns:p="http://schemas.openxmlformats.org/presentationml/2006/main" type="tx" showMasterSp="1" showMasterPhAnim="1">
+<p:sldLayout xmlns:a="http://schemas.openxmlformats.org/drawingml/2006/main" xmlns:r="http://schemas.openxmlformats.org/officeDocument/2006/relationships" xmlns:p="http://schemas.openxmlformats.org/presentationml/2006/main" type="tx">
   <p:cSld name="SECTION_HEADER">
     <p:spTree>
       <p:nvGrpSpPr>
@@ -860,7 +1083,9 @@
       <p:sp>
         <p:nvSpPr>
           <p:cNvPr id="20" name="Title Text"/>
-          <p:cNvSpPr/>
+          <p:cNvSpPr>
+            <a:spLocks noGrp="1"/>
+          </p:cNvSpPr>
           <p:nvPr>
             <p:ph type="title"/>
           </p:nvPr>
@@ -882,7 +1107,6 @@
             </a:lvl1pPr>
           </a:lstStyle>
           <a:p>
-            <a:pPr/>
             <a:r>
               <a:t>Title Text</a:t>
             </a:r>
@@ -892,7 +1116,9 @@
       <p:sp>
         <p:nvSpPr>
           <p:cNvPr id="21" name="Slide Number"/>
-          <p:cNvSpPr/>
+          <p:cNvSpPr>
+            <a:spLocks noGrp="1"/>
+          </p:cNvSpPr>
           <p:nvPr>
             <p:ph type="sldNum" sz="quarter" idx="2"/>
           </p:nvPr>
@@ -906,8 +1132,10 @@
           <a:bodyPr/>
           <a:lstStyle/>
           <a:p>
-            <a:pPr/>
-            <a:fld id="{86CB4B4D-7CA3-9044-876B-883B54F8677D}" type="slidenum"/>
+            <a:fld id="{86CB4B4D-7CA3-9044-876B-883B54F8677D}" type="slidenum">
+              <a:t>‹#›</a:t>
+            </a:fld>
+            <a:endParaRPr/>
           </a:p>
         </p:txBody>
       </p:sp>
@@ -916,12 +1144,12 @@
   <p:clrMapOvr>
     <a:masterClrMapping/>
   </p:clrMapOvr>
-  <p:transition xmlns:p14="http://schemas.microsoft.com/office/powerpoint/2010/main" spd="med" advClick="1"/>
+  <p:transition spd="med"/>
 </p:sldLayout>
 </file>
 
 <file path=ppt/slideLayouts/slideLayout3.xml><?xml version="1.0" encoding="utf-8"?>
-<p:sldLayout xmlns:a="http://schemas.openxmlformats.org/drawingml/2006/main" xmlns:r="http://schemas.openxmlformats.org/officeDocument/2006/relationships" xmlns:p="http://schemas.openxmlformats.org/presentationml/2006/main" type="tx" showMasterSp="1" showMasterPhAnim="1">
+<p:sldLayout xmlns:a="http://schemas.openxmlformats.org/drawingml/2006/main" xmlns:r="http://schemas.openxmlformats.org/officeDocument/2006/relationships" xmlns:p="http://schemas.openxmlformats.org/presentationml/2006/main" type="tx">
   <p:cSld name="TITLE_AND_BODY">
     <p:spTree>
       <p:nvGrpSpPr>
@@ -940,7 +1168,9 @@
       <p:sp>
         <p:nvSpPr>
           <p:cNvPr id="28" name="Title Text"/>
-          <p:cNvSpPr/>
+          <p:cNvSpPr>
+            <a:spLocks noGrp="1"/>
+          </p:cNvSpPr>
           <p:nvPr>
             <p:ph type="title"/>
           </p:nvPr>
@@ -954,7 +1184,6 @@
           <a:bodyPr/>
           <a:lstStyle/>
           <a:p>
-            <a:pPr/>
             <a:r>
               <a:t>Title Text</a:t>
             </a:r>
@@ -964,7 +1193,9 @@
       <p:sp>
         <p:nvSpPr>
           <p:cNvPr id="29" name="Body Level One…"/>
-          <p:cNvSpPr/>
+          <p:cNvSpPr>
+            <a:spLocks noGrp="1"/>
+          </p:cNvSpPr>
           <p:nvPr>
             <p:ph type="body" idx="1"/>
           </p:nvPr>
@@ -978,7 +1209,6 @@
           <a:bodyPr/>
           <a:lstStyle/>
           <a:p>
-            <a:pPr/>
             <a:r>
               <a:t>Body Level One</a:t>
             </a:r>
@@ -1012,7 +1242,9 @@
       <p:sp>
         <p:nvSpPr>
           <p:cNvPr id="30" name="Slide Number"/>
-          <p:cNvSpPr/>
+          <p:cNvSpPr>
+            <a:spLocks noGrp="1"/>
+          </p:cNvSpPr>
           <p:nvPr>
             <p:ph type="sldNum" sz="quarter" idx="2"/>
           </p:nvPr>
@@ -1026,8 +1258,10 @@
           <a:bodyPr/>
           <a:lstStyle/>
           <a:p>
-            <a:pPr/>
-            <a:fld id="{86CB4B4D-7CA3-9044-876B-883B54F8677D}" type="slidenum"/>
+            <a:fld id="{86CB4B4D-7CA3-9044-876B-883B54F8677D}" type="slidenum">
+              <a:t>‹#›</a:t>
+            </a:fld>
+            <a:endParaRPr/>
           </a:p>
         </p:txBody>
       </p:sp>
@@ -1036,12 +1270,12 @@
   <p:clrMapOvr>
     <a:masterClrMapping/>
   </p:clrMapOvr>
-  <p:transition xmlns:p14="http://schemas.microsoft.com/office/powerpoint/2010/main" spd="med" advClick="1"/>
+  <p:transition spd="med"/>
 </p:sldLayout>
 </file>
 
 <file path=ppt/slideLayouts/slideLayout4.xml><?xml version="1.0" encoding="utf-8"?>
-<p:sldLayout xmlns:a="http://schemas.openxmlformats.org/drawingml/2006/main" xmlns:r="http://schemas.openxmlformats.org/officeDocument/2006/relationships" xmlns:p="http://schemas.openxmlformats.org/presentationml/2006/main" type="tx" showMasterSp="1" showMasterPhAnim="1">
+<p:sldLayout xmlns:a="http://schemas.openxmlformats.org/drawingml/2006/main" xmlns:r="http://schemas.openxmlformats.org/officeDocument/2006/relationships" xmlns:p="http://schemas.openxmlformats.org/presentationml/2006/main" type="tx">
   <p:cSld name="TITLE_AND_TWO_COLUMNS">
     <p:spTree>
       <p:nvGrpSpPr>
@@ -1060,7 +1294,9 @@
       <p:sp>
         <p:nvSpPr>
           <p:cNvPr id="37" name="Title Text"/>
-          <p:cNvSpPr/>
+          <p:cNvSpPr>
+            <a:spLocks noGrp="1"/>
+          </p:cNvSpPr>
           <p:nvPr>
             <p:ph type="title"/>
           </p:nvPr>
@@ -1074,7 +1310,6 @@
           <a:bodyPr/>
           <a:lstStyle/>
           <a:p>
-            <a:pPr/>
             <a:r>
               <a:t>Title Text</a:t>
             </a:r>
@@ -1084,7 +1319,9 @@
       <p:sp>
         <p:nvSpPr>
           <p:cNvPr id="38" name="Body Level One…"/>
-          <p:cNvSpPr/>
+          <p:cNvSpPr>
+            <a:spLocks noGrp="1"/>
+          </p:cNvSpPr>
           <p:nvPr>
             <p:ph type="body" sz="half" idx="1"/>
           </p:nvPr>
@@ -1123,7 +1360,6 @@
             </a:lvl5pPr>
           </a:lstStyle>
           <a:p>
-            <a:pPr/>
             <a:r>
               <a:t>Body Level One</a:t>
             </a:r>
@@ -1157,7 +1393,9 @@
       <p:sp>
         <p:nvSpPr>
           <p:cNvPr id="39" name="Shape 23"/>
-          <p:cNvSpPr/>
+          <p:cNvSpPr>
+            <a:spLocks noGrp="1"/>
+          </p:cNvSpPr>
           <p:nvPr>
             <p:ph type="body" sz="half" idx="13"/>
           </p:nvPr>
@@ -1179,13 +1417,16 @@
               <a:buSzPts val="1400"/>
               <a:defRPr sz="1400"/>
             </a:pPr>
+            <a:endParaRPr/>
           </a:p>
         </p:txBody>
       </p:sp>
       <p:sp>
         <p:nvSpPr>
           <p:cNvPr id="40" name="Slide Number"/>
-          <p:cNvSpPr/>
+          <p:cNvSpPr>
+            <a:spLocks noGrp="1"/>
+          </p:cNvSpPr>
           <p:nvPr>
             <p:ph type="sldNum" sz="quarter" idx="2"/>
           </p:nvPr>
@@ -1199,8 +1440,10 @@
           <a:bodyPr/>
           <a:lstStyle/>
           <a:p>
-            <a:pPr/>
-            <a:fld id="{86CB4B4D-7CA3-9044-876B-883B54F8677D}" type="slidenum"/>
+            <a:fld id="{86CB4B4D-7CA3-9044-876B-883B54F8677D}" type="slidenum">
+              <a:t>‹#›</a:t>
+            </a:fld>
+            <a:endParaRPr/>
           </a:p>
         </p:txBody>
       </p:sp>
@@ -1209,12 +1452,12 @@
   <p:clrMapOvr>
     <a:masterClrMapping/>
   </p:clrMapOvr>
-  <p:transition xmlns:p14="http://schemas.microsoft.com/office/powerpoint/2010/main" spd="med" advClick="1"/>
+  <p:transition spd="med"/>
 </p:sldLayout>
 </file>
 
 <file path=ppt/slideLayouts/slideLayout5.xml><?xml version="1.0" encoding="utf-8"?>
-<p:sldLayout xmlns:a="http://schemas.openxmlformats.org/drawingml/2006/main" xmlns:r="http://schemas.openxmlformats.org/officeDocument/2006/relationships" xmlns:p="http://schemas.openxmlformats.org/presentationml/2006/main" type="tx" showMasterSp="1" showMasterPhAnim="1">
+<p:sldLayout xmlns:a="http://schemas.openxmlformats.org/drawingml/2006/main" xmlns:r="http://schemas.openxmlformats.org/officeDocument/2006/relationships" xmlns:p="http://schemas.openxmlformats.org/presentationml/2006/main" type="tx">
   <p:cSld name="TITLE_ONLY">
     <p:spTree>
       <p:nvGrpSpPr>
@@ -1233,7 +1476,9 @@
       <p:sp>
         <p:nvSpPr>
           <p:cNvPr id="47" name="Title Text"/>
-          <p:cNvSpPr/>
+          <p:cNvSpPr>
+            <a:spLocks noGrp="1"/>
+          </p:cNvSpPr>
           <p:nvPr>
             <p:ph type="title"/>
           </p:nvPr>
@@ -1247,7 +1492,6 @@
           <a:bodyPr/>
           <a:lstStyle/>
           <a:p>
-            <a:pPr/>
             <a:r>
               <a:t>Title Text</a:t>
             </a:r>
@@ -1257,7 +1501,9 @@
       <p:sp>
         <p:nvSpPr>
           <p:cNvPr id="48" name="Slide Number"/>
-          <p:cNvSpPr/>
+          <p:cNvSpPr>
+            <a:spLocks noGrp="1"/>
+          </p:cNvSpPr>
           <p:nvPr>
             <p:ph type="sldNum" sz="quarter" idx="2"/>
           </p:nvPr>
@@ -1271,8 +1517,10 @@
           <a:bodyPr/>
           <a:lstStyle/>
           <a:p>
-            <a:pPr/>
-            <a:fld id="{86CB4B4D-7CA3-9044-876B-883B54F8677D}" type="slidenum"/>
+            <a:fld id="{86CB4B4D-7CA3-9044-876B-883B54F8677D}" type="slidenum">
+              <a:t>‹#›</a:t>
+            </a:fld>
+            <a:endParaRPr/>
           </a:p>
         </p:txBody>
       </p:sp>
@@ -1281,12 +1529,12 @@
   <p:clrMapOvr>
     <a:masterClrMapping/>
   </p:clrMapOvr>
-  <p:transition xmlns:p14="http://schemas.microsoft.com/office/powerpoint/2010/main" spd="med" advClick="1"/>
+  <p:transition spd="med"/>
 </p:sldLayout>
 </file>
 
 <file path=ppt/slideLayouts/slideLayout6.xml><?xml version="1.0" encoding="utf-8"?>
-<p:sldLayout xmlns:a="http://schemas.openxmlformats.org/drawingml/2006/main" xmlns:r="http://schemas.openxmlformats.org/officeDocument/2006/relationships" xmlns:p="http://schemas.openxmlformats.org/presentationml/2006/main" type="tx" showMasterSp="1" showMasterPhAnim="1">
+<p:sldLayout xmlns:a="http://schemas.openxmlformats.org/drawingml/2006/main" xmlns:r="http://schemas.openxmlformats.org/officeDocument/2006/relationships" xmlns:p="http://schemas.openxmlformats.org/presentationml/2006/main" type="tx">
   <p:cSld name="ONE_COLUMN_TEXT">
     <p:spTree>
       <p:nvGrpSpPr>
@@ -1305,7 +1553,9 @@
       <p:sp>
         <p:nvSpPr>
           <p:cNvPr id="55" name="Title Text"/>
-          <p:cNvSpPr/>
+          <p:cNvSpPr>
+            <a:spLocks noGrp="1"/>
+          </p:cNvSpPr>
           <p:nvPr>
             <p:ph type="title"/>
           </p:nvPr>
@@ -1327,7 +1577,6 @@
             </a:lvl1pPr>
           </a:lstStyle>
           <a:p>
-            <a:pPr/>
             <a:r>
               <a:t>Title Text</a:t>
             </a:r>
@@ -1337,7 +1586,9 @@
       <p:sp>
         <p:nvSpPr>
           <p:cNvPr id="56" name="Body Level One…"/>
-          <p:cNvSpPr/>
+          <p:cNvSpPr>
+            <a:spLocks noGrp="1"/>
+          </p:cNvSpPr>
           <p:nvPr>
             <p:ph type="body" sz="quarter" idx="1"/>
           </p:nvPr>
@@ -1376,7 +1627,6 @@
             </a:lvl5pPr>
           </a:lstStyle>
           <a:p>
-            <a:pPr/>
             <a:r>
               <a:t>Body Level One</a:t>
             </a:r>
@@ -1410,7 +1660,9 @@
       <p:sp>
         <p:nvSpPr>
           <p:cNvPr id="57" name="Slide Number"/>
-          <p:cNvSpPr/>
+          <p:cNvSpPr>
+            <a:spLocks noGrp="1"/>
+          </p:cNvSpPr>
           <p:nvPr>
             <p:ph type="sldNum" sz="quarter" idx="2"/>
           </p:nvPr>
@@ -1424,8 +1676,10 @@
           <a:bodyPr/>
           <a:lstStyle/>
           <a:p>
-            <a:pPr/>
-            <a:fld id="{86CB4B4D-7CA3-9044-876B-883B54F8677D}" type="slidenum"/>
+            <a:fld id="{86CB4B4D-7CA3-9044-876B-883B54F8677D}" type="slidenum">
+              <a:t>‹#›</a:t>
+            </a:fld>
+            <a:endParaRPr/>
           </a:p>
         </p:txBody>
       </p:sp>
@@ -1434,12 +1688,12 @@
   <p:clrMapOvr>
     <a:masterClrMapping/>
   </p:clrMapOvr>
-  <p:transition xmlns:p14="http://schemas.microsoft.com/office/powerpoint/2010/main" spd="med" advClick="1"/>
+  <p:transition spd="med"/>
 </p:sldLayout>
 </file>
 
 <file path=ppt/slideLayouts/slideLayout7.xml><?xml version="1.0" encoding="utf-8"?>
-<p:sldLayout xmlns:a="http://schemas.openxmlformats.org/drawingml/2006/main" xmlns:r="http://schemas.openxmlformats.org/officeDocument/2006/relationships" xmlns:p="http://schemas.openxmlformats.org/presentationml/2006/main" type="tx" showMasterSp="1" showMasterPhAnim="1">
+<p:sldLayout xmlns:a="http://schemas.openxmlformats.org/drawingml/2006/main" xmlns:r="http://schemas.openxmlformats.org/officeDocument/2006/relationships" xmlns:p="http://schemas.openxmlformats.org/presentationml/2006/main" type="tx">
   <p:cSld name="MAIN_POINT">
     <p:spTree>
       <p:nvGrpSpPr>
@@ -1458,7 +1712,9 @@
       <p:sp>
         <p:nvSpPr>
           <p:cNvPr id="64" name="Title Text"/>
-          <p:cNvSpPr/>
+          <p:cNvSpPr>
+            <a:spLocks noGrp="1"/>
+          </p:cNvSpPr>
           <p:nvPr>
             <p:ph type="title"/>
           </p:nvPr>
@@ -1480,7 +1736,6 @@
             </a:lvl1pPr>
           </a:lstStyle>
           <a:p>
-            <a:pPr/>
             <a:r>
               <a:t>Title Text</a:t>
             </a:r>
@@ -1490,7 +1745,9 @@
       <p:sp>
         <p:nvSpPr>
           <p:cNvPr id="65" name="Slide Number"/>
-          <p:cNvSpPr/>
+          <p:cNvSpPr>
+            <a:spLocks noGrp="1"/>
+          </p:cNvSpPr>
           <p:nvPr>
             <p:ph type="sldNum" sz="quarter" idx="2"/>
           </p:nvPr>
@@ -1504,8 +1761,10 @@
           <a:bodyPr/>
           <a:lstStyle/>
           <a:p>
-            <a:pPr/>
-            <a:fld id="{86CB4B4D-7CA3-9044-876B-883B54F8677D}" type="slidenum"/>
+            <a:fld id="{86CB4B4D-7CA3-9044-876B-883B54F8677D}" type="slidenum">
+              <a:t>‹#›</a:t>
+            </a:fld>
+            <a:endParaRPr/>
           </a:p>
         </p:txBody>
       </p:sp>
@@ -1514,12 +1773,12 @@
   <p:clrMapOvr>
     <a:masterClrMapping/>
   </p:clrMapOvr>
-  <p:transition xmlns:p14="http://schemas.microsoft.com/office/powerpoint/2010/main" spd="med" advClick="1"/>
+  <p:transition spd="med"/>
 </p:sldLayout>
 </file>
 
 <file path=ppt/slideLayouts/slideLayout8.xml><?xml version="1.0" encoding="utf-8"?>
-<p:sldLayout xmlns:a="http://schemas.openxmlformats.org/drawingml/2006/main" xmlns:r="http://schemas.openxmlformats.org/officeDocument/2006/relationships" xmlns:p="http://schemas.openxmlformats.org/presentationml/2006/main" type="tx" showMasterSp="1" showMasterPhAnim="1">
+<p:sldLayout xmlns:a="http://schemas.openxmlformats.org/drawingml/2006/main" xmlns:r="http://schemas.openxmlformats.org/officeDocument/2006/relationships" xmlns:p="http://schemas.openxmlformats.org/presentationml/2006/main" type="tx">
   <p:cSld name="SECTION_TITLE_AND_DESCRIPTION">
     <p:spTree>
       <p:nvGrpSpPr>
@@ -1560,14 +1819,16 @@
           <a:bodyPr lIns="45719" rIns="45719" anchor="ctr"/>
           <a:lstStyle/>
           <a:p>
-            <a:pPr/>
+            <a:endParaRPr/>
           </a:p>
         </p:txBody>
       </p:sp>
       <p:sp>
         <p:nvSpPr>
           <p:cNvPr id="73" name="Title Text"/>
-          <p:cNvSpPr/>
+          <p:cNvSpPr>
+            <a:spLocks noGrp="1"/>
+          </p:cNvSpPr>
           <p:nvPr>
             <p:ph type="title"/>
           </p:nvPr>
@@ -1589,7 +1850,6 @@
             </a:lvl1pPr>
           </a:lstStyle>
           <a:p>
-            <a:pPr/>
             <a:r>
               <a:t>Title Text</a:t>
             </a:r>
@@ -1599,7 +1859,9 @@
       <p:sp>
         <p:nvSpPr>
           <p:cNvPr id="74" name="Body Level One…"/>
-          <p:cNvSpPr/>
+          <p:cNvSpPr>
+            <a:spLocks noGrp="1"/>
+          </p:cNvSpPr>
           <p:nvPr>
             <p:ph type="body" sz="quarter" idx="1"/>
           </p:nvPr>
@@ -1668,7 +1930,6 @@
             </a:lvl5pPr>
           </a:lstStyle>
           <a:p>
-            <a:pPr/>
             <a:r>
               <a:t>Body Level One</a:t>
             </a:r>
@@ -1702,7 +1963,9 @@
       <p:sp>
         <p:nvSpPr>
           <p:cNvPr id="75" name="Shape 39"/>
-          <p:cNvSpPr/>
+          <p:cNvSpPr>
+            <a:spLocks noGrp="1"/>
+          </p:cNvSpPr>
           <p:nvPr>
             <p:ph type="body" sz="half" idx="13"/>
           </p:nvPr>
@@ -1720,14 +1983,16 @@
           <a:bodyPr anchor="ctr"/>
           <a:lstStyle/>
           <a:p>
-            <a:pPr/>
+            <a:endParaRPr/>
           </a:p>
         </p:txBody>
       </p:sp>
       <p:sp>
         <p:nvSpPr>
           <p:cNvPr id="76" name="Slide Number"/>
-          <p:cNvSpPr/>
+          <p:cNvSpPr>
+            <a:spLocks noGrp="1"/>
+          </p:cNvSpPr>
           <p:nvPr>
             <p:ph type="sldNum" sz="quarter" idx="2"/>
           </p:nvPr>
@@ -1741,8 +2006,10 @@
           <a:bodyPr/>
           <a:lstStyle/>
           <a:p>
-            <a:pPr/>
-            <a:fld id="{86CB4B4D-7CA3-9044-876B-883B54F8677D}" type="slidenum"/>
+            <a:fld id="{86CB4B4D-7CA3-9044-876B-883B54F8677D}" type="slidenum">
+              <a:t>‹#›</a:t>
+            </a:fld>
+            <a:endParaRPr/>
           </a:p>
         </p:txBody>
       </p:sp>
@@ -1751,12 +2018,12 @@
   <p:clrMapOvr>
     <a:masterClrMapping/>
   </p:clrMapOvr>
-  <p:transition xmlns:p14="http://schemas.microsoft.com/office/powerpoint/2010/main" spd="med" advClick="1"/>
+  <p:transition spd="med"/>
 </p:sldLayout>
 </file>
 
 <file path=ppt/slideLayouts/slideLayout9.xml><?xml version="1.0" encoding="utf-8"?>
-<p:sldLayout xmlns:a="http://schemas.openxmlformats.org/drawingml/2006/main" xmlns:r="http://schemas.openxmlformats.org/officeDocument/2006/relationships" xmlns:p="http://schemas.openxmlformats.org/presentationml/2006/main" type="tx" showMasterSp="1" showMasterPhAnim="1">
+<p:sldLayout xmlns:a="http://schemas.openxmlformats.org/drawingml/2006/main" xmlns:r="http://schemas.openxmlformats.org/officeDocument/2006/relationships" xmlns:p="http://schemas.openxmlformats.org/presentationml/2006/main" type="tx">
   <p:cSld name="CAPTION_ONLY">
     <p:spTree>
       <p:nvGrpSpPr>
@@ -1775,7 +2042,9 @@
       <p:sp>
         <p:nvSpPr>
           <p:cNvPr id="83" name="Body Level One…"/>
-          <p:cNvSpPr/>
+          <p:cNvSpPr>
+            <a:spLocks noGrp="1"/>
+          </p:cNvSpPr>
           <p:nvPr>
             <p:ph type="body" sz="quarter" idx="1"/>
           </p:nvPr>
@@ -1831,7 +2100,6 @@
             </a:lvl5pPr>
           </a:lstStyle>
           <a:p>
-            <a:pPr/>
             <a:r>
               <a:t>Body Level One</a:t>
             </a:r>
@@ -1865,7 +2133,9 @@
       <p:sp>
         <p:nvSpPr>
           <p:cNvPr id="84" name="Slide Number"/>
-          <p:cNvSpPr/>
+          <p:cNvSpPr>
+            <a:spLocks noGrp="1"/>
+          </p:cNvSpPr>
           <p:nvPr>
             <p:ph type="sldNum" sz="quarter" idx="2"/>
           </p:nvPr>
@@ -1879,8 +2149,10 @@
           <a:bodyPr/>
           <a:lstStyle/>
           <a:p>
-            <a:pPr/>
-            <a:fld id="{86CB4B4D-7CA3-9044-876B-883B54F8677D}" type="slidenum"/>
+            <a:fld id="{86CB4B4D-7CA3-9044-876B-883B54F8677D}" type="slidenum">
+              <a:t>‹#›</a:t>
+            </a:fld>
+            <a:endParaRPr/>
           </a:p>
         </p:txBody>
       </p:sp>
@@ -1889,7 +2161,7 @@
   <p:clrMapOvr>
     <a:masterClrMapping/>
   </p:clrMapOvr>
-  <p:transition xmlns:p14="http://schemas.microsoft.com/office/powerpoint/2010/main" spd="med" advClick="1"/>
+  <p:transition spd="med"/>
 </p:sldLayout>
 </file>
 
@@ -1901,6 +2173,7 @@
         <a:solidFill>
           <a:srgbClr val="FFFFFF"/>
         </a:solidFill>
+        <a:effectLst/>
       </p:bgPr>
     </p:bg>
     <p:spTree>
@@ -1920,7 +2193,9 @@
       <p:sp>
         <p:nvSpPr>
           <p:cNvPr id="2" name="Title Text"/>
-          <p:cNvSpPr/>
+          <p:cNvSpPr>
+            <a:spLocks noGrp="1"/>
+          </p:cNvSpPr>
           <p:nvPr>
             <p:ph type="title"/>
           </p:nvPr>
@@ -1938,17 +2213,16 @@
           </a:ln>
           <a:extLst>
             <a:ext uri="{C572A759-6A51-4108-AA02-DFA0A04FC94B}">
-              <ma14:wrappingTextBoxFlag xmlns:ma14="http://schemas.microsoft.com/office/mac/drawingml/2011/main" val="1"/>
+              <ma14:wrappingTextBoxFlag xmlns:ma14="http://schemas.microsoft.com/office/mac/drawingml/2011/main" xmlns="" val="1"/>
             </a:ext>
           </a:extLst>
         </p:spPr>
         <p:txBody>
           <a:bodyPr lIns="91424" tIns="91424" rIns="91424" bIns="91424">
-            <a:normAutofit fontScale="100000" lnSpcReduction="0"/>
+            <a:normAutofit/>
           </a:bodyPr>
           <a:lstStyle/>
           <a:p>
-            <a:pPr/>
             <a:r>
               <a:t>Title Text</a:t>
             </a:r>
@@ -1958,7 +2232,9 @@
       <p:sp>
         <p:nvSpPr>
           <p:cNvPr id="3" name="Body Level One…"/>
-          <p:cNvSpPr/>
+          <p:cNvSpPr>
+            <a:spLocks noGrp="1"/>
+          </p:cNvSpPr>
           <p:nvPr>
             <p:ph type="body" idx="1"/>
           </p:nvPr>
@@ -1976,17 +2252,16 @@
           </a:ln>
           <a:extLst>
             <a:ext uri="{C572A759-6A51-4108-AA02-DFA0A04FC94B}">
-              <ma14:wrappingTextBoxFlag xmlns:ma14="http://schemas.microsoft.com/office/mac/drawingml/2011/main" val="1"/>
+              <ma14:wrappingTextBoxFlag xmlns:ma14="http://schemas.microsoft.com/office/mac/drawingml/2011/main" xmlns="" val="1"/>
             </a:ext>
           </a:extLst>
         </p:spPr>
         <p:txBody>
           <a:bodyPr lIns="91424" tIns="91424" rIns="91424" bIns="91424">
-            <a:normAutofit fontScale="100000" lnSpcReduction="0"/>
+            <a:normAutofit/>
           </a:bodyPr>
           <a:lstStyle/>
           <a:p>
-            <a:pPr/>
             <a:r>
               <a:t>Body Level One</a:t>
             </a:r>
@@ -2020,7 +2295,9 @@
       <p:sp>
         <p:nvSpPr>
           <p:cNvPr id="4" name="Slide Number"/>
-          <p:cNvSpPr/>
+          <p:cNvSpPr>
+            <a:spLocks noGrp="1"/>
+          </p:cNvSpPr>
           <p:nvPr>
             <p:ph type="sldNum" sz="quarter" idx="2"/>
           </p:nvPr>
@@ -2053,8 +2330,10 @@
             </a:lvl1pPr>
           </a:lstStyle>
           <a:p>
-            <a:pPr/>
-            <a:fld id="{86CB4B4D-7CA3-9044-876B-883B54F8677D}" type="slidenum"/>
+            <a:fld id="{86CB4B4D-7CA3-9044-876B-883B54F8677D}" type="slidenum">
+              <a:t>‹#›</a:t>
+            </a:fld>
+            <a:endParaRPr/>
           </a:p>
         </p:txBody>
       </p:sp>
@@ -2062,19 +2341,19 @@
   </p:cSld>
   <p:clrMap bg1="lt1" tx1="dk1" bg2="lt2" tx2="dk2" accent1="accent1" accent2="accent2" accent3="accent3" accent4="accent4" accent5="accent5" accent6="accent6" hlink="hlink" folHlink="folHlink"/>
   <p:sldLayoutIdLst>
-    <p:sldLayoutId id="2147483649" r:id="rId2"/>
-    <p:sldLayoutId id="2147483650" r:id="rId3"/>
-    <p:sldLayoutId id="2147483651" r:id="rId4"/>
-    <p:sldLayoutId id="2147483652" r:id="rId5"/>
-    <p:sldLayoutId id="2147483653" r:id="rId6"/>
-    <p:sldLayoutId id="2147483654" r:id="rId7"/>
-    <p:sldLayoutId id="2147483655" r:id="rId8"/>
-    <p:sldLayoutId id="2147483656" r:id="rId9"/>
-    <p:sldLayoutId id="2147483657" r:id="rId10"/>
-    <p:sldLayoutId id="2147483658" r:id="rId11"/>
-    <p:sldLayoutId id="2147483659" r:id="rId12"/>
+    <p:sldLayoutId id="2147483649" r:id="rId1"/>
+    <p:sldLayoutId id="2147483650" r:id="rId2"/>
+    <p:sldLayoutId id="2147483651" r:id="rId3"/>
+    <p:sldLayoutId id="2147483652" r:id="rId4"/>
+    <p:sldLayoutId id="2147483653" r:id="rId5"/>
+    <p:sldLayoutId id="2147483654" r:id="rId6"/>
+    <p:sldLayoutId id="2147483655" r:id="rId7"/>
+    <p:sldLayoutId id="2147483656" r:id="rId8"/>
+    <p:sldLayoutId id="2147483657" r:id="rId9"/>
+    <p:sldLayoutId id="2147483658" r:id="rId10"/>
+    <p:sldLayoutId id="2147483659" r:id="rId11"/>
   </p:sldLayoutIdLst>
-  <p:transition xmlns:p14="http://schemas.microsoft.com/office/powerpoint/2010/main" spd="med" advClick="1"/>
+  <p:transition spd="med"/>
   <p:txStyles>
     <p:titleStyle>
       <a:lvl1pPr marL="0" marR="0" indent="0" algn="l" defTabSz="914400" rtl="0" latinLnBrk="0">
@@ -2092,7 +2371,7 @@
         <a:buFontTx/>
         <a:buNone/>
         <a:tabLst/>
-        <a:defRPr b="0" baseline="0" cap="none" i="0" spc="0" strike="noStrike" sz="2800" u="none">
+        <a:defRPr sz="2800" b="0" i="0" u="none" strike="noStrike" cap="none" spc="0" baseline="0">
           <a:ln>
             <a:noFill/>
           </a:ln>
@@ -2121,7 +2400,7 @@
         <a:buFontTx/>
         <a:buNone/>
         <a:tabLst/>
-        <a:defRPr b="0" baseline="0" cap="none" i="0" spc="0" strike="noStrike" sz="2800" u="none">
+        <a:defRPr sz="2800" b="0" i="0" u="none" strike="noStrike" cap="none" spc="0" baseline="0">
           <a:ln>
             <a:noFill/>
           </a:ln>
@@ -2150,7 +2429,7 @@
         <a:buFontTx/>
         <a:buNone/>
         <a:tabLst/>
-        <a:defRPr b="0" baseline="0" cap="none" i="0" spc="0" strike="noStrike" sz="2800" u="none">
+        <a:defRPr sz="2800" b="0" i="0" u="none" strike="noStrike" cap="none" spc="0" baseline="0">
           <a:ln>
             <a:noFill/>
           </a:ln>
@@ -2179,7 +2458,7 @@
         <a:buFontTx/>
         <a:buNone/>
         <a:tabLst/>
-        <a:defRPr b="0" baseline="0" cap="none" i="0" spc="0" strike="noStrike" sz="2800" u="none">
+        <a:defRPr sz="2800" b="0" i="0" u="none" strike="noStrike" cap="none" spc="0" baseline="0">
           <a:ln>
             <a:noFill/>
           </a:ln>
@@ -2208,7 +2487,7 @@
         <a:buFontTx/>
         <a:buNone/>
         <a:tabLst/>
-        <a:defRPr b="0" baseline="0" cap="none" i="0" spc="0" strike="noStrike" sz="2800" u="none">
+        <a:defRPr sz="2800" b="0" i="0" u="none" strike="noStrike" cap="none" spc="0" baseline="0">
           <a:ln>
             <a:noFill/>
           </a:ln>
@@ -2237,7 +2516,7 @@
         <a:buFontTx/>
         <a:buNone/>
         <a:tabLst/>
-        <a:defRPr b="0" baseline="0" cap="none" i="0" spc="0" strike="noStrike" sz="2800" u="none">
+        <a:defRPr sz="2800" b="0" i="0" u="none" strike="noStrike" cap="none" spc="0" baseline="0">
           <a:ln>
             <a:noFill/>
           </a:ln>
@@ -2266,7 +2545,7 @@
         <a:buFontTx/>
         <a:buNone/>
         <a:tabLst/>
-        <a:defRPr b="0" baseline="0" cap="none" i="0" spc="0" strike="noStrike" sz="2800" u="none">
+        <a:defRPr sz="2800" b="0" i="0" u="none" strike="noStrike" cap="none" spc="0" baseline="0">
           <a:ln>
             <a:noFill/>
           </a:ln>
@@ -2295,7 +2574,7 @@
         <a:buFontTx/>
         <a:buNone/>
         <a:tabLst/>
-        <a:defRPr b="0" baseline="0" cap="none" i="0" spc="0" strike="noStrike" sz="2800" u="none">
+        <a:defRPr sz="2800" b="0" i="0" u="none" strike="noStrike" cap="none" spc="0" baseline="0">
           <a:ln>
             <a:noFill/>
           </a:ln>
@@ -2324,7 +2603,7 @@
         <a:buFontTx/>
         <a:buNone/>
         <a:tabLst/>
-        <a:defRPr b="0" baseline="0" cap="none" i="0" spc="0" strike="noStrike" sz="2800" u="none">
+        <a:defRPr sz="2800" b="0" i="0" u="none" strike="noStrike" cap="none" spc="0" baseline="0">
           <a:ln>
             <a:noFill/>
           </a:ln>
@@ -2359,7 +2638,7 @@
         <a:buFont typeface="Arial"/>
         <a:buChar char="●"/>
         <a:tabLst/>
-        <a:defRPr b="0" baseline="0" cap="none" i="0" spc="0" strike="noStrike" sz="1800" u="none">
+        <a:defRPr sz="1800" b="0" i="0" u="none" strike="noStrike" cap="none" spc="0" baseline="0">
           <a:ln>
             <a:noFill/>
           </a:ln>
@@ -2394,7 +2673,7 @@
         <a:buFont typeface="Arial"/>
         <a:buChar char="○"/>
         <a:tabLst/>
-        <a:defRPr b="0" baseline="0" cap="none" i="0" spc="0" strike="noStrike" sz="1800" u="none">
+        <a:defRPr sz="1800" b="0" i="0" u="none" strike="noStrike" cap="none" spc="0" baseline="0">
           <a:ln>
             <a:noFill/>
           </a:ln>
@@ -2429,7 +2708,7 @@
         <a:buFont typeface="Arial"/>
         <a:buChar char="■"/>
         <a:tabLst/>
-        <a:defRPr b="0" baseline="0" cap="none" i="0" spc="0" strike="noStrike" sz="1800" u="none">
+        <a:defRPr sz="1800" b="0" i="0" u="none" strike="noStrike" cap="none" spc="0" baseline="0">
           <a:ln>
             <a:noFill/>
           </a:ln>
@@ -2464,7 +2743,7 @@
         <a:buFont typeface="Arial"/>
         <a:buChar char="●"/>
         <a:tabLst/>
-        <a:defRPr b="0" baseline="0" cap="none" i="0" spc="0" strike="noStrike" sz="1800" u="none">
+        <a:defRPr sz="1800" b="0" i="0" u="none" strike="noStrike" cap="none" spc="0" baseline="0">
           <a:ln>
             <a:noFill/>
           </a:ln>
@@ -2499,7 +2778,7 @@
         <a:buFont typeface="Arial"/>
         <a:buChar char="○"/>
         <a:tabLst/>
-        <a:defRPr b="0" baseline="0" cap="none" i="0" spc="0" strike="noStrike" sz="1800" u="none">
+        <a:defRPr sz="1800" b="0" i="0" u="none" strike="noStrike" cap="none" spc="0" baseline="0">
           <a:ln>
             <a:noFill/>
           </a:ln>
@@ -2534,7 +2813,7 @@
         <a:buFont typeface="Arial"/>
         <a:buChar char="■"/>
         <a:tabLst/>
-        <a:defRPr b="0" baseline="0" cap="none" i="0" spc="0" strike="noStrike" sz="1800" u="none">
+        <a:defRPr sz="1800" b="0" i="0" u="none" strike="noStrike" cap="none" spc="0" baseline="0">
           <a:ln>
             <a:noFill/>
           </a:ln>
@@ -2569,7 +2848,7 @@
         <a:buFont typeface="Arial"/>
         <a:buChar char="●"/>
         <a:tabLst/>
-        <a:defRPr b="0" baseline="0" cap="none" i="0" spc="0" strike="noStrike" sz="1800" u="none">
+        <a:defRPr sz="1800" b="0" i="0" u="none" strike="noStrike" cap="none" spc="0" baseline="0">
           <a:ln>
             <a:noFill/>
           </a:ln>
@@ -2604,7 +2883,7 @@
         <a:buFont typeface="Arial"/>
         <a:buChar char="○"/>
         <a:tabLst/>
-        <a:defRPr b="0" baseline="0" cap="none" i="0" spc="0" strike="noStrike" sz="1800" u="none">
+        <a:defRPr sz="1800" b="0" i="0" u="none" strike="noStrike" cap="none" spc="0" baseline="0">
           <a:ln>
             <a:noFill/>
           </a:ln>
@@ -2639,7 +2918,7 @@
         <a:buFont typeface="Arial"/>
         <a:buChar char="■"/>
         <a:tabLst/>
-        <a:defRPr b="0" baseline="0" cap="none" i="0" spc="0" strike="noStrike" sz="1800" u="none">
+        <a:defRPr sz="1800" b="0" i="0" u="none" strike="noStrike" cap="none" spc="0" baseline="0">
           <a:ln>
             <a:noFill/>
           </a:ln>
@@ -2672,7 +2951,7 @@
         <a:buFontTx/>
         <a:buNone/>
         <a:tabLst/>
-        <a:defRPr b="0" baseline="0" cap="none" i="0" spc="0" strike="noStrike" sz="1000" u="none">
+        <a:defRPr sz="1000" b="0" i="0" u="none" strike="noStrike" cap="none" spc="0" baseline="0">
           <a:ln>
             <a:noFill/>
           </a:ln>
@@ -2701,7 +2980,7 @@
         <a:buFontTx/>
         <a:buNone/>
         <a:tabLst/>
-        <a:defRPr b="0" baseline="0" cap="none" i="0" spc="0" strike="noStrike" sz="1000" u="none">
+        <a:defRPr sz="1000" b="0" i="0" u="none" strike="noStrike" cap="none" spc="0" baseline="0">
           <a:ln>
             <a:noFill/>
           </a:ln>
@@ -2730,7 +3009,7 @@
         <a:buFontTx/>
         <a:buNone/>
         <a:tabLst/>
-        <a:defRPr b="0" baseline="0" cap="none" i="0" spc="0" strike="noStrike" sz="1000" u="none">
+        <a:defRPr sz="1000" b="0" i="0" u="none" strike="noStrike" cap="none" spc="0" baseline="0">
           <a:ln>
             <a:noFill/>
           </a:ln>
@@ -2759,7 +3038,7 @@
         <a:buFontTx/>
         <a:buNone/>
         <a:tabLst/>
-        <a:defRPr b="0" baseline="0" cap="none" i="0" spc="0" strike="noStrike" sz="1000" u="none">
+        <a:defRPr sz="1000" b="0" i="0" u="none" strike="noStrike" cap="none" spc="0" baseline="0">
           <a:ln>
             <a:noFill/>
           </a:ln>
@@ -2788,7 +3067,7 @@
         <a:buFontTx/>
         <a:buNone/>
         <a:tabLst/>
-        <a:defRPr b="0" baseline="0" cap="none" i="0" spc="0" strike="noStrike" sz="1000" u="none">
+        <a:defRPr sz="1000" b="0" i="0" u="none" strike="noStrike" cap="none" spc="0" baseline="0">
           <a:ln>
             <a:noFill/>
           </a:ln>
@@ -2817,7 +3096,7 @@
         <a:buFontTx/>
         <a:buNone/>
         <a:tabLst/>
-        <a:defRPr b="0" baseline="0" cap="none" i="0" spc="0" strike="noStrike" sz="1000" u="none">
+        <a:defRPr sz="1000" b="0" i="0" u="none" strike="noStrike" cap="none" spc="0" baseline="0">
           <a:ln>
             <a:noFill/>
           </a:ln>
@@ -2846,7 +3125,7 @@
         <a:buFontTx/>
         <a:buNone/>
         <a:tabLst/>
-        <a:defRPr b="0" baseline="0" cap="none" i="0" spc="0" strike="noStrike" sz="1000" u="none">
+        <a:defRPr sz="1000" b="0" i="0" u="none" strike="noStrike" cap="none" spc="0" baseline="0">
           <a:ln>
             <a:noFill/>
           </a:ln>
@@ -2875,7 +3154,7 @@
         <a:buFontTx/>
         <a:buNone/>
         <a:tabLst/>
-        <a:defRPr b="0" baseline="0" cap="none" i="0" spc="0" strike="noStrike" sz="1000" u="none">
+        <a:defRPr sz="1000" b="0" i="0" u="none" strike="noStrike" cap="none" spc="0" baseline="0">
           <a:ln>
             <a:noFill/>
           </a:ln>
@@ -2904,7 +3183,7 @@
         <a:buFontTx/>
         <a:buNone/>
         <a:tabLst/>
-        <a:defRPr b="0" baseline="0" cap="none" i="0" spc="0" strike="noStrike" sz="1000" u="none">
+        <a:defRPr sz="1000" b="0" i="0" u="none" strike="noStrike" cap="none" spc="0" baseline="0">
           <a:ln>
             <a:noFill/>
           </a:ln>
@@ -2924,7 +3203,7 @@
 </file>
 
 <file path=ppt/slides/slide1.xml><?xml version="1.0" encoding="utf-8"?>
-<p:sld xmlns:a="http://schemas.openxmlformats.org/drawingml/2006/main" xmlns:r="http://schemas.openxmlformats.org/officeDocument/2006/relationships" xmlns:p="http://schemas.openxmlformats.org/presentationml/2006/main" showMasterSp="1" showMasterPhAnim="1">
+<p:sld xmlns:a="http://schemas.openxmlformats.org/drawingml/2006/main" xmlns:r="http://schemas.openxmlformats.org/officeDocument/2006/relationships" xmlns:p="http://schemas.openxmlformats.org/presentationml/2006/main">
   <p:cSld>
     <p:spTree>
       <p:nvGrpSpPr>
@@ -2947,7 +3226,7 @@
           <p:nvPr/>
         </p:nvSpPr>
         <p:spPr>
-          <a:xfrm flipH="1" rot="10800000">
+          <a:xfrm rot="10800000" flipH="1">
             <a:off x="-1" y="0"/>
             <a:ext cx="9163201" cy="5148001"/>
           </a:xfrm>
@@ -2971,7 +3250,7 @@
             </a:cxnLst>
             <a:rect l="0" t="0" r="r" b="b"/>
             <a:pathLst>
-              <a:path w="21600" h="21600" fill="norm" stroke="1" extrusionOk="0">
+              <a:path w="21600" h="21600" extrusionOk="0">
                 <a:moveTo>
                   <a:pt x="0" y="0"/>
                 </a:moveTo>
@@ -3010,7 +3289,7 @@
           <a:bodyPr lIns="45719" rIns="45719" anchor="ctr"/>
           <a:lstStyle/>
           <a:p>
-            <a:pPr/>
+            <a:endParaRPr/>
           </a:p>
         </p:txBody>
       </p:sp>
@@ -3033,7 +3312,7 @@
           </a:ln>
           <a:extLst>
             <a:ext uri="{C572A759-6A51-4108-AA02-DFA0A04FC94B}">
-              <ma14:wrappingTextBoxFlag xmlns:ma14="http://schemas.microsoft.com/office/mac/drawingml/2011/main" val="1"/>
+              <ma14:wrappingTextBoxFlag xmlns:ma14="http://schemas.microsoft.com/office/mac/drawingml/2011/main" xmlns="" val="1"/>
             </a:ext>
           </a:extLst>
         </p:spPr>
@@ -3055,8 +3334,8 @@
             </a:lvl1pPr>
           </a:lstStyle>
           <a:p>
-            <a:pPr/>
-            <a:r>
+            <a:r>
+              <a:rPr dirty="0"/>
               <a:t>Sprocket Central Pty Ltd</a:t>
             </a:r>
           </a:p>
@@ -3081,7 +3360,7 @@
           </a:ln>
           <a:extLst>
             <a:ext uri="{C572A759-6A51-4108-AA02-DFA0A04FC94B}">
-              <ma14:wrappingTextBoxFlag xmlns:ma14="http://schemas.microsoft.com/office/mac/drawingml/2011/main" val="1"/>
+              <ma14:wrappingTextBoxFlag xmlns:ma14="http://schemas.microsoft.com/office/mac/drawingml/2011/main" xmlns="" val="1"/>
             </a:ext>
           </a:extLst>
         </p:spPr>
@@ -3103,7 +3382,6 @@
             </a:lvl1pPr>
           </a:lstStyle>
           <a:p>
-            <a:pPr/>
             <a:r>
               <a:t>Data analytics approach</a:t>
             </a:r>
@@ -3158,7 +3436,7 @@
           </a:ln>
           <a:extLst>
             <a:ext uri="{C572A759-6A51-4108-AA02-DFA0A04FC94B}">
-              <ma14:wrappingTextBoxFlag xmlns:ma14="http://schemas.microsoft.com/office/mac/drawingml/2011/main" val="1"/>
+              <ma14:wrappingTextBoxFlag xmlns:ma14="http://schemas.microsoft.com/office/mac/drawingml/2011/main" xmlns="" val="1"/>
             </a:ext>
           </a:extLst>
         </p:spPr>
@@ -3180,7 +3458,6 @@
             </a:lvl1pPr>
           </a:lstStyle>
           <a:p>
-            <a:pPr/>
             <a:r>
               <a:t>[Division Name] - [Engagement Manager], [Senior Consultant], [Junior Consultant]</a:t>
             </a:r>
@@ -3209,7 +3486,7 @@
           </a:ln>
           <a:extLst>
             <a:ext uri="{C572A759-6A51-4108-AA02-DFA0A04FC94B}">
-              <ma14:wrappingTextBoxFlag xmlns:ma14="http://schemas.microsoft.com/office/mac/drawingml/2011/main" val="1"/>
+              <ma14:wrappingTextBoxFlag xmlns:ma14="http://schemas.microsoft.com/office/mac/drawingml/2011/main" xmlns="" val="1"/>
             </a:ext>
           </a:extLst>
         </p:spPr>
@@ -3218,7 +3495,7 @@
           <a:lstStyle/>
           <a:p>
             <a:pPr defTabSz="457200">
-              <a:defRPr b="1" sz="500">
+              <a:defRPr sz="500" b="1">
                 <a:latin typeface="Calibri"/>
                 <a:ea typeface="Calibri"/>
                 <a:cs typeface="Calibri"/>
@@ -3235,17 +3512,47 @@
           </a:p>
         </p:txBody>
       </p:sp>
+      <p:pic>
+        <p:nvPicPr>
+          <p:cNvPr id="8" name="Picture 7"/>
+          <p:cNvPicPr>
+            <a:picLocks noChangeAspect="1"/>
+          </p:cNvPicPr>
+          <p:nvPr/>
+        </p:nvPicPr>
+        <p:blipFill>
+          <a:blip r:embed="rId3" cstate="print">
+            <a:extLst>
+              <a:ext uri="{28A0092B-C50C-407E-A947-70E740481C1C}">
+                <a14:useLocalDpi xmlns:a14="http://schemas.microsoft.com/office/drawing/2010/main" val="0"/>
+              </a:ext>
+            </a:extLst>
+          </a:blip>
+          <a:stretch>
+            <a:fillRect/>
+          </a:stretch>
+        </p:blipFill>
+        <p:spPr>
+          <a:xfrm>
+            <a:off x="7700295" y="4142892"/>
+            <a:ext cx="1365328" cy="881743"/>
+          </a:xfrm>
+          <a:prstGeom prst="rect">
+            <a:avLst/>
+          </a:prstGeom>
+        </p:spPr>
+      </p:pic>
     </p:spTree>
   </p:cSld>
   <p:clrMapOvr>
     <a:masterClrMapping/>
   </p:clrMapOvr>
-  <p:transition xmlns:p14="http://schemas.microsoft.com/office/powerpoint/2010/main" spd="med" advClick="1"/>
+  <p:transition spd="med"/>
 </p:sld>
 </file>
 
-<file path=ppt/slides/slide2.xml><?xml version="1.0" encoding="utf-8"?>
-<p:sld xmlns:a="http://schemas.openxmlformats.org/drawingml/2006/main" xmlns:r="http://schemas.openxmlformats.org/officeDocument/2006/relationships" xmlns:p="http://schemas.openxmlformats.org/presentationml/2006/main" showMasterSp="1" showMasterPhAnim="1">
+<file path=ppt/slides/slide10.xml><?xml version="1.0" encoding="utf-8"?>
+<p:sld xmlns:a="http://schemas.openxmlformats.org/drawingml/2006/main" xmlns:r="http://schemas.openxmlformats.org/officeDocument/2006/relationships" xmlns:p="http://schemas.openxmlformats.org/presentationml/2006/main">
   <p:cSld>
     <p:spTree>
       <p:nvGrpSpPr>
@@ -3263,7 +3570,7 @@
       </p:grpSpPr>
       <p:sp>
         <p:nvSpPr>
-          <p:cNvPr id="116" name="Shape 63"/>
+          <p:cNvPr id="148" name="Shape 97"/>
           <p:cNvSpPr/>
           <p:nvPr/>
         </p:nvSpPr>
@@ -3294,20 +3601,20 @@
           <a:bodyPr lIns="45719" rIns="45719" anchor="ctr"/>
           <a:lstStyle/>
           <a:p>
-            <a:pPr/>
-          </a:p>
-        </p:txBody>
-      </p:sp>
-      <p:sp>
-        <p:nvSpPr>
-          <p:cNvPr id="117" name="Shape 64"/>
+            <a:endParaRPr/>
+          </a:p>
+        </p:txBody>
+      </p:sp>
+      <p:sp>
+        <p:nvSpPr>
+          <p:cNvPr id="149" name="Shape 98"/>
           <p:cNvSpPr/>
           <p:nvPr/>
         </p:nvSpPr>
         <p:spPr>
           <a:xfrm>
             <a:off x="205025" y="263974"/>
-            <a:ext cx="8565600" cy="466642"/>
+            <a:ext cx="8565600" cy="758742"/>
           </a:xfrm>
           <a:prstGeom prst="rect">
             <a:avLst/>
@@ -3317,7 +3624,7 @@
           </a:ln>
           <a:extLst>
             <a:ext uri="{C572A759-6A51-4108-AA02-DFA0A04FC94B}">
-              <ma14:wrappingTextBoxFlag xmlns:ma14="http://schemas.microsoft.com/office/mac/drawingml/2011/main" val="1"/>
+              <ma14:wrappingTextBoxFlag xmlns:ma14="http://schemas.microsoft.com/office/mac/drawingml/2011/main" xmlns="" val="1"/>
             </a:ext>
           </a:extLst>
         </p:spPr>
@@ -3327,7 +3634,7 @@
           </a:bodyPr>
           <a:lstStyle>
             <a:lvl1pPr>
-              <a:defRPr b="1" sz="2000">
+              <a:defRPr sz="2000" b="1">
                 <a:solidFill>
                   <a:srgbClr val="FFFFFF"/>
                 </a:solidFill>
@@ -3335,23 +3642,22 @@
             </a:lvl1pPr>
           </a:lstStyle>
           <a:p>
-            <a:pPr/>
-            <a:r>
-              <a:t>Agenda</a:t>
-            </a:r>
-          </a:p>
-        </p:txBody>
-      </p:sp>
-      <p:sp>
-        <p:nvSpPr>
-          <p:cNvPr id="118" name="Shape 65"/>
+            <a:r>
+              <a:t>Interpretation</a:t>
+            </a:r>
+          </a:p>
+        </p:txBody>
+      </p:sp>
+      <p:sp>
+        <p:nvSpPr>
+          <p:cNvPr id="150" name="Shape 99"/>
           <p:cNvSpPr/>
           <p:nvPr/>
         </p:nvSpPr>
         <p:spPr>
           <a:xfrm>
-            <a:off x="343874" y="1211200"/>
-            <a:ext cx="5459402" cy="1708756"/>
+            <a:off x="205025" y="1083299"/>
+            <a:ext cx="8565600" cy="508505"/>
           </a:xfrm>
           <a:prstGeom prst="rect">
             <a:avLst/>
@@ -3361,7 +3667,7 @@
           </a:ln>
           <a:extLst>
             <a:ext uri="{C572A759-6A51-4108-AA02-DFA0A04FC94B}">
-              <ma14:wrappingTextBoxFlag xmlns:ma14="http://schemas.microsoft.com/office/mac/drawingml/2011/main" val="1"/>
+              <ma14:wrappingTextBoxFlag xmlns:ma14="http://schemas.microsoft.com/office/mac/drawingml/2011/main" xmlns="" val="1"/>
             </a:ext>
           </a:extLst>
         </p:spPr>
@@ -3369,96 +3675,78 @@
           <a:bodyPr lIns="91424" tIns="91424" rIns="91424" bIns="91424">
             <a:spAutoFit/>
           </a:bodyPr>
-          <a:lstStyle/>
-          <a:p>
-            <a:pPr marL="457200" indent="-355600">
+          <a:lstStyle>
+            <a:lvl1pPr>
               <a:lnSpc>
                 <a:spcPct val="115000"/>
               </a:lnSpc>
-              <a:buClr>
-                <a:srgbClr val="000000"/>
-              </a:buClr>
-              <a:buSzPts val="2000"/>
-              <a:buAutoNum type="arabicPeriod" startAt="1"/>
-              <a:defRPr sz="2000">
+              <a:defRPr sz="2000" b="1">
                 <a:latin typeface="Open Sans"/>
                 <a:ea typeface="Open Sans"/>
                 <a:cs typeface="Open Sans"/>
                 <a:sym typeface="Open Sans"/>
               </a:defRPr>
-            </a:pPr>
-            <a:r>
-              <a:t>Introduction</a:t>
-            </a:r>
-          </a:p>
-          <a:p>
-            <a:pPr marL="457200" indent="-355600">
+            </a:lvl1pPr>
+          </a:lstStyle>
+          <a:p>
+            <a:r>
+              <a:rPr lang="en-US" dirty="0" smtClean="0"/>
+              <a:t>Recommendations</a:t>
+            </a:r>
+          </a:p>
+        </p:txBody>
+      </p:sp>
+      <p:sp>
+        <p:nvSpPr>
+          <p:cNvPr id="151" name="Shape 100"/>
+          <p:cNvSpPr/>
+          <p:nvPr/>
+        </p:nvSpPr>
+        <p:spPr>
+          <a:xfrm>
+            <a:off x="205025" y="1652387"/>
+            <a:ext cx="8565600" cy="450091"/>
+          </a:xfrm>
+          <a:prstGeom prst="rect">
+            <a:avLst/>
+          </a:prstGeom>
+          <a:ln w="12700">
+            <a:miter lim="400000"/>
+          </a:ln>
+          <a:extLst>
+            <a:ext uri="{C572A759-6A51-4108-AA02-DFA0A04FC94B}">
+              <ma14:wrappingTextBoxFlag xmlns:ma14="http://schemas.microsoft.com/office/mac/drawingml/2011/main" xmlns="" val="1"/>
+            </a:ext>
+          </a:extLst>
+        </p:spPr>
+        <p:txBody>
+          <a:bodyPr wrap="square" lIns="91424" tIns="91424" rIns="91424" bIns="91424">
+            <a:spAutoFit/>
+          </a:bodyPr>
+          <a:lstStyle>
+            <a:lvl1pPr>
               <a:lnSpc>
                 <a:spcPct val="115000"/>
               </a:lnSpc>
-              <a:buClr>
-                <a:srgbClr val="000000"/>
-              </a:buClr>
-              <a:buSzPts val="2000"/>
-              <a:buAutoNum type="arabicPeriod" startAt="1"/>
-              <a:defRPr sz="2000">
+              <a:defRPr sz="1500">
                 <a:latin typeface="Open Sans"/>
                 <a:ea typeface="Open Sans"/>
                 <a:cs typeface="Open Sans"/>
                 <a:sym typeface="Open Sans"/>
               </a:defRPr>
-            </a:pPr>
-            <a:r>
-              <a:t>Data Exploration</a:t>
-            </a:r>
-          </a:p>
-          <a:p>
-            <a:pPr marL="457200" indent="-355600">
-              <a:lnSpc>
-                <a:spcPct val="115000"/>
-              </a:lnSpc>
-              <a:buClr>
-                <a:srgbClr val="000000"/>
-              </a:buClr>
-              <a:buSzPts val="2000"/>
-              <a:buAutoNum type="arabicPeriod" startAt="1"/>
-              <a:defRPr sz="2000">
-                <a:latin typeface="Open Sans"/>
-                <a:ea typeface="Open Sans"/>
-                <a:cs typeface="Open Sans"/>
-                <a:sym typeface="Open Sans"/>
-              </a:defRPr>
-            </a:pPr>
-            <a:r>
-              <a:t>Model Development</a:t>
-            </a:r>
-          </a:p>
-          <a:p>
-            <a:pPr marL="457200" indent="-355600">
-              <a:lnSpc>
-                <a:spcPct val="115000"/>
-              </a:lnSpc>
-              <a:buClr>
-                <a:srgbClr val="000000"/>
-              </a:buClr>
-              <a:buSzPts val="2000"/>
-              <a:buAutoNum type="arabicPeriod" startAt="1"/>
-              <a:defRPr sz="2000">
-                <a:latin typeface="Open Sans"/>
-                <a:ea typeface="Open Sans"/>
-                <a:cs typeface="Open Sans"/>
-                <a:sym typeface="Open Sans"/>
-              </a:defRPr>
-            </a:pPr>
-            <a:r>
-              <a:t>Interpretation</a:t>
-            </a:r>
-          </a:p>
-        </p:txBody>
-      </p:sp>
-      <p:sp>
-        <p:nvSpPr>
-          <p:cNvPr id="119" name="Note: The data and information in this document is reflective of a hypothetical situation and client. This document is to be used for KPMG Virtual Internship purposes only."/>
+            </a:lvl1pPr>
+          </a:lstStyle>
+          <a:p>
+            <a:r>
+              <a:rPr dirty="0"/>
+              <a:t>Place any information about this point here.</a:t>
+            </a:r>
+          </a:p>
+        </p:txBody>
+      </p:sp>
+      <p:sp>
+        <p:nvSpPr>
+          <p:cNvPr id="155" name="Note: The data and information in this document is reflective of a hypothetical situation and client. This document is to be used for KPMG Virtual Internship purposes only."/>
           <p:cNvSpPr/>
           <p:nvPr/>
         </p:nvSpPr>
@@ -3478,7 +3766,7 @@
           </a:ln>
           <a:extLst>
             <a:ext uri="{C572A759-6A51-4108-AA02-DFA0A04FC94B}">
-              <ma14:wrappingTextBoxFlag xmlns:ma14="http://schemas.microsoft.com/office/mac/drawingml/2011/main" val="1"/>
+              <ma14:wrappingTextBoxFlag xmlns:ma14="http://schemas.microsoft.com/office/mac/drawingml/2011/main" xmlns="" val="1"/>
             </a:ext>
           </a:extLst>
         </p:spPr>
@@ -3487,7 +3775,7 @@
           <a:lstStyle/>
           <a:p>
             <a:pPr defTabSz="457200">
-              <a:defRPr b="1" sz="500">
+              <a:defRPr sz="500" b="1">
                 <a:latin typeface="Calibri"/>
                 <a:ea typeface="Calibri"/>
                 <a:cs typeface="Calibri"/>
@@ -3504,17 +3792,52 @@
           </a:p>
         </p:txBody>
       </p:sp>
+      <p:pic>
+        <p:nvPicPr>
+          <p:cNvPr id="11" name="Picture 10"/>
+          <p:cNvPicPr>
+            <a:picLocks noChangeAspect="1"/>
+          </p:cNvPicPr>
+          <p:nvPr/>
+        </p:nvPicPr>
+        <p:blipFill>
+          <a:blip r:embed="rId2" cstate="print">
+            <a:extLst>
+              <a:ext uri="{28A0092B-C50C-407E-A947-70E740481C1C}">
+                <a14:useLocalDpi xmlns:a14="http://schemas.microsoft.com/office/drawing/2010/main" val="0"/>
+              </a:ext>
+            </a:extLst>
+          </a:blip>
+          <a:stretch>
+            <a:fillRect/>
+          </a:stretch>
+        </p:blipFill>
+        <p:spPr>
+          <a:xfrm>
+            <a:off x="7700295" y="4142892"/>
+            <a:ext cx="1365328" cy="881743"/>
+          </a:xfrm>
+          <a:prstGeom prst="rect">
+            <a:avLst/>
+          </a:prstGeom>
+        </p:spPr>
+      </p:pic>
     </p:spTree>
+    <p:extLst>
+      <p:ext uri="{BB962C8B-B14F-4D97-AF65-F5344CB8AC3E}">
+        <p14:creationId xmlns:p14="http://schemas.microsoft.com/office/powerpoint/2010/main" val="3513186248"/>
+      </p:ext>
+    </p:extLst>
   </p:cSld>
   <p:clrMapOvr>
     <a:masterClrMapping/>
   </p:clrMapOvr>
-  <p:transition xmlns:p14="http://schemas.microsoft.com/office/powerpoint/2010/main" spd="med" advClick="1"/>
+  <p:transition spd="med"/>
 </p:sld>
 </file>
 
-<file path=ppt/slides/slide3.xml><?xml version="1.0" encoding="utf-8"?>
-<p:sld xmlns:a="http://schemas.openxmlformats.org/drawingml/2006/main" xmlns:r="http://schemas.openxmlformats.org/officeDocument/2006/relationships" xmlns:p="http://schemas.openxmlformats.org/presentationml/2006/main" showMasterSp="1" showMasterPhAnim="1">
+<file path=ppt/slides/slide11.xml><?xml version="1.0" encoding="utf-8"?>
+<p:sld xmlns:a="http://schemas.openxmlformats.org/drawingml/2006/main" xmlns:r="http://schemas.openxmlformats.org/officeDocument/2006/relationships" xmlns:p="http://schemas.openxmlformats.org/presentationml/2006/main">
   <p:cSld>
     <p:spTree>
       <p:nvGrpSpPr>
@@ -3532,1420 +3855,12 @@
       </p:grpSpPr>
       <p:sp>
         <p:nvSpPr>
-          <p:cNvPr id="121" name="Shape 70"/>
-          <p:cNvSpPr/>
-          <p:nvPr/>
-        </p:nvSpPr>
-        <p:spPr>
-          <a:xfrm>
-            <a:off x="-15501" y="-19475"/>
-            <a:ext cx="9191402" cy="840000"/>
-          </a:xfrm>
-          <a:prstGeom prst="rect">
-            <a:avLst/>
-          </a:prstGeom>
-          <a:gradFill>
-            <a:gsLst>
-              <a:gs pos="0">
-                <a:srgbClr val="1077D2"/>
-              </a:gs>
-              <a:gs pos="100000">
-                <a:srgbClr val="093153"/>
-              </a:gs>
-            </a:gsLst>
-            <a:lin ang="12000143"/>
-          </a:gradFill>
-          <a:ln w="12700">
-            <a:miter lim="400000"/>
-          </a:ln>
-        </p:spPr>
-        <p:txBody>
-          <a:bodyPr lIns="45719" rIns="45719" anchor="ctr"/>
-          <a:lstStyle/>
-          <a:p>
-            <a:pPr/>
-          </a:p>
-        </p:txBody>
-      </p:sp>
-      <p:sp>
-        <p:nvSpPr>
-          <p:cNvPr id="122" name="Shape 71"/>
-          <p:cNvSpPr/>
-          <p:nvPr/>
-        </p:nvSpPr>
-        <p:spPr>
-          <a:xfrm>
-            <a:off x="205025" y="263974"/>
-            <a:ext cx="8565600" cy="466642"/>
-          </a:xfrm>
-          <a:prstGeom prst="rect">
-            <a:avLst/>
-          </a:prstGeom>
-          <a:ln w="12700">
-            <a:miter lim="400000"/>
-          </a:ln>
-          <a:extLst>
-            <a:ext uri="{C572A759-6A51-4108-AA02-DFA0A04FC94B}">
-              <ma14:wrappingTextBoxFlag xmlns:ma14="http://schemas.microsoft.com/office/mac/drawingml/2011/main" val="1"/>
-            </a:ext>
-          </a:extLst>
-        </p:spPr>
-        <p:txBody>
-          <a:bodyPr lIns="91424" tIns="91424" rIns="91424" bIns="91424">
-            <a:spAutoFit/>
-          </a:bodyPr>
-          <a:lstStyle>
-            <a:lvl1pPr>
-              <a:defRPr b="1" sz="2000">
-                <a:solidFill>
-                  <a:srgbClr val="FFFFFF"/>
-                </a:solidFill>
-              </a:defRPr>
-            </a:lvl1pPr>
-          </a:lstStyle>
-          <a:p>
-            <a:pPr/>
-            <a:r>
-              <a:t>Introduction</a:t>
-            </a:r>
-          </a:p>
-        </p:txBody>
-      </p:sp>
-      <p:sp>
-        <p:nvSpPr>
-          <p:cNvPr id="123" name="Shape 72"/>
-          <p:cNvSpPr/>
-          <p:nvPr/>
-        </p:nvSpPr>
-        <p:spPr>
-          <a:xfrm>
-            <a:off x="205025" y="1083299"/>
-            <a:ext cx="8565600" cy="920086"/>
-          </a:xfrm>
-          <a:prstGeom prst="rect">
-            <a:avLst/>
-          </a:prstGeom>
-          <a:ln w="12700">
-            <a:miter lim="400000"/>
-          </a:ln>
-          <a:extLst>
-            <a:ext uri="{C572A759-6A51-4108-AA02-DFA0A04FC94B}">
-              <ma14:wrappingTextBoxFlag xmlns:ma14="http://schemas.microsoft.com/office/mac/drawingml/2011/main" val="1"/>
-            </a:ext>
-          </a:extLst>
-        </p:spPr>
-        <p:txBody>
-          <a:bodyPr lIns="91424" tIns="91424" rIns="91424" bIns="91424">
-            <a:spAutoFit/>
-          </a:bodyPr>
-          <a:lstStyle>
-            <a:lvl1pPr>
-              <a:lnSpc>
-                <a:spcPct val="115000"/>
-              </a:lnSpc>
-              <a:defRPr b="1" sz="2000">
-                <a:latin typeface="Open Sans"/>
-                <a:ea typeface="Open Sans"/>
-                <a:cs typeface="Open Sans"/>
-                <a:sym typeface="Open Sans"/>
-              </a:defRPr>
-            </a:lvl1pPr>
-          </a:lstStyle>
-          <a:p>
-            <a:pPr/>
-            <a:r>
-              <a:t>Place headline insight or information here. This should be the most important point for this slide.</a:t>
-            </a:r>
-          </a:p>
-        </p:txBody>
-      </p:sp>
-      <p:sp>
-        <p:nvSpPr>
-          <p:cNvPr id="124" name="Shape 73"/>
-          <p:cNvSpPr/>
-          <p:nvPr/>
-        </p:nvSpPr>
-        <p:spPr>
-          <a:xfrm>
-            <a:off x="205025" y="2164724"/>
-            <a:ext cx="4134600" cy="436851"/>
-          </a:xfrm>
-          <a:prstGeom prst="rect">
-            <a:avLst/>
-          </a:prstGeom>
-          <a:ln w="12700">
-            <a:miter lim="400000"/>
-          </a:ln>
-          <a:extLst>
-            <a:ext uri="{C572A759-6A51-4108-AA02-DFA0A04FC94B}">
-              <ma14:wrappingTextBoxFlag xmlns:ma14="http://schemas.microsoft.com/office/mac/drawingml/2011/main" val="1"/>
-            </a:ext>
-          </a:extLst>
-        </p:spPr>
-        <p:txBody>
-          <a:bodyPr lIns="91424" tIns="91424" rIns="91424" bIns="91424">
-            <a:spAutoFit/>
-          </a:bodyPr>
-          <a:lstStyle>
-            <a:lvl1pPr>
-              <a:lnSpc>
-                <a:spcPct val="115000"/>
-              </a:lnSpc>
-              <a:defRPr sz="1500">
-                <a:latin typeface="Open Sans"/>
-                <a:ea typeface="Open Sans"/>
-                <a:cs typeface="Open Sans"/>
-                <a:sym typeface="Open Sans"/>
-              </a:defRPr>
-            </a:lvl1pPr>
-          </a:lstStyle>
-          <a:p>
-            <a:pPr/>
-            <a:r>
-              <a:t>Place any information about this point here.</a:t>
-            </a:r>
-          </a:p>
-        </p:txBody>
-      </p:sp>
-      <p:grpSp>
-        <p:nvGrpSpPr>
-          <p:cNvPr id="127" name="Shape 74"/>
-          <p:cNvGrpSpPr/>
-          <p:nvPr/>
-        </p:nvGrpSpPr>
-        <p:grpSpPr>
-          <a:xfrm>
-            <a:off x="4969974" y="2164724"/>
-            <a:ext cx="3800702" cy="2649302"/>
-            <a:chOff x="0" y="0"/>
-            <a:chExt cx="3800700" cy="2649300"/>
-          </a:xfrm>
-        </p:grpSpPr>
-        <p:sp>
-          <p:nvSpPr>
-            <p:cNvPr id="125" name="Rectangle"/>
-            <p:cNvSpPr/>
-            <p:nvPr/>
-          </p:nvSpPr>
-          <p:spPr>
-            <a:xfrm>
-              <a:off x="-1" y="-1"/>
-              <a:ext cx="3800702" cy="2649302"/>
-            </a:xfrm>
-            <a:prstGeom prst="rect">
-              <a:avLst/>
-            </a:prstGeom>
-            <a:solidFill>
-              <a:srgbClr val="EEEEEE"/>
-            </a:solidFill>
-            <a:ln w="12700" cap="flat">
-              <a:noFill/>
-              <a:miter lim="400000"/>
-            </a:ln>
-            <a:effectLst/>
-          </p:spPr>
-          <p:txBody>
-            <a:bodyPr wrap="square" lIns="45719" tIns="45719" rIns="45719" bIns="45719" numCol="1" anchor="ctr">
-              <a:noAutofit/>
-            </a:bodyPr>
-            <a:lstStyle/>
-            <a:p>
-              <a:pPr algn="ctr">
-                <a:defRPr>
-                  <a:solidFill>
-                    <a:srgbClr val="666666"/>
-                  </a:solidFill>
-                </a:defRPr>
-              </a:pPr>
-            </a:p>
-          </p:txBody>
-        </p:sp>
-        <p:sp>
-          <p:nvSpPr>
-            <p:cNvPr id="126" name="Place any supporting images, graphs, data or extra text here."/>
-            <p:cNvSpPr/>
-            <p:nvPr/>
-          </p:nvSpPr>
-          <p:spPr>
-            <a:xfrm>
-              <a:off x="-1" y="1032933"/>
-              <a:ext cx="3800702" cy="583434"/>
-            </a:xfrm>
-            <a:prstGeom prst="rect">
-              <a:avLst/>
-            </a:prstGeom>
-            <a:noFill/>
-            <a:ln w="12700" cap="flat">
-              <a:noFill/>
-              <a:miter lim="400000"/>
-            </a:ln>
-            <a:effectLst/>
-            <a:extLst>
-              <a:ext uri="{C572A759-6A51-4108-AA02-DFA0A04FC94B}">
-                <ma14:wrappingTextBoxFlag xmlns:ma14="http://schemas.microsoft.com/office/mac/drawingml/2011/main" val="1"/>
-              </a:ext>
-            </a:extLst>
-          </p:spPr>
-          <p:txBody>
-            <a:bodyPr wrap="square" lIns="91424" tIns="91424" rIns="91424" bIns="91424" numCol="1" anchor="ctr">
-              <a:spAutoFit/>
-            </a:bodyPr>
-            <a:lstStyle>
-              <a:lvl1pPr algn="ctr">
-                <a:defRPr>
-                  <a:solidFill>
-                    <a:srgbClr val="666666"/>
-                  </a:solidFill>
-                </a:defRPr>
-              </a:lvl1pPr>
-            </a:lstStyle>
-            <a:p>
-              <a:pPr/>
-              <a:r>
-                <a:t>Place any supporting images, graphs, data or extra text here.</a:t>
-              </a:r>
-            </a:p>
-          </p:txBody>
-        </p:sp>
-      </p:grpSp>
-      <p:sp>
-        <p:nvSpPr>
-          <p:cNvPr id="128" name="Note: The data and information in this document is reflective of a hypothetical situation and client. This document is to be used for KPMG Virtual Internship purposes only."/>
-          <p:cNvSpPr/>
-          <p:nvPr/>
-        </p:nvSpPr>
-        <p:spPr>
-          <a:xfrm>
-            <a:off x="-6201" y="-6350"/>
-            <a:ext cx="9175601" cy="238700"/>
-          </a:xfrm>
-          <a:prstGeom prst="rect">
-            <a:avLst/>
-          </a:prstGeom>
-          <a:solidFill>
-            <a:schemeClr val="accent3"/>
-          </a:solidFill>
-          <a:ln w="12700">
-            <a:miter lim="400000"/>
-          </a:ln>
-          <a:extLst>
-            <a:ext uri="{C572A759-6A51-4108-AA02-DFA0A04FC94B}">
-              <ma14:wrappingTextBoxFlag xmlns:ma14="http://schemas.microsoft.com/office/mac/drawingml/2011/main" val="1"/>
-            </a:ext>
-          </a:extLst>
-        </p:spPr>
-        <p:txBody>
-          <a:bodyPr lIns="45719" rIns="45719" anchor="ctr"/>
-          <a:lstStyle/>
-          <a:p>
-            <a:pPr defTabSz="457200">
-              <a:defRPr b="1" sz="500">
-                <a:latin typeface="Calibri"/>
-                <a:ea typeface="Calibri"/>
-                <a:cs typeface="Calibri"/>
-                <a:sym typeface="Calibri"/>
-              </a:defRPr>
-            </a:pPr>
-            <a:r>
-              <a:t>       Note: </a:t>
-            </a:r>
-            <a:r>
-              <a:rPr b="0"/>
-              <a:t>The data and information in this document is reflective of a hypothetical situation and client. This document is to be used for KPMG Virtual Internship purposes only. </a:t>
-            </a:r>
-          </a:p>
-        </p:txBody>
-      </p:sp>
-    </p:spTree>
-  </p:cSld>
-  <p:clrMapOvr>
-    <a:masterClrMapping/>
-  </p:clrMapOvr>
-  <p:transition xmlns:p14="http://schemas.microsoft.com/office/powerpoint/2010/main" spd="med" advClick="1"/>
-</p:sld>
-</file>
-
-<file path=ppt/slides/slide4.xml><?xml version="1.0" encoding="utf-8"?>
-<p:sld xmlns:a="http://schemas.openxmlformats.org/drawingml/2006/main" xmlns:r="http://schemas.openxmlformats.org/officeDocument/2006/relationships" xmlns:p="http://schemas.openxmlformats.org/presentationml/2006/main" showMasterSp="1" showMasterPhAnim="1">
-  <p:cSld>
-    <p:spTree>
-      <p:nvGrpSpPr>
-        <p:cNvPr id="1" name=""/>
-        <p:cNvGrpSpPr/>
-        <p:nvPr/>
-      </p:nvGrpSpPr>
-      <p:grpSpPr>
-        <a:xfrm>
-          <a:off x="0" y="0"/>
-          <a:ext cx="0" cy="0"/>
-          <a:chOff x="0" y="0"/>
-          <a:chExt cx="0" cy="0"/>
-        </a:xfrm>
-      </p:grpSpPr>
-      <p:sp>
-        <p:nvSpPr>
-          <p:cNvPr id="130" name="Shape 79"/>
-          <p:cNvSpPr/>
-          <p:nvPr/>
-        </p:nvSpPr>
-        <p:spPr>
-          <a:xfrm>
-            <a:off x="-15501" y="-19475"/>
-            <a:ext cx="9191402" cy="840000"/>
-          </a:xfrm>
-          <a:prstGeom prst="rect">
-            <a:avLst/>
-          </a:prstGeom>
-          <a:gradFill>
-            <a:gsLst>
-              <a:gs pos="0">
-                <a:srgbClr val="1077D2"/>
-              </a:gs>
-              <a:gs pos="100000">
-                <a:srgbClr val="093153"/>
-              </a:gs>
-            </a:gsLst>
-            <a:lin ang="12000143"/>
-          </a:gradFill>
-          <a:ln w="12700">
-            <a:miter lim="400000"/>
-          </a:ln>
-        </p:spPr>
-        <p:txBody>
-          <a:bodyPr lIns="45719" rIns="45719" anchor="ctr"/>
-          <a:lstStyle/>
-          <a:p>
-            <a:pPr/>
-          </a:p>
-        </p:txBody>
-      </p:sp>
-      <p:sp>
-        <p:nvSpPr>
-          <p:cNvPr id="131" name="Shape 80"/>
-          <p:cNvSpPr/>
-          <p:nvPr/>
-        </p:nvSpPr>
-        <p:spPr>
-          <a:xfrm>
-            <a:off x="205025" y="263974"/>
-            <a:ext cx="8565600" cy="466642"/>
-          </a:xfrm>
-          <a:prstGeom prst="rect">
-            <a:avLst/>
-          </a:prstGeom>
-          <a:ln w="12700">
-            <a:miter lim="400000"/>
-          </a:ln>
-          <a:extLst>
-            <a:ext uri="{C572A759-6A51-4108-AA02-DFA0A04FC94B}">
-              <ma14:wrappingTextBoxFlag xmlns:ma14="http://schemas.microsoft.com/office/mac/drawingml/2011/main" val="1"/>
-            </a:ext>
-          </a:extLst>
-        </p:spPr>
-        <p:txBody>
-          <a:bodyPr lIns="91424" tIns="91424" rIns="91424" bIns="91424">
-            <a:spAutoFit/>
-          </a:bodyPr>
-          <a:lstStyle>
-            <a:lvl1pPr>
-              <a:defRPr b="1" sz="2000">
-                <a:solidFill>
-                  <a:srgbClr val="FFFFFF"/>
-                </a:solidFill>
-              </a:defRPr>
-            </a:lvl1pPr>
-          </a:lstStyle>
-          <a:p>
-            <a:pPr/>
-            <a:r>
-              <a:t>Data Exploration</a:t>
-            </a:r>
-          </a:p>
-        </p:txBody>
-      </p:sp>
-      <p:sp>
-        <p:nvSpPr>
-          <p:cNvPr id="132" name="Shape 81"/>
-          <p:cNvSpPr/>
-          <p:nvPr/>
-        </p:nvSpPr>
-        <p:spPr>
-          <a:xfrm>
-            <a:off x="205025" y="1083299"/>
-            <a:ext cx="8565600" cy="920086"/>
-          </a:xfrm>
-          <a:prstGeom prst="rect">
-            <a:avLst/>
-          </a:prstGeom>
-          <a:ln w="12700">
-            <a:miter lim="400000"/>
-          </a:ln>
-          <a:extLst>
-            <a:ext uri="{C572A759-6A51-4108-AA02-DFA0A04FC94B}">
-              <ma14:wrappingTextBoxFlag xmlns:ma14="http://schemas.microsoft.com/office/mac/drawingml/2011/main" val="1"/>
-            </a:ext>
-          </a:extLst>
-        </p:spPr>
-        <p:txBody>
-          <a:bodyPr lIns="91424" tIns="91424" rIns="91424" bIns="91424">
-            <a:spAutoFit/>
-          </a:bodyPr>
-          <a:lstStyle>
-            <a:lvl1pPr>
-              <a:lnSpc>
-                <a:spcPct val="115000"/>
-              </a:lnSpc>
-              <a:defRPr b="1" sz="2000">
-                <a:latin typeface="Open Sans"/>
-                <a:ea typeface="Open Sans"/>
-                <a:cs typeface="Open Sans"/>
-                <a:sym typeface="Open Sans"/>
-              </a:defRPr>
-            </a:lvl1pPr>
-          </a:lstStyle>
-          <a:p>
-            <a:pPr/>
-            <a:r>
-              <a:t>Place headline insight or information here. This should be the most important point for this slide.</a:t>
-            </a:r>
-          </a:p>
-        </p:txBody>
-      </p:sp>
-      <p:sp>
-        <p:nvSpPr>
-          <p:cNvPr id="133" name="Shape 82"/>
-          <p:cNvSpPr/>
-          <p:nvPr/>
-        </p:nvSpPr>
-        <p:spPr>
-          <a:xfrm>
-            <a:off x="205025" y="2164724"/>
-            <a:ext cx="4134600" cy="436851"/>
-          </a:xfrm>
-          <a:prstGeom prst="rect">
-            <a:avLst/>
-          </a:prstGeom>
-          <a:ln w="12700">
-            <a:miter lim="400000"/>
-          </a:ln>
-          <a:extLst>
-            <a:ext uri="{C572A759-6A51-4108-AA02-DFA0A04FC94B}">
-              <ma14:wrappingTextBoxFlag xmlns:ma14="http://schemas.microsoft.com/office/mac/drawingml/2011/main" val="1"/>
-            </a:ext>
-          </a:extLst>
-        </p:spPr>
-        <p:txBody>
-          <a:bodyPr lIns="91424" tIns="91424" rIns="91424" bIns="91424">
-            <a:spAutoFit/>
-          </a:bodyPr>
-          <a:lstStyle>
-            <a:lvl1pPr>
-              <a:lnSpc>
-                <a:spcPct val="115000"/>
-              </a:lnSpc>
-              <a:defRPr sz="1500">
-                <a:latin typeface="Open Sans"/>
-                <a:ea typeface="Open Sans"/>
-                <a:cs typeface="Open Sans"/>
-                <a:sym typeface="Open Sans"/>
-              </a:defRPr>
-            </a:lvl1pPr>
-          </a:lstStyle>
-          <a:p>
-            <a:pPr/>
-            <a:r>
-              <a:t>Place any information about this point here.</a:t>
-            </a:r>
-          </a:p>
-        </p:txBody>
-      </p:sp>
-      <p:grpSp>
-        <p:nvGrpSpPr>
-          <p:cNvPr id="136" name="Shape 83"/>
-          <p:cNvGrpSpPr/>
-          <p:nvPr/>
-        </p:nvGrpSpPr>
-        <p:grpSpPr>
-          <a:xfrm>
-            <a:off x="4969974" y="2164724"/>
-            <a:ext cx="3800702" cy="2649302"/>
-            <a:chOff x="0" y="0"/>
-            <a:chExt cx="3800700" cy="2649300"/>
-          </a:xfrm>
-        </p:grpSpPr>
-        <p:sp>
-          <p:nvSpPr>
-            <p:cNvPr id="134" name="Rectangle"/>
-            <p:cNvSpPr/>
-            <p:nvPr/>
-          </p:nvSpPr>
-          <p:spPr>
-            <a:xfrm>
-              <a:off x="-1" y="-1"/>
-              <a:ext cx="3800702" cy="2649302"/>
-            </a:xfrm>
-            <a:prstGeom prst="rect">
-              <a:avLst/>
-            </a:prstGeom>
-            <a:solidFill>
-              <a:srgbClr val="EEEEEE"/>
-            </a:solidFill>
-            <a:ln w="12700" cap="flat">
-              <a:noFill/>
-              <a:miter lim="400000"/>
-            </a:ln>
-            <a:effectLst/>
-          </p:spPr>
-          <p:txBody>
-            <a:bodyPr wrap="square" lIns="45719" tIns="45719" rIns="45719" bIns="45719" numCol="1" anchor="ctr">
-              <a:noAutofit/>
-            </a:bodyPr>
-            <a:lstStyle/>
-            <a:p>
-              <a:pPr algn="ctr">
-                <a:defRPr>
-                  <a:solidFill>
-                    <a:srgbClr val="666666"/>
-                  </a:solidFill>
-                </a:defRPr>
-              </a:pPr>
-            </a:p>
-          </p:txBody>
-        </p:sp>
-        <p:sp>
-          <p:nvSpPr>
-            <p:cNvPr id="135" name="Place any supporting images, graphs, data or extra text here."/>
-            <p:cNvSpPr/>
-            <p:nvPr/>
-          </p:nvSpPr>
-          <p:spPr>
-            <a:xfrm>
-              <a:off x="-1" y="1032933"/>
-              <a:ext cx="3800702" cy="583434"/>
-            </a:xfrm>
-            <a:prstGeom prst="rect">
-              <a:avLst/>
-            </a:prstGeom>
-            <a:noFill/>
-            <a:ln w="12700" cap="flat">
-              <a:noFill/>
-              <a:miter lim="400000"/>
-            </a:ln>
-            <a:effectLst/>
-            <a:extLst>
-              <a:ext uri="{C572A759-6A51-4108-AA02-DFA0A04FC94B}">
-                <ma14:wrappingTextBoxFlag xmlns:ma14="http://schemas.microsoft.com/office/mac/drawingml/2011/main" val="1"/>
-              </a:ext>
-            </a:extLst>
-          </p:spPr>
-          <p:txBody>
-            <a:bodyPr wrap="square" lIns="91424" tIns="91424" rIns="91424" bIns="91424" numCol="1" anchor="ctr">
-              <a:spAutoFit/>
-            </a:bodyPr>
-            <a:lstStyle>
-              <a:lvl1pPr algn="ctr">
-                <a:defRPr>
-                  <a:solidFill>
-                    <a:srgbClr val="666666"/>
-                  </a:solidFill>
-                </a:defRPr>
-              </a:lvl1pPr>
-            </a:lstStyle>
-            <a:p>
-              <a:pPr/>
-              <a:r>
-                <a:t>Place any supporting images, graphs, data or extra text here.</a:t>
-              </a:r>
-            </a:p>
-          </p:txBody>
-        </p:sp>
-      </p:grpSp>
-      <p:sp>
-        <p:nvSpPr>
-          <p:cNvPr id="137" name="Note: The data and information in this document is reflective of a hypothetical situation and client. This document is to be used for KPMG Virtual Internship purposes only."/>
-          <p:cNvSpPr/>
-          <p:nvPr/>
-        </p:nvSpPr>
-        <p:spPr>
-          <a:xfrm>
-            <a:off x="-6201" y="-6350"/>
-            <a:ext cx="9175601" cy="238700"/>
-          </a:xfrm>
-          <a:prstGeom prst="rect">
-            <a:avLst/>
-          </a:prstGeom>
-          <a:solidFill>
-            <a:schemeClr val="accent3"/>
-          </a:solidFill>
-          <a:ln w="12700">
-            <a:miter lim="400000"/>
-          </a:ln>
-          <a:extLst>
-            <a:ext uri="{C572A759-6A51-4108-AA02-DFA0A04FC94B}">
-              <ma14:wrappingTextBoxFlag xmlns:ma14="http://schemas.microsoft.com/office/mac/drawingml/2011/main" val="1"/>
-            </a:ext>
-          </a:extLst>
-        </p:spPr>
-        <p:txBody>
-          <a:bodyPr lIns="45719" rIns="45719" anchor="ctr"/>
-          <a:lstStyle/>
-          <a:p>
-            <a:pPr defTabSz="457200">
-              <a:defRPr b="1" sz="500">
-                <a:latin typeface="Calibri"/>
-                <a:ea typeface="Calibri"/>
-                <a:cs typeface="Calibri"/>
-                <a:sym typeface="Calibri"/>
-              </a:defRPr>
-            </a:pPr>
-            <a:r>
-              <a:t>       Note: </a:t>
-            </a:r>
-            <a:r>
-              <a:rPr b="0"/>
-              <a:t>The data and information in this document is reflective of a hypothetical situation and client. This document is to be used for KPMG Virtual Internship purposes only. </a:t>
-            </a:r>
-          </a:p>
-        </p:txBody>
-      </p:sp>
-    </p:spTree>
-  </p:cSld>
-  <p:clrMapOvr>
-    <a:masterClrMapping/>
-  </p:clrMapOvr>
-  <p:transition xmlns:p14="http://schemas.microsoft.com/office/powerpoint/2010/main" spd="med" advClick="1"/>
-</p:sld>
-</file>
-
-<file path=ppt/slides/slide5.xml><?xml version="1.0" encoding="utf-8"?>
-<p:sld xmlns:a="http://schemas.openxmlformats.org/drawingml/2006/main" xmlns:r="http://schemas.openxmlformats.org/officeDocument/2006/relationships" xmlns:p="http://schemas.openxmlformats.org/presentationml/2006/main" showMasterSp="1" showMasterPhAnim="1">
-  <p:cSld>
-    <p:spTree>
-      <p:nvGrpSpPr>
-        <p:cNvPr id="1" name=""/>
-        <p:cNvGrpSpPr/>
-        <p:nvPr/>
-      </p:nvGrpSpPr>
-      <p:grpSpPr>
-        <a:xfrm>
-          <a:off x="0" y="0"/>
-          <a:ext cx="0" cy="0"/>
-          <a:chOff x="0" y="0"/>
-          <a:chExt cx="0" cy="0"/>
-        </a:xfrm>
-      </p:grpSpPr>
-      <p:sp>
-        <p:nvSpPr>
-          <p:cNvPr id="139" name="Shape 88"/>
-          <p:cNvSpPr/>
-          <p:nvPr/>
-        </p:nvSpPr>
-        <p:spPr>
-          <a:xfrm>
-            <a:off x="-15501" y="-19475"/>
-            <a:ext cx="9191402" cy="840000"/>
-          </a:xfrm>
-          <a:prstGeom prst="rect">
-            <a:avLst/>
-          </a:prstGeom>
-          <a:gradFill>
-            <a:gsLst>
-              <a:gs pos="0">
-                <a:srgbClr val="1077D2"/>
-              </a:gs>
-              <a:gs pos="100000">
-                <a:srgbClr val="093153"/>
-              </a:gs>
-            </a:gsLst>
-            <a:lin ang="12000143"/>
-          </a:gradFill>
-          <a:ln w="12700">
-            <a:miter lim="400000"/>
-          </a:ln>
-        </p:spPr>
-        <p:txBody>
-          <a:bodyPr lIns="45719" rIns="45719" anchor="ctr"/>
-          <a:lstStyle/>
-          <a:p>
-            <a:pPr/>
-          </a:p>
-        </p:txBody>
-      </p:sp>
-      <p:sp>
-        <p:nvSpPr>
-          <p:cNvPr id="140" name="Shape 89"/>
-          <p:cNvSpPr/>
-          <p:nvPr/>
-        </p:nvSpPr>
-        <p:spPr>
-          <a:xfrm>
-            <a:off x="205025" y="263974"/>
-            <a:ext cx="8565600" cy="466642"/>
-          </a:xfrm>
-          <a:prstGeom prst="rect">
-            <a:avLst/>
-          </a:prstGeom>
-          <a:ln w="12700">
-            <a:miter lim="400000"/>
-          </a:ln>
-          <a:extLst>
-            <a:ext uri="{C572A759-6A51-4108-AA02-DFA0A04FC94B}">
-              <ma14:wrappingTextBoxFlag xmlns:ma14="http://schemas.microsoft.com/office/mac/drawingml/2011/main" val="1"/>
-            </a:ext>
-          </a:extLst>
-        </p:spPr>
-        <p:txBody>
-          <a:bodyPr lIns="91424" tIns="91424" rIns="91424" bIns="91424">
-            <a:spAutoFit/>
-          </a:bodyPr>
-          <a:lstStyle>
-            <a:lvl1pPr>
-              <a:defRPr b="1" sz="2000">
-                <a:solidFill>
-                  <a:srgbClr val="FFFFFF"/>
-                </a:solidFill>
-              </a:defRPr>
-            </a:lvl1pPr>
-          </a:lstStyle>
-          <a:p>
-            <a:pPr/>
-            <a:r>
-              <a:t>Model Development</a:t>
-            </a:r>
-          </a:p>
-        </p:txBody>
-      </p:sp>
-      <p:sp>
-        <p:nvSpPr>
-          <p:cNvPr id="141" name="Shape 90"/>
-          <p:cNvSpPr/>
-          <p:nvPr/>
-        </p:nvSpPr>
-        <p:spPr>
-          <a:xfrm>
-            <a:off x="205025" y="1083299"/>
-            <a:ext cx="8565600" cy="920086"/>
-          </a:xfrm>
-          <a:prstGeom prst="rect">
-            <a:avLst/>
-          </a:prstGeom>
-          <a:ln w="12700">
-            <a:miter lim="400000"/>
-          </a:ln>
-          <a:extLst>
-            <a:ext uri="{C572A759-6A51-4108-AA02-DFA0A04FC94B}">
-              <ma14:wrappingTextBoxFlag xmlns:ma14="http://schemas.microsoft.com/office/mac/drawingml/2011/main" val="1"/>
-            </a:ext>
-          </a:extLst>
-        </p:spPr>
-        <p:txBody>
-          <a:bodyPr lIns="91424" tIns="91424" rIns="91424" bIns="91424">
-            <a:spAutoFit/>
-          </a:bodyPr>
-          <a:lstStyle>
-            <a:lvl1pPr>
-              <a:lnSpc>
-                <a:spcPct val="115000"/>
-              </a:lnSpc>
-              <a:defRPr b="1" sz="2000">
-                <a:latin typeface="Open Sans"/>
-                <a:ea typeface="Open Sans"/>
-                <a:cs typeface="Open Sans"/>
-                <a:sym typeface="Open Sans"/>
-              </a:defRPr>
-            </a:lvl1pPr>
-          </a:lstStyle>
-          <a:p>
-            <a:pPr/>
-            <a:r>
-              <a:t>Place headline insight or information here. This should be the most important point for this slide.</a:t>
-            </a:r>
-          </a:p>
-        </p:txBody>
-      </p:sp>
-      <p:sp>
-        <p:nvSpPr>
-          <p:cNvPr id="142" name="Shape 91"/>
-          <p:cNvSpPr/>
-          <p:nvPr/>
-        </p:nvSpPr>
-        <p:spPr>
-          <a:xfrm>
-            <a:off x="205025" y="2164724"/>
-            <a:ext cx="4134600" cy="436851"/>
-          </a:xfrm>
-          <a:prstGeom prst="rect">
-            <a:avLst/>
-          </a:prstGeom>
-          <a:ln w="12700">
-            <a:miter lim="400000"/>
-          </a:ln>
-          <a:extLst>
-            <a:ext uri="{C572A759-6A51-4108-AA02-DFA0A04FC94B}">
-              <ma14:wrappingTextBoxFlag xmlns:ma14="http://schemas.microsoft.com/office/mac/drawingml/2011/main" val="1"/>
-            </a:ext>
-          </a:extLst>
-        </p:spPr>
-        <p:txBody>
-          <a:bodyPr lIns="91424" tIns="91424" rIns="91424" bIns="91424">
-            <a:spAutoFit/>
-          </a:bodyPr>
-          <a:lstStyle>
-            <a:lvl1pPr>
-              <a:lnSpc>
-                <a:spcPct val="115000"/>
-              </a:lnSpc>
-              <a:defRPr sz="1500">
-                <a:latin typeface="Open Sans"/>
-                <a:ea typeface="Open Sans"/>
-                <a:cs typeface="Open Sans"/>
-                <a:sym typeface="Open Sans"/>
-              </a:defRPr>
-            </a:lvl1pPr>
-          </a:lstStyle>
-          <a:p>
-            <a:pPr/>
-            <a:r>
-              <a:t>Place any information about this point here.</a:t>
-            </a:r>
-          </a:p>
-        </p:txBody>
-      </p:sp>
-      <p:grpSp>
-        <p:nvGrpSpPr>
-          <p:cNvPr id="145" name="Shape 92"/>
-          <p:cNvGrpSpPr/>
-          <p:nvPr/>
-        </p:nvGrpSpPr>
-        <p:grpSpPr>
-          <a:xfrm>
-            <a:off x="4969974" y="2164724"/>
-            <a:ext cx="3800702" cy="2649302"/>
-            <a:chOff x="0" y="0"/>
-            <a:chExt cx="3800700" cy="2649300"/>
-          </a:xfrm>
-        </p:grpSpPr>
-        <p:sp>
-          <p:nvSpPr>
-            <p:cNvPr id="143" name="Rectangle"/>
-            <p:cNvSpPr/>
-            <p:nvPr/>
-          </p:nvSpPr>
-          <p:spPr>
-            <a:xfrm>
-              <a:off x="-1" y="-1"/>
-              <a:ext cx="3800702" cy="2649302"/>
-            </a:xfrm>
-            <a:prstGeom prst="rect">
-              <a:avLst/>
-            </a:prstGeom>
-            <a:solidFill>
-              <a:srgbClr val="EEEEEE"/>
-            </a:solidFill>
-            <a:ln w="12700" cap="flat">
-              <a:noFill/>
-              <a:miter lim="400000"/>
-            </a:ln>
-            <a:effectLst/>
-          </p:spPr>
-          <p:txBody>
-            <a:bodyPr wrap="square" lIns="45719" tIns="45719" rIns="45719" bIns="45719" numCol="1" anchor="ctr">
-              <a:noAutofit/>
-            </a:bodyPr>
-            <a:lstStyle/>
-            <a:p>
-              <a:pPr algn="ctr">
-                <a:defRPr>
-                  <a:solidFill>
-                    <a:srgbClr val="666666"/>
-                  </a:solidFill>
-                </a:defRPr>
-              </a:pPr>
-            </a:p>
-          </p:txBody>
-        </p:sp>
-        <p:sp>
-          <p:nvSpPr>
-            <p:cNvPr id="144" name="Place any supporting images, graphs, data or extra text here."/>
-            <p:cNvSpPr/>
-            <p:nvPr/>
-          </p:nvSpPr>
-          <p:spPr>
-            <a:xfrm>
-              <a:off x="-1" y="1032933"/>
-              <a:ext cx="3800702" cy="583434"/>
-            </a:xfrm>
-            <a:prstGeom prst="rect">
-              <a:avLst/>
-            </a:prstGeom>
-            <a:noFill/>
-            <a:ln w="12700" cap="flat">
-              <a:noFill/>
-              <a:miter lim="400000"/>
-            </a:ln>
-            <a:effectLst/>
-            <a:extLst>
-              <a:ext uri="{C572A759-6A51-4108-AA02-DFA0A04FC94B}">
-                <ma14:wrappingTextBoxFlag xmlns:ma14="http://schemas.microsoft.com/office/mac/drawingml/2011/main" val="1"/>
-              </a:ext>
-            </a:extLst>
-          </p:spPr>
-          <p:txBody>
-            <a:bodyPr wrap="square" lIns="91424" tIns="91424" rIns="91424" bIns="91424" numCol="1" anchor="ctr">
-              <a:spAutoFit/>
-            </a:bodyPr>
-            <a:lstStyle>
-              <a:lvl1pPr algn="ctr">
-                <a:defRPr>
-                  <a:solidFill>
-                    <a:srgbClr val="666666"/>
-                  </a:solidFill>
-                </a:defRPr>
-              </a:lvl1pPr>
-            </a:lstStyle>
-            <a:p>
-              <a:pPr/>
-              <a:r>
-                <a:t>Place any supporting images, graphs, data or extra text here.</a:t>
-              </a:r>
-            </a:p>
-          </p:txBody>
-        </p:sp>
-      </p:grpSp>
-      <p:sp>
-        <p:nvSpPr>
-          <p:cNvPr id="146" name="Note: The data and information in this document is reflective of a hypothetical situation and client. This document is to be used for KPMG Virtual Internship purposes only."/>
-          <p:cNvSpPr/>
-          <p:nvPr/>
-        </p:nvSpPr>
-        <p:spPr>
-          <a:xfrm>
-            <a:off x="-6201" y="-6350"/>
-            <a:ext cx="9175601" cy="238700"/>
-          </a:xfrm>
-          <a:prstGeom prst="rect">
-            <a:avLst/>
-          </a:prstGeom>
-          <a:solidFill>
-            <a:schemeClr val="accent3"/>
-          </a:solidFill>
-          <a:ln w="12700">
-            <a:miter lim="400000"/>
-          </a:ln>
-          <a:extLst>
-            <a:ext uri="{C572A759-6A51-4108-AA02-DFA0A04FC94B}">
-              <ma14:wrappingTextBoxFlag xmlns:ma14="http://schemas.microsoft.com/office/mac/drawingml/2011/main" val="1"/>
-            </a:ext>
-          </a:extLst>
-        </p:spPr>
-        <p:txBody>
-          <a:bodyPr lIns="45719" rIns="45719" anchor="ctr"/>
-          <a:lstStyle/>
-          <a:p>
-            <a:pPr defTabSz="457200">
-              <a:defRPr b="1" sz="500">
-                <a:latin typeface="Calibri"/>
-                <a:ea typeface="Calibri"/>
-                <a:cs typeface="Calibri"/>
-                <a:sym typeface="Calibri"/>
-              </a:defRPr>
-            </a:pPr>
-            <a:r>
-              <a:t>       Note: </a:t>
-            </a:r>
-            <a:r>
-              <a:rPr b="0"/>
-              <a:t>The data and information in this document is reflective of a hypothetical situation and client. This document is to be used for KPMG Virtual Internship purposes only. </a:t>
-            </a:r>
-          </a:p>
-        </p:txBody>
-      </p:sp>
-    </p:spTree>
-  </p:cSld>
-  <p:clrMapOvr>
-    <a:masterClrMapping/>
-  </p:clrMapOvr>
-  <p:transition xmlns:p14="http://schemas.microsoft.com/office/powerpoint/2010/main" spd="med" advClick="1"/>
-</p:sld>
-</file>
-
-<file path=ppt/slides/slide6.xml><?xml version="1.0" encoding="utf-8"?>
-<p:sld xmlns:a="http://schemas.openxmlformats.org/drawingml/2006/main" xmlns:r="http://schemas.openxmlformats.org/officeDocument/2006/relationships" xmlns:p="http://schemas.openxmlformats.org/presentationml/2006/main" showMasterSp="1" showMasterPhAnim="1">
-  <p:cSld>
-    <p:spTree>
-      <p:nvGrpSpPr>
-        <p:cNvPr id="1" name=""/>
-        <p:cNvGrpSpPr/>
-        <p:nvPr/>
-      </p:nvGrpSpPr>
-      <p:grpSpPr>
-        <a:xfrm>
-          <a:off x="0" y="0"/>
-          <a:ext cx="0" cy="0"/>
-          <a:chOff x="0" y="0"/>
-          <a:chExt cx="0" cy="0"/>
-        </a:xfrm>
-      </p:grpSpPr>
-      <p:sp>
-        <p:nvSpPr>
-          <p:cNvPr id="148" name="Shape 97"/>
-          <p:cNvSpPr/>
-          <p:nvPr/>
-        </p:nvSpPr>
-        <p:spPr>
-          <a:xfrm>
-            <a:off x="-15501" y="-19475"/>
-            <a:ext cx="9191402" cy="840000"/>
-          </a:xfrm>
-          <a:prstGeom prst="rect">
-            <a:avLst/>
-          </a:prstGeom>
-          <a:gradFill>
-            <a:gsLst>
-              <a:gs pos="0">
-                <a:srgbClr val="1077D2"/>
-              </a:gs>
-              <a:gs pos="100000">
-                <a:srgbClr val="093153"/>
-              </a:gs>
-            </a:gsLst>
-            <a:lin ang="12000143"/>
-          </a:gradFill>
-          <a:ln w="12700">
-            <a:miter lim="400000"/>
-          </a:ln>
-        </p:spPr>
-        <p:txBody>
-          <a:bodyPr lIns="45719" rIns="45719" anchor="ctr"/>
-          <a:lstStyle/>
-          <a:p>
-            <a:pPr/>
-          </a:p>
-        </p:txBody>
-      </p:sp>
-      <p:sp>
-        <p:nvSpPr>
-          <p:cNvPr id="149" name="Shape 98"/>
-          <p:cNvSpPr/>
-          <p:nvPr/>
-        </p:nvSpPr>
-        <p:spPr>
-          <a:xfrm>
-            <a:off x="205025" y="263974"/>
-            <a:ext cx="8565600" cy="758742"/>
-          </a:xfrm>
-          <a:prstGeom prst="rect">
-            <a:avLst/>
-          </a:prstGeom>
-          <a:ln w="12700">
-            <a:miter lim="400000"/>
-          </a:ln>
-          <a:extLst>
-            <a:ext uri="{C572A759-6A51-4108-AA02-DFA0A04FC94B}">
-              <ma14:wrappingTextBoxFlag xmlns:ma14="http://schemas.microsoft.com/office/mac/drawingml/2011/main" val="1"/>
-            </a:ext>
-          </a:extLst>
-        </p:spPr>
-        <p:txBody>
-          <a:bodyPr lIns="91424" tIns="91424" rIns="91424" bIns="91424">
-            <a:spAutoFit/>
-          </a:bodyPr>
-          <a:lstStyle>
-            <a:lvl1pPr>
-              <a:defRPr b="1" sz="2000">
-                <a:solidFill>
-                  <a:srgbClr val="FFFFFF"/>
-                </a:solidFill>
-              </a:defRPr>
-            </a:lvl1pPr>
-          </a:lstStyle>
-          <a:p>
-            <a:pPr/>
-            <a:r>
-              <a:t>Interpretation</a:t>
-            </a:r>
-          </a:p>
-        </p:txBody>
-      </p:sp>
-      <p:sp>
-        <p:nvSpPr>
-          <p:cNvPr id="150" name="Shape 99"/>
-          <p:cNvSpPr/>
-          <p:nvPr/>
-        </p:nvSpPr>
-        <p:spPr>
-          <a:xfrm>
-            <a:off x="205025" y="1083299"/>
-            <a:ext cx="8565600" cy="920086"/>
-          </a:xfrm>
-          <a:prstGeom prst="rect">
-            <a:avLst/>
-          </a:prstGeom>
-          <a:ln w="12700">
-            <a:miter lim="400000"/>
-          </a:ln>
-          <a:extLst>
-            <a:ext uri="{C572A759-6A51-4108-AA02-DFA0A04FC94B}">
-              <ma14:wrappingTextBoxFlag xmlns:ma14="http://schemas.microsoft.com/office/mac/drawingml/2011/main" val="1"/>
-            </a:ext>
-          </a:extLst>
-        </p:spPr>
-        <p:txBody>
-          <a:bodyPr lIns="91424" tIns="91424" rIns="91424" bIns="91424">
-            <a:spAutoFit/>
-          </a:bodyPr>
-          <a:lstStyle>
-            <a:lvl1pPr>
-              <a:lnSpc>
-                <a:spcPct val="115000"/>
-              </a:lnSpc>
-              <a:defRPr b="1" sz="2000">
-                <a:latin typeface="Open Sans"/>
-                <a:ea typeface="Open Sans"/>
-                <a:cs typeface="Open Sans"/>
-                <a:sym typeface="Open Sans"/>
-              </a:defRPr>
-            </a:lvl1pPr>
-          </a:lstStyle>
-          <a:p>
-            <a:pPr/>
-            <a:r>
-              <a:t>Place headline insight or information here. This should be the most important point for this slide.</a:t>
-            </a:r>
-          </a:p>
-        </p:txBody>
-      </p:sp>
-      <p:sp>
-        <p:nvSpPr>
-          <p:cNvPr id="151" name="Shape 100"/>
-          <p:cNvSpPr/>
-          <p:nvPr/>
-        </p:nvSpPr>
-        <p:spPr>
-          <a:xfrm>
-            <a:off x="205025" y="2164724"/>
-            <a:ext cx="4134600" cy="436851"/>
-          </a:xfrm>
-          <a:prstGeom prst="rect">
-            <a:avLst/>
-          </a:prstGeom>
-          <a:ln w="12700">
-            <a:miter lim="400000"/>
-          </a:ln>
-          <a:extLst>
-            <a:ext uri="{C572A759-6A51-4108-AA02-DFA0A04FC94B}">
-              <ma14:wrappingTextBoxFlag xmlns:ma14="http://schemas.microsoft.com/office/mac/drawingml/2011/main" val="1"/>
-            </a:ext>
-          </a:extLst>
-        </p:spPr>
-        <p:txBody>
-          <a:bodyPr lIns="91424" tIns="91424" rIns="91424" bIns="91424">
-            <a:spAutoFit/>
-          </a:bodyPr>
-          <a:lstStyle>
-            <a:lvl1pPr>
-              <a:lnSpc>
-                <a:spcPct val="115000"/>
-              </a:lnSpc>
-              <a:defRPr sz="1500">
-                <a:latin typeface="Open Sans"/>
-                <a:ea typeface="Open Sans"/>
-                <a:cs typeface="Open Sans"/>
-                <a:sym typeface="Open Sans"/>
-              </a:defRPr>
-            </a:lvl1pPr>
-          </a:lstStyle>
-          <a:p>
-            <a:pPr/>
-            <a:r>
-              <a:t>Place any information about this point here.</a:t>
-            </a:r>
-          </a:p>
-        </p:txBody>
-      </p:sp>
-      <p:grpSp>
-        <p:nvGrpSpPr>
-          <p:cNvPr id="154" name="Shape 101"/>
-          <p:cNvGrpSpPr/>
-          <p:nvPr/>
-        </p:nvGrpSpPr>
-        <p:grpSpPr>
-          <a:xfrm>
-            <a:off x="4969974" y="2164724"/>
-            <a:ext cx="3800702" cy="2649302"/>
-            <a:chOff x="0" y="0"/>
-            <a:chExt cx="3800700" cy="2649300"/>
-          </a:xfrm>
-        </p:grpSpPr>
-        <p:sp>
-          <p:nvSpPr>
-            <p:cNvPr id="152" name="Rectangle"/>
-            <p:cNvSpPr/>
-            <p:nvPr/>
-          </p:nvSpPr>
-          <p:spPr>
-            <a:xfrm>
-              <a:off x="-1" y="-1"/>
-              <a:ext cx="3800702" cy="2649302"/>
-            </a:xfrm>
-            <a:prstGeom prst="rect">
-              <a:avLst/>
-            </a:prstGeom>
-            <a:solidFill>
-              <a:srgbClr val="EEEEEE"/>
-            </a:solidFill>
-            <a:ln w="12700" cap="flat">
-              <a:noFill/>
-              <a:miter lim="400000"/>
-            </a:ln>
-            <a:effectLst/>
-          </p:spPr>
-          <p:txBody>
-            <a:bodyPr wrap="square" lIns="45719" tIns="45719" rIns="45719" bIns="45719" numCol="1" anchor="ctr">
-              <a:noAutofit/>
-            </a:bodyPr>
-            <a:lstStyle/>
-            <a:p>
-              <a:pPr algn="ctr">
-                <a:defRPr>
-                  <a:solidFill>
-                    <a:srgbClr val="666666"/>
-                  </a:solidFill>
-                </a:defRPr>
-              </a:pPr>
-            </a:p>
-          </p:txBody>
-        </p:sp>
-        <p:sp>
-          <p:nvSpPr>
-            <p:cNvPr id="153" name="Place any supporting images, graphs, data or extra text here."/>
-            <p:cNvSpPr/>
-            <p:nvPr/>
-          </p:nvSpPr>
-          <p:spPr>
-            <a:xfrm>
-              <a:off x="-1" y="1032933"/>
-              <a:ext cx="3800702" cy="583434"/>
-            </a:xfrm>
-            <a:prstGeom prst="rect">
-              <a:avLst/>
-            </a:prstGeom>
-            <a:noFill/>
-            <a:ln w="12700" cap="flat">
-              <a:noFill/>
-              <a:miter lim="400000"/>
-            </a:ln>
-            <a:effectLst/>
-            <a:extLst>
-              <a:ext uri="{C572A759-6A51-4108-AA02-DFA0A04FC94B}">
-                <ma14:wrappingTextBoxFlag xmlns:ma14="http://schemas.microsoft.com/office/mac/drawingml/2011/main" val="1"/>
-              </a:ext>
-            </a:extLst>
-          </p:spPr>
-          <p:txBody>
-            <a:bodyPr wrap="square" lIns="91424" tIns="91424" rIns="91424" bIns="91424" numCol="1" anchor="ctr">
-              <a:spAutoFit/>
-            </a:bodyPr>
-            <a:lstStyle>
-              <a:lvl1pPr algn="ctr">
-                <a:defRPr>
-                  <a:solidFill>
-                    <a:srgbClr val="666666"/>
-                  </a:solidFill>
-                </a:defRPr>
-              </a:lvl1pPr>
-            </a:lstStyle>
-            <a:p>
-              <a:pPr/>
-              <a:r>
-                <a:t>Place any supporting images, graphs, data or extra text here.</a:t>
-              </a:r>
-            </a:p>
-          </p:txBody>
-        </p:sp>
-      </p:grpSp>
-      <p:sp>
-        <p:nvSpPr>
-          <p:cNvPr id="155" name="Note: The data and information in this document is reflective of a hypothetical situation and client. This document is to be used for KPMG Virtual Internship purposes only."/>
-          <p:cNvSpPr/>
-          <p:nvPr/>
-        </p:nvSpPr>
-        <p:spPr>
-          <a:xfrm>
-            <a:off x="-6201" y="-6350"/>
-            <a:ext cx="9175601" cy="238700"/>
-          </a:xfrm>
-          <a:prstGeom prst="rect">
-            <a:avLst/>
-          </a:prstGeom>
-          <a:solidFill>
-            <a:schemeClr val="accent3"/>
-          </a:solidFill>
-          <a:ln w="12700">
-            <a:miter lim="400000"/>
-          </a:ln>
-          <a:extLst>
-            <a:ext uri="{C572A759-6A51-4108-AA02-DFA0A04FC94B}">
-              <ma14:wrappingTextBoxFlag xmlns:ma14="http://schemas.microsoft.com/office/mac/drawingml/2011/main" val="1"/>
-            </a:ext>
-          </a:extLst>
-        </p:spPr>
-        <p:txBody>
-          <a:bodyPr lIns="45719" rIns="45719" anchor="ctr"/>
-          <a:lstStyle/>
-          <a:p>
-            <a:pPr defTabSz="457200">
-              <a:defRPr b="1" sz="500">
-                <a:latin typeface="Calibri"/>
-                <a:ea typeface="Calibri"/>
-                <a:cs typeface="Calibri"/>
-                <a:sym typeface="Calibri"/>
-              </a:defRPr>
-            </a:pPr>
-            <a:r>
-              <a:t>       Note: </a:t>
-            </a:r>
-            <a:r>
-              <a:rPr b="0"/>
-              <a:t>The data and information in this document is reflective of a hypothetical situation and client. This document is to be used for KPMG Virtual Internship purposes only. </a:t>
-            </a:r>
-          </a:p>
-        </p:txBody>
-      </p:sp>
-    </p:spTree>
-  </p:cSld>
-  <p:clrMapOvr>
-    <a:masterClrMapping/>
-  </p:clrMapOvr>
-  <p:transition xmlns:p14="http://schemas.microsoft.com/office/powerpoint/2010/main" spd="med" advClick="1"/>
-</p:sld>
-</file>
-
-<file path=ppt/slides/slide7.xml><?xml version="1.0" encoding="utf-8"?>
-<p:sld xmlns:a="http://schemas.openxmlformats.org/drawingml/2006/main" xmlns:r="http://schemas.openxmlformats.org/officeDocument/2006/relationships" xmlns:p="http://schemas.openxmlformats.org/presentationml/2006/main" showMasterSp="1" showMasterPhAnim="1">
-  <p:cSld>
-    <p:spTree>
-      <p:nvGrpSpPr>
-        <p:cNvPr id="1" name=""/>
-        <p:cNvGrpSpPr/>
-        <p:nvPr/>
-      </p:nvGrpSpPr>
-      <p:grpSpPr>
-        <a:xfrm>
-          <a:off x="0" y="0"/>
-          <a:ext cx="0" cy="0"/>
-          <a:chOff x="0" y="0"/>
-          <a:chExt cx="0" cy="0"/>
-        </a:xfrm>
-      </p:grpSpPr>
-      <p:sp>
-        <p:nvSpPr>
           <p:cNvPr id="157" name="Shape 106"/>
           <p:cNvSpPr/>
           <p:nvPr/>
         </p:nvSpPr>
         <p:spPr>
-          <a:xfrm flipH="1" rot="10800000">
+          <a:xfrm rot="10800000" flipH="1">
             <a:off x="-1" y="0"/>
             <a:ext cx="9163201" cy="5148001"/>
           </a:xfrm>
@@ -4969,7 +3884,7 @@
             </a:cxnLst>
             <a:rect l="0" t="0" r="r" b="b"/>
             <a:pathLst>
-              <a:path w="21600" h="21600" fill="norm" stroke="1" extrusionOk="0">
+              <a:path w="21600" h="21600" extrusionOk="0">
                 <a:moveTo>
                   <a:pt x="0" y="0"/>
                 </a:moveTo>
@@ -5008,7 +3923,7 @@
           <a:bodyPr lIns="45719" rIns="45719" anchor="ctr"/>
           <a:lstStyle/>
           <a:p>
-            <a:pPr/>
+            <a:endParaRPr/>
           </a:p>
         </p:txBody>
       </p:sp>
@@ -5020,8 +3935,8 @@
         </p:nvSpPr>
         <p:spPr>
           <a:xfrm>
-            <a:off x="537899" y="1895175"/>
-            <a:ext cx="3953102" cy="779751"/>
+            <a:off x="2425482" y="2212379"/>
+            <a:ext cx="3953102" cy="723243"/>
           </a:xfrm>
           <a:prstGeom prst="rect">
             <a:avLst/>
@@ -5031,7 +3946,7 @@
           </a:ln>
           <a:extLst>
             <a:ext uri="{C572A759-6A51-4108-AA02-DFA0A04FC94B}">
-              <ma14:wrappingTextBoxFlag xmlns:ma14="http://schemas.microsoft.com/office/mac/drawingml/2011/main" val="1"/>
+              <ma14:wrappingTextBoxFlag xmlns:ma14="http://schemas.microsoft.com/office/mac/drawingml/2011/main" xmlns="" val="1"/>
             </a:ext>
           </a:extLst>
         </p:spPr>
@@ -5053,10 +3968,12 @@
             </a:lvl1pPr>
           </a:lstStyle>
           <a:p>
-            <a:pPr/>
-            <a:r>
-              <a:t>Appendix</a:t>
-            </a:r>
+            <a:pPr algn="ctr"/>
+            <a:r>
+              <a:rPr lang="en-US" dirty="0" smtClean="0"/>
+              <a:t>Thank You.</a:t>
+            </a:r>
+            <a:endParaRPr dirty="0"/>
           </a:p>
         </p:txBody>
       </p:sp>
@@ -5082,7 +3999,7 @@
           </a:ln>
           <a:extLst>
             <a:ext uri="{C572A759-6A51-4108-AA02-DFA0A04FC94B}">
-              <ma14:wrappingTextBoxFlag xmlns:ma14="http://schemas.microsoft.com/office/mac/drawingml/2011/main" val="1"/>
+              <ma14:wrappingTextBoxFlag xmlns:ma14="http://schemas.microsoft.com/office/mac/drawingml/2011/main" xmlns="" val="1"/>
             </a:ext>
           </a:extLst>
         </p:spPr>
@@ -5091,7 +4008,7 @@
           <a:lstStyle/>
           <a:p>
             <a:pPr defTabSz="457200">
-              <a:defRPr b="1" sz="500">
+              <a:defRPr sz="500" b="1">
                 <a:latin typeface="Calibri"/>
                 <a:ea typeface="Calibri"/>
                 <a:cs typeface="Calibri"/>
@@ -5108,17 +4025,52 @@
           </a:p>
         </p:txBody>
       </p:sp>
+      <p:pic>
+        <p:nvPicPr>
+          <p:cNvPr id="6" name="Picture 5"/>
+          <p:cNvPicPr>
+            <a:picLocks noChangeAspect="1"/>
+          </p:cNvPicPr>
+          <p:nvPr/>
+        </p:nvPicPr>
+        <p:blipFill>
+          <a:blip r:embed="rId2" cstate="print">
+            <a:extLst>
+              <a:ext uri="{28A0092B-C50C-407E-A947-70E740481C1C}">
+                <a14:useLocalDpi xmlns:a14="http://schemas.microsoft.com/office/drawing/2010/main" val="0"/>
+              </a:ext>
+            </a:extLst>
+          </a:blip>
+          <a:stretch>
+            <a:fillRect/>
+          </a:stretch>
+        </p:blipFill>
+        <p:spPr>
+          <a:xfrm>
+            <a:off x="7700295" y="4142892"/>
+            <a:ext cx="1365328" cy="881743"/>
+          </a:xfrm>
+          <a:prstGeom prst="rect">
+            <a:avLst/>
+          </a:prstGeom>
+        </p:spPr>
+      </p:pic>
     </p:spTree>
+    <p:extLst>
+      <p:ext uri="{BB962C8B-B14F-4D97-AF65-F5344CB8AC3E}">
+        <p14:creationId xmlns:p14="http://schemas.microsoft.com/office/powerpoint/2010/main" val="3989326106"/>
+      </p:ext>
+    </p:extLst>
   </p:cSld>
   <p:clrMapOvr>
     <a:masterClrMapping/>
   </p:clrMapOvr>
-  <p:transition xmlns:p14="http://schemas.microsoft.com/office/powerpoint/2010/main" spd="med" advClick="1"/>
+  <p:transition spd="med"/>
 </p:sld>
 </file>
 
-<file path=ppt/slides/slide8.xml><?xml version="1.0" encoding="utf-8"?>
-<p:sld xmlns:a="http://schemas.openxmlformats.org/drawingml/2006/main" xmlns:r="http://schemas.openxmlformats.org/officeDocument/2006/relationships" xmlns:p="http://schemas.openxmlformats.org/presentationml/2006/main" showMasterSp="1" showMasterPhAnim="1">
+<file path=ppt/slides/slide12.xml><?xml version="1.0" encoding="utf-8"?>
+<p:sld xmlns:a="http://schemas.openxmlformats.org/drawingml/2006/main" xmlns:r="http://schemas.openxmlformats.org/officeDocument/2006/relationships" xmlns:p="http://schemas.openxmlformats.org/presentationml/2006/main">
   <p:cSld>
     <p:spTree>
       <p:nvGrpSpPr>
@@ -5136,18 +4088,55 @@
       </p:grpSpPr>
       <p:sp>
         <p:nvSpPr>
-          <p:cNvPr id="161" name="Shape 113"/>
+          <p:cNvPr id="157" name="Shape 106"/>
           <p:cNvSpPr/>
           <p:nvPr/>
         </p:nvSpPr>
         <p:spPr>
-          <a:xfrm>
-            <a:off x="-15501" y="-19475"/>
-            <a:ext cx="9191402" cy="840000"/>
+          <a:xfrm rot="10800000" flipH="1">
+            <a:off x="-1" y="0"/>
+            <a:ext cx="9163201" cy="5148001"/>
           </a:xfrm>
-          <a:prstGeom prst="rect">
-            <a:avLst/>
-          </a:prstGeom>
+          <a:custGeom>
+            <a:avLst/>
+            <a:gdLst/>
+            <a:ahLst/>
+            <a:cxnLst>
+              <a:cxn ang="0">
+                <a:pos x="wd2" y="hd2"/>
+              </a:cxn>
+              <a:cxn ang="5400000">
+                <a:pos x="wd2" y="hd2"/>
+              </a:cxn>
+              <a:cxn ang="10800000">
+                <a:pos x="wd2" y="hd2"/>
+              </a:cxn>
+              <a:cxn ang="16200000">
+                <a:pos x="wd2" y="hd2"/>
+              </a:cxn>
+            </a:cxnLst>
+            <a:rect l="0" t="0" r="r" b="b"/>
+            <a:pathLst>
+              <a:path w="21600" h="21600" extrusionOk="0">
+                <a:moveTo>
+                  <a:pt x="0" y="0"/>
+                </a:moveTo>
+                <a:lnTo>
+                  <a:pt x="16564" y="0"/>
+                </a:lnTo>
+                <a:lnTo>
+                  <a:pt x="21600" y="8964"/>
+                </a:lnTo>
+                <a:lnTo>
+                  <a:pt x="21600" y="21600"/>
+                </a:lnTo>
+                <a:lnTo>
+                  <a:pt x="0" y="21600"/>
+                </a:lnTo>
+                <a:close/>
+              </a:path>
+            </a:pathLst>
+          </a:custGeom>
           <a:gradFill>
             <a:gsLst>
               <a:gs pos="0">
@@ -5167,20 +4156,20 @@
           <a:bodyPr lIns="45719" rIns="45719" anchor="ctr"/>
           <a:lstStyle/>
           <a:p>
-            <a:pPr/>
-          </a:p>
-        </p:txBody>
-      </p:sp>
-      <p:sp>
-        <p:nvSpPr>
-          <p:cNvPr id="162" name="Shape 114"/>
+            <a:endParaRPr/>
+          </a:p>
+        </p:txBody>
+      </p:sp>
+      <p:sp>
+        <p:nvSpPr>
+          <p:cNvPr id="158" name="Shape 107"/>
           <p:cNvSpPr/>
           <p:nvPr/>
         </p:nvSpPr>
         <p:spPr>
           <a:xfrm>
-            <a:off x="205025" y="263974"/>
-            <a:ext cx="8565600" cy="758742"/>
+            <a:off x="2425482" y="2212379"/>
+            <a:ext cx="3953102" cy="723243"/>
           </a:xfrm>
           <a:prstGeom prst="rect">
             <a:avLst/>
@@ -5190,7 +4179,7 @@
           </a:ln>
           <a:extLst>
             <a:ext uri="{C572A759-6A51-4108-AA02-DFA0A04FC94B}">
-              <ma14:wrappingTextBoxFlag xmlns:ma14="http://schemas.microsoft.com/office/mac/drawingml/2011/main" val="1"/>
+              <ma14:wrappingTextBoxFlag xmlns:ma14="http://schemas.microsoft.com/office/mac/drawingml/2011/main" xmlns="" val="1"/>
             </a:ext>
           </a:extLst>
         </p:spPr>
@@ -5200,7 +4189,198 @@
           </a:bodyPr>
           <a:lstStyle>
             <a:lvl1pPr>
-              <a:defRPr b="1" sz="2000">
+              <a:defRPr sz="3500">
+                <a:solidFill>
+                  <a:srgbClr val="FFFFFF"/>
+                </a:solidFill>
+                <a:latin typeface="Open Sans Extrabold"/>
+                <a:ea typeface="Open Sans Extrabold"/>
+                <a:cs typeface="Open Sans Extrabold"/>
+                <a:sym typeface="Open Sans Extrabold"/>
+              </a:defRPr>
+            </a:lvl1pPr>
+          </a:lstStyle>
+          <a:p>
+            <a:pPr algn="ctr"/>
+            <a:r>
+              <a:rPr lang="en-US" dirty="0" smtClean="0"/>
+              <a:t>Q&amp;A Session</a:t>
+            </a:r>
+            <a:endParaRPr dirty="0"/>
+          </a:p>
+        </p:txBody>
+      </p:sp>
+      <p:sp>
+        <p:nvSpPr>
+          <p:cNvPr id="159" name="Note: The data and information in this document is reflective of a hypothetical situation and client. This document is to be used for KPMG Virtual Internship purposes only."/>
+          <p:cNvSpPr/>
+          <p:nvPr/>
+        </p:nvSpPr>
+        <p:spPr>
+          <a:xfrm>
+            <a:off x="-6201" y="-6350"/>
+            <a:ext cx="9175601" cy="238700"/>
+          </a:xfrm>
+          <a:prstGeom prst="rect">
+            <a:avLst/>
+          </a:prstGeom>
+          <a:solidFill>
+            <a:schemeClr val="accent3"/>
+          </a:solidFill>
+          <a:ln w="12700">
+            <a:miter lim="400000"/>
+          </a:ln>
+          <a:extLst>
+            <a:ext uri="{C572A759-6A51-4108-AA02-DFA0A04FC94B}">
+              <ma14:wrappingTextBoxFlag xmlns:ma14="http://schemas.microsoft.com/office/mac/drawingml/2011/main" xmlns="" val="1"/>
+            </a:ext>
+          </a:extLst>
+        </p:spPr>
+        <p:txBody>
+          <a:bodyPr lIns="45719" rIns="45719" anchor="ctr"/>
+          <a:lstStyle/>
+          <a:p>
+            <a:pPr defTabSz="457200">
+              <a:defRPr sz="500" b="1">
+                <a:latin typeface="Calibri"/>
+                <a:ea typeface="Calibri"/>
+                <a:cs typeface="Calibri"/>
+                <a:sym typeface="Calibri"/>
+              </a:defRPr>
+            </a:pPr>
+            <a:r>
+              <a:t>       Note: </a:t>
+            </a:r>
+            <a:r>
+              <a:rPr b="0"/>
+              <a:t>The data and information in this document is reflective of a hypothetical situation and client. This document is to be used for KPMG Virtual Internship purposes only. </a:t>
+            </a:r>
+          </a:p>
+        </p:txBody>
+      </p:sp>
+      <p:pic>
+        <p:nvPicPr>
+          <p:cNvPr id="5" name="Picture 4"/>
+          <p:cNvPicPr>
+            <a:picLocks noChangeAspect="1"/>
+          </p:cNvPicPr>
+          <p:nvPr/>
+        </p:nvPicPr>
+        <p:blipFill>
+          <a:blip r:embed="rId2" cstate="print">
+            <a:extLst>
+              <a:ext uri="{28A0092B-C50C-407E-A947-70E740481C1C}">
+                <a14:useLocalDpi xmlns:a14="http://schemas.microsoft.com/office/drawing/2010/main" val="0"/>
+              </a:ext>
+            </a:extLst>
+          </a:blip>
+          <a:stretch>
+            <a:fillRect/>
+          </a:stretch>
+        </p:blipFill>
+        <p:spPr>
+          <a:xfrm>
+            <a:off x="7700295" y="4142892"/>
+            <a:ext cx="1365328" cy="881743"/>
+          </a:xfrm>
+          <a:prstGeom prst="rect">
+            <a:avLst/>
+          </a:prstGeom>
+        </p:spPr>
+      </p:pic>
+    </p:spTree>
+  </p:cSld>
+  <p:clrMapOvr>
+    <a:masterClrMapping/>
+  </p:clrMapOvr>
+  <p:transition spd="med"/>
+</p:sld>
+</file>
+
+<file path=ppt/slides/slide2.xml><?xml version="1.0" encoding="utf-8"?>
+<p:sld xmlns:a="http://schemas.openxmlformats.org/drawingml/2006/main" xmlns:r="http://schemas.openxmlformats.org/officeDocument/2006/relationships" xmlns:p="http://schemas.openxmlformats.org/presentationml/2006/main">
+  <p:cSld>
+    <p:spTree>
+      <p:nvGrpSpPr>
+        <p:cNvPr id="1" name=""/>
+        <p:cNvGrpSpPr/>
+        <p:nvPr/>
+      </p:nvGrpSpPr>
+      <p:grpSpPr>
+        <a:xfrm>
+          <a:off x="0" y="0"/>
+          <a:ext cx="0" cy="0"/>
+          <a:chOff x="0" y="0"/>
+          <a:chExt cx="0" cy="0"/>
+        </a:xfrm>
+      </p:grpSpPr>
+      <p:sp>
+        <p:nvSpPr>
+          <p:cNvPr id="116" name="Shape 63"/>
+          <p:cNvSpPr/>
+          <p:nvPr/>
+        </p:nvSpPr>
+        <p:spPr>
+          <a:xfrm>
+            <a:off x="-15501" y="-19475"/>
+            <a:ext cx="9191402" cy="840000"/>
+          </a:xfrm>
+          <a:prstGeom prst="rect">
+            <a:avLst/>
+          </a:prstGeom>
+          <a:gradFill>
+            <a:gsLst>
+              <a:gs pos="0">
+                <a:srgbClr val="1077D2"/>
+              </a:gs>
+              <a:gs pos="100000">
+                <a:srgbClr val="093153"/>
+              </a:gs>
+            </a:gsLst>
+            <a:lin ang="12000143"/>
+          </a:gradFill>
+          <a:ln w="12700">
+            <a:miter lim="400000"/>
+          </a:ln>
+        </p:spPr>
+        <p:txBody>
+          <a:bodyPr lIns="45719" rIns="45719" anchor="ctr"/>
+          <a:lstStyle/>
+          <a:p>
+            <a:endParaRPr/>
+          </a:p>
+        </p:txBody>
+      </p:sp>
+      <p:sp>
+        <p:nvSpPr>
+          <p:cNvPr id="117" name="Shape 64"/>
+          <p:cNvSpPr/>
+          <p:nvPr/>
+        </p:nvSpPr>
+        <p:spPr>
+          <a:xfrm>
+            <a:off x="205025" y="263974"/>
+            <a:ext cx="8565600" cy="466642"/>
+          </a:xfrm>
+          <a:prstGeom prst="rect">
+            <a:avLst/>
+          </a:prstGeom>
+          <a:ln w="12700">
+            <a:miter lim="400000"/>
+          </a:ln>
+          <a:extLst>
+            <a:ext uri="{C572A759-6A51-4108-AA02-DFA0A04FC94B}">
+              <ma14:wrappingTextBoxFlag xmlns:ma14="http://schemas.microsoft.com/office/mac/drawingml/2011/main" xmlns="" val="1"/>
+            </a:ext>
+          </a:extLst>
+        </p:spPr>
+        <p:txBody>
+          <a:bodyPr lIns="91424" tIns="91424" rIns="91424" bIns="91424">
+            <a:spAutoFit/>
+          </a:bodyPr>
+          <a:lstStyle>
+            <a:lvl1pPr>
+              <a:defRPr sz="2000" b="1">
                 <a:solidFill>
                   <a:srgbClr val="FFFFFF"/>
                 </a:solidFill>
@@ -5208,23 +4388,22 @@
             </a:lvl1pPr>
           </a:lstStyle>
           <a:p>
-            <a:pPr/>
-            <a:r>
-              <a:t>Appendix</a:t>
-            </a:r>
-          </a:p>
-        </p:txBody>
-      </p:sp>
-      <p:sp>
-        <p:nvSpPr>
-          <p:cNvPr id="163" name="Shape 115"/>
+            <a:r>
+              <a:t>Agenda</a:t>
+            </a:r>
+          </a:p>
+        </p:txBody>
+      </p:sp>
+      <p:sp>
+        <p:nvSpPr>
+          <p:cNvPr id="118" name="Shape 65"/>
           <p:cNvSpPr/>
           <p:nvPr/>
         </p:nvSpPr>
         <p:spPr>
           <a:xfrm>
-            <a:off x="205025" y="1083299"/>
-            <a:ext cx="8565600" cy="920086"/>
+            <a:off x="343874" y="1211200"/>
+            <a:ext cx="5459402" cy="1708756"/>
           </a:xfrm>
           <a:prstGeom prst="rect">
             <a:avLst/>
@@ -5234,7 +4413,306 @@
           </a:ln>
           <a:extLst>
             <a:ext uri="{C572A759-6A51-4108-AA02-DFA0A04FC94B}">
-              <ma14:wrappingTextBoxFlag xmlns:ma14="http://schemas.microsoft.com/office/mac/drawingml/2011/main" val="1"/>
+              <ma14:wrappingTextBoxFlag xmlns:ma14="http://schemas.microsoft.com/office/mac/drawingml/2011/main" xmlns="" val="1"/>
+            </a:ext>
+          </a:extLst>
+        </p:spPr>
+        <p:txBody>
+          <a:bodyPr lIns="91424" tIns="91424" rIns="91424" bIns="91424">
+            <a:spAutoFit/>
+          </a:bodyPr>
+          <a:lstStyle/>
+          <a:p>
+            <a:pPr marL="457200" indent="-355600">
+              <a:lnSpc>
+                <a:spcPct val="115000"/>
+              </a:lnSpc>
+              <a:buClr>
+                <a:srgbClr val="000000"/>
+              </a:buClr>
+              <a:buSzPts val="2000"/>
+              <a:buAutoNum type="arabicPeriod"/>
+              <a:defRPr sz="2000">
+                <a:latin typeface="Open Sans"/>
+                <a:ea typeface="Open Sans"/>
+                <a:cs typeface="Open Sans"/>
+                <a:sym typeface="Open Sans"/>
+              </a:defRPr>
+            </a:pPr>
+            <a:r>
+              <a:t>Introduction</a:t>
+            </a:r>
+          </a:p>
+          <a:p>
+            <a:pPr marL="457200" indent="-355600">
+              <a:lnSpc>
+                <a:spcPct val="115000"/>
+              </a:lnSpc>
+              <a:buClr>
+                <a:srgbClr val="000000"/>
+              </a:buClr>
+              <a:buSzPts val="2000"/>
+              <a:buAutoNum type="arabicPeriod"/>
+              <a:defRPr sz="2000">
+                <a:latin typeface="Open Sans"/>
+                <a:ea typeface="Open Sans"/>
+                <a:cs typeface="Open Sans"/>
+                <a:sym typeface="Open Sans"/>
+              </a:defRPr>
+            </a:pPr>
+            <a:r>
+              <a:t>Data Exploration</a:t>
+            </a:r>
+          </a:p>
+          <a:p>
+            <a:pPr marL="457200" indent="-355600">
+              <a:lnSpc>
+                <a:spcPct val="115000"/>
+              </a:lnSpc>
+              <a:buClr>
+                <a:srgbClr val="000000"/>
+              </a:buClr>
+              <a:buSzPts val="2000"/>
+              <a:buAutoNum type="arabicPeriod"/>
+              <a:defRPr sz="2000">
+                <a:latin typeface="Open Sans"/>
+                <a:ea typeface="Open Sans"/>
+                <a:cs typeface="Open Sans"/>
+                <a:sym typeface="Open Sans"/>
+              </a:defRPr>
+            </a:pPr>
+            <a:r>
+              <a:t>Model Development</a:t>
+            </a:r>
+          </a:p>
+          <a:p>
+            <a:pPr marL="457200" indent="-355600">
+              <a:lnSpc>
+                <a:spcPct val="115000"/>
+              </a:lnSpc>
+              <a:buClr>
+                <a:srgbClr val="000000"/>
+              </a:buClr>
+              <a:buSzPts val="2000"/>
+              <a:buAutoNum type="arabicPeriod"/>
+              <a:defRPr sz="2000">
+                <a:latin typeface="Open Sans"/>
+                <a:ea typeface="Open Sans"/>
+                <a:cs typeface="Open Sans"/>
+                <a:sym typeface="Open Sans"/>
+              </a:defRPr>
+            </a:pPr>
+            <a:r>
+              <a:t>Interpretation</a:t>
+            </a:r>
+          </a:p>
+        </p:txBody>
+      </p:sp>
+      <p:sp>
+        <p:nvSpPr>
+          <p:cNvPr id="119" name="Note: The data and information in this document is reflective of a hypothetical situation and client. This document is to be used for KPMG Virtual Internship purposes only."/>
+          <p:cNvSpPr/>
+          <p:nvPr/>
+        </p:nvSpPr>
+        <p:spPr>
+          <a:xfrm>
+            <a:off x="-6201" y="-6350"/>
+            <a:ext cx="9175601" cy="238700"/>
+          </a:xfrm>
+          <a:prstGeom prst="rect">
+            <a:avLst/>
+          </a:prstGeom>
+          <a:solidFill>
+            <a:schemeClr val="accent3"/>
+          </a:solidFill>
+          <a:ln w="12700">
+            <a:miter lim="400000"/>
+          </a:ln>
+          <a:extLst>
+            <a:ext uri="{C572A759-6A51-4108-AA02-DFA0A04FC94B}">
+              <ma14:wrappingTextBoxFlag xmlns:ma14="http://schemas.microsoft.com/office/mac/drawingml/2011/main" xmlns="" val="1"/>
+            </a:ext>
+          </a:extLst>
+        </p:spPr>
+        <p:txBody>
+          <a:bodyPr lIns="45719" rIns="45719" anchor="ctr"/>
+          <a:lstStyle/>
+          <a:p>
+            <a:pPr defTabSz="457200">
+              <a:defRPr sz="500" b="1">
+                <a:latin typeface="Calibri"/>
+                <a:ea typeface="Calibri"/>
+                <a:cs typeface="Calibri"/>
+                <a:sym typeface="Calibri"/>
+              </a:defRPr>
+            </a:pPr>
+            <a:r>
+              <a:t>       Note: </a:t>
+            </a:r>
+            <a:r>
+              <a:rPr b="0"/>
+              <a:t>The data and information in this document is reflective of a hypothetical situation and client. This document is to be used for KPMG Virtual Internship purposes only. </a:t>
+            </a:r>
+          </a:p>
+        </p:txBody>
+      </p:sp>
+      <p:pic>
+        <p:nvPicPr>
+          <p:cNvPr id="7" name="Picture 6"/>
+          <p:cNvPicPr>
+            <a:picLocks noChangeAspect="1"/>
+          </p:cNvPicPr>
+          <p:nvPr/>
+        </p:nvPicPr>
+        <p:blipFill>
+          <a:blip r:embed="rId2" cstate="print">
+            <a:extLst>
+              <a:ext uri="{28A0092B-C50C-407E-A947-70E740481C1C}">
+                <a14:useLocalDpi xmlns:a14="http://schemas.microsoft.com/office/drawing/2010/main" val="0"/>
+              </a:ext>
+            </a:extLst>
+          </a:blip>
+          <a:stretch>
+            <a:fillRect/>
+          </a:stretch>
+        </p:blipFill>
+        <p:spPr>
+          <a:xfrm>
+            <a:off x="7700295" y="4142892"/>
+            <a:ext cx="1365328" cy="881743"/>
+          </a:xfrm>
+          <a:prstGeom prst="rect">
+            <a:avLst/>
+          </a:prstGeom>
+        </p:spPr>
+      </p:pic>
+    </p:spTree>
+  </p:cSld>
+  <p:clrMapOvr>
+    <a:masterClrMapping/>
+  </p:clrMapOvr>
+  <p:transition spd="med"/>
+</p:sld>
+</file>
+
+<file path=ppt/slides/slide3.xml><?xml version="1.0" encoding="utf-8"?>
+<p:sld xmlns:a="http://schemas.openxmlformats.org/drawingml/2006/main" xmlns:r="http://schemas.openxmlformats.org/officeDocument/2006/relationships" xmlns:p="http://schemas.openxmlformats.org/presentationml/2006/main">
+  <p:cSld>
+    <p:spTree>
+      <p:nvGrpSpPr>
+        <p:cNvPr id="1" name=""/>
+        <p:cNvGrpSpPr/>
+        <p:nvPr/>
+      </p:nvGrpSpPr>
+      <p:grpSpPr>
+        <a:xfrm>
+          <a:off x="0" y="0"/>
+          <a:ext cx="0" cy="0"/>
+          <a:chOff x="0" y="0"/>
+          <a:chExt cx="0" cy="0"/>
+        </a:xfrm>
+      </p:grpSpPr>
+      <p:sp>
+        <p:nvSpPr>
+          <p:cNvPr id="121" name="Shape 70"/>
+          <p:cNvSpPr/>
+          <p:nvPr/>
+        </p:nvSpPr>
+        <p:spPr>
+          <a:xfrm>
+            <a:off x="-15501" y="-19475"/>
+            <a:ext cx="9191402" cy="840000"/>
+          </a:xfrm>
+          <a:prstGeom prst="rect">
+            <a:avLst/>
+          </a:prstGeom>
+          <a:gradFill>
+            <a:gsLst>
+              <a:gs pos="0">
+                <a:srgbClr val="1077D2"/>
+              </a:gs>
+              <a:gs pos="100000">
+                <a:srgbClr val="093153"/>
+              </a:gs>
+            </a:gsLst>
+            <a:lin ang="12000143"/>
+          </a:gradFill>
+          <a:ln w="12700">
+            <a:miter lim="400000"/>
+          </a:ln>
+        </p:spPr>
+        <p:txBody>
+          <a:bodyPr lIns="45719" rIns="45719" anchor="ctr"/>
+          <a:lstStyle/>
+          <a:p>
+            <a:endParaRPr/>
+          </a:p>
+        </p:txBody>
+      </p:sp>
+      <p:sp>
+        <p:nvSpPr>
+          <p:cNvPr id="122" name="Shape 71"/>
+          <p:cNvSpPr/>
+          <p:nvPr/>
+        </p:nvSpPr>
+        <p:spPr>
+          <a:xfrm>
+            <a:off x="205025" y="263974"/>
+            <a:ext cx="8716906" cy="492410"/>
+          </a:xfrm>
+          <a:prstGeom prst="rect">
+            <a:avLst/>
+          </a:prstGeom>
+          <a:ln w="12700">
+            <a:miter lim="400000"/>
+          </a:ln>
+          <a:extLst>
+            <a:ext uri="{C572A759-6A51-4108-AA02-DFA0A04FC94B}">
+              <ma14:wrappingTextBoxFlag xmlns:ma14="http://schemas.microsoft.com/office/mac/drawingml/2011/main" xmlns="" val="1"/>
+            </a:ext>
+          </a:extLst>
+        </p:spPr>
+        <p:txBody>
+          <a:bodyPr wrap="square" lIns="91424" tIns="91424" rIns="91424" bIns="91424">
+            <a:spAutoFit/>
+          </a:bodyPr>
+          <a:lstStyle>
+            <a:lvl1pPr>
+              <a:defRPr sz="2000" b="1">
+                <a:solidFill>
+                  <a:srgbClr val="FFFFFF"/>
+                </a:solidFill>
+              </a:defRPr>
+            </a:lvl1pPr>
+          </a:lstStyle>
+          <a:p>
+            <a:r>
+              <a:rPr dirty="0"/>
+              <a:t>Introduction</a:t>
+            </a:r>
+          </a:p>
+        </p:txBody>
+      </p:sp>
+      <p:sp>
+        <p:nvSpPr>
+          <p:cNvPr id="123" name="Shape 72"/>
+          <p:cNvSpPr/>
+          <p:nvPr/>
+        </p:nvSpPr>
+        <p:spPr>
+          <a:xfrm>
+            <a:off x="205025" y="1083299"/>
+            <a:ext cx="8565600" cy="538577"/>
+          </a:xfrm>
+          <a:prstGeom prst="rect">
+            <a:avLst/>
+          </a:prstGeom>
+          <a:ln w="12700">
+            <a:miter lim="400000"/>
+          </a:ln>
+          <a:extLst>
+            <a:ext uri="{C572A759-6A51-4108-AA02-DFA0A04FC94B}">
+              <ma14:wrappingTextBoxFlag xmlns:ma14="http://schemas.microsoft.com/office/mac/drawingml/2011/main" xmlns="" val="1"/>
             </a:ext>
           </a:extLst>
         </p:spPr>
@@ -5247,7 +4725,7 @@
               <a:lnSpc>
                 <a:spcPct val="115000"/>
               </a:lnSpc>
-              <a:defRPr b="1" sz="2000">
+              <a:defRPr sz="2000" b="1">
                 <a:latin typeface="Open Sans"/>
                 <a:ea typeface="Open Sans"/>
                 <a:cs typeface="Open Sans"/>
@@ -5256,16 +4734,71 @@
             </a:lvl1pPr>
           </a:lstStyle>
           <a:p>
-            <a:pPr/>
-            <a:r>
-              <a:t>This is an optional slide where you may place any supporting items.</a:t>
-            </a:r>
-          </a:p>
-        </p:txBody>
-      </p:sp>
-      <p:sp>
-        <p:nvSpPr>
-          <p:cNvPr id="164" name="Note: The data and information in this document is reflective of a hypothetical situation and client. This document is to be used for KPMG Virtual Internship purposes only."/>
+            <a:r>
+              <a:rPr lang="en-US" dirty="0" smtClean="0"/>
+              <a:t>Problem Understanding.</a:t>
+            </a:r>
+            <a:endParaRPr dirty="0"/>
+          </a:p>
+        </p:txBody>
+      </p:sp>
+      <p:sp>
+        <p:nvSpPr>
+          <p:cNvPr id="124" name="Shape 73"/>
+          <p:cNvSpPr/>
+          <p:nvPr/>
+        </p:nvSpPr>
+        <p:spPr>
+          <a:xfrm>
+            <a:off x="205025" y="1884650"/>
+            <a:ext cx="8325021" cy="1489350"/>
+          </a:xfrm>
+          <a:prstGeom prst="rect">
+            <a:avLst/>
+          </a:prstGeom>
+          <a:ln w="12700">
+            <a:miter lim="400000"/>
+          </a:ln>
+          <a:extLst>
+            <a:ext uri="{C572A759-6A51-4108-AA02-DFA0A04FC94B}">
+              <ma14:wrappingTextBoxFlag xmlns:ma14="http://schemas.microsoft.com/office/mac/drawingml/2011/main" xmlns="" val="1"/>
+            </a:ext>
+          </a:extLst>
+        </p:spPr>
+        <p:txBody>
+          <a:bodyPr wrap="square" lIns="91424" tIns="91424" rIns="91424" bIns="91424">
+            <a:spAutoFit/>
+          </a:bodyPr>
+          <a:lstStyle>
+            <a:lvl1pPr>
+              <a:lnSpc>
+                <a:spcPct val="115000"/>
+              </a:lnSpc>
+              <a:defRPr sz="1500">
+                <a:latin typeface="Open Sans"/>
+                <a:ea typeface="Open Sans"/>
+                <a:cs typeface="Open Sans"/>
+                <a:sym typeface="Open Sans"/>
+              </a:defRPr>
+            </a:lvl1pPr>
+          </a:lstStyle>
+          <a:p>
+            <a:r>
+              <a:rPr lang="en-US" dirty="0" smtClean="0"/>
+              <a:t>Sprocket Central Pry Ltd. is a bicycle and bike accessories company. They are interested in finding out which new customers to target when marketing in the coming year based on their current customer data. </a:t>
+            </a:r>
+          </a:p>
+          <a:p>
+            <a:r>
+              <a:rPr lang="en-US" dirty="0" smtClean="0"/>
+              <a:t>They approached KMPG AU to facilitate this project. In this presentation I will take you through the process and findings of the project.</a:t>
+            </a:r>
+          </a:p>
+        </p:txBody>
+      </p:sp>
+      <p:sp>
+        <p:nvSpPr>
+          <p:cNvPr id="128" name="Note: The data and information in this document is reflective of a hypothetical situation and client. This document is to be used for KPMG Virtual Internship purposes only."/>
           <p:cNvSpPr/>
           <p:nvPr/>
         </p:nvSpPr>
@@ -5285,7 +4818,7 @@
           </a:ln>
           <a:extLst>
             <a:ext uri="{C572A759-6A51-4108-AA02-DFA0A04FC94B}">
-              <ma14:wrappingTextBoxFlag xmlns:ma14="http://schemas.microsoft.com/office/mac/drawingml/2011/main" val="1"/>
+              <ma14:wrappingTextBoxFlag xmlns:ma14="http://schemas.microsoft.com/office/mac/drawingml/2011/main" xmlns="" val="1"/>
             </a:ext>
           </a:extLst>
         </p:spPr>
@@ -5294,7 +4827,7 @@
           <a:lstStyle/>
           <a:p>
             <a:pPr defTabSz="457200">
-              <a:defRPr b="1" sz="500">
+              <a:defRPr sz="500" b="1">
                 <a:latin typeface="Calibri"/>
                 <a:ea typeface="Calibri"/>
                 <a:cs typeface="Calibri"/>
@@ -5311,17 +4844,1993 @@
           </a:p>
         </p:txBody>
       </p:sp>
+      <p:pic>
+        <p:nvPicPr>
+          <p:cNvPr id="12" name="Picture 11"/>
+          <p:cNvPicPr>
+            <a:picLocks noChangeAspect="1"/>
+          </p:cNvPicPr>
+          <p:nvPr/>
+        </p:nvPicPr>
+        <p:blipFill>
+          <a:blip r:embed="rId2" cstate="print">
+            <a:extLst>
+              <a:ext uri="{28A0092B-C50C-407E-A947-70E740481C1C}">
+                <a14:useLocalDpi xmlns:a14="http://schemas.microsoft.com/office/drawing/2010/main" val="0"/>
+              </a:ext>
+            </a:extLst>
+          </a:blip>
+          <a:stretch>
+            <a:fillRect/>
+          </a:stretch>
+        </p:blipFill>
+        <p:spPr>
+          <a:xfrm>
+            <a:off x="7700295" y="4142892"/>
+            <a:ext cx="1365328" cy="881743"/>
+          </a:xfrm>
+          <a:prstGeom prst="rect">
+            <a:avLst/>
+          </a:prstGeom>
+        </p:spPr>
+      </p:pic>
     </p:spTree>
   </p:cSld>
   <p:clrMapOvr>
     <a:masterClrMapping/>
   </p:clrMapOvr>
-  <p:transition xmlns:p14="http://schemas.microsoft.com/office/powerpoint/2010/main" spd="med" advClick="1"/>
+  <p:transition spd="med"/>
+</p:sld>
+</file>
+
+<file path=ppt/slides/slide4.xml><?xml version="1.0" encoding="utf-8"?>
+<p:sld xmlns:a="http://schemas.openxmlformats.org/drawingml/2006/main" xmlns:r="http://schemas.openxmlformats.org/officeDocument/2006/relationships" xmlns:p="http://schemas.openxmlformats.org/presentationml/2006/main">
+  <p:cSld>
+    <p:spTree>
+      <p:nvGrpSpPr>
+        <p:cNvPr id="1" name=""/>
+        <p:cNvGrpSpPr/>
+        <p:nvPr/>
+      </p:nvGrpSpPr>
+      <p:grpSpPr>
+        <a:xfrm>
+          <a:off x="0" y="0"/>
+          <a:ext cx="0" cy="0"/>
+          <a:chOff x="0" y="0"/>
+          <a:chExt cx="0" cy="0"/>
+        </a:xfrm>
+      </p:grpSpPr>
+      <p:sp>
+        <p:nvSpPr>
+          <p:cNvPr id="130" name="Shape 79"/>
+          <p:cNvSpPr/>
+          <p:nvPr/>
+        </p:nvSpPr>
+        <p:spPr>
+          <a:xfrm>
+            <a:off x="-15501" y="-19475"/>
+            <a:ext cx="9191402" cy="840000"/>
+          </a:xfrm>
+          <a:prstGeom prst="rect">
+            <a:avLst/>
+          </a:prstGeom>
+          <a:gradFill>
+            <a:gsLst>
+              <a:gs pos="0">
+                <a:srgbClr val="1077D2"/>
+              </a:gs>
+              <a:gs pos="100000">
+                <a:srgbClr val="093153"/>
+              </a:gs>
+            </a:gsLst>
+            <a:lin ang="12000143"/>
+          </a:gradFill>
+          <a:ln w="12700">
+            <a:miter lim="400000"/>
+          </a:ln>
+        </p:spPr>
+        <p:txBody>
+          <a:bodyPr lIns="45719" rIns="45719" anchor="ctr"/>
+          <a:lstStyle/>
+          <a:p>
+            <a:endParaRPr/>
+          </a:p>
+        </p:txBody>
+      </p:sp>
+      <p:sp>
+        <p:nvSpPr>
+          <p:cNvPr id="131" name="Shape 80"/>
+          <p:cNvSpPr/>
+          <p:nvPr/>
+        </p:nvSpPr>
+        <p:spPr>
+          <a:xfrm>
+            <a:off x="205025" y="263974"/>
+            <a:ext cx="8565600" cy="466642"/>
+          </a:xfrm>
+          <a:prstGeom prst="rect">
+            <a:avLst/>
+          </a:prstGeom>
+          <a:ln w="12700">
+            <a:miter lim="400000"/>
+          </a:ln>
+          <a:extLst>
+            <a:ext uri="{C572A759-6A51-4108-AA02-DFA0A04FC94B}">
+              <ma14:wrappingTextBoxFlag xmlns:ma14="http://schemas.microsoft.com/office/mac/drawingml/2011/main" xmlns="" val="1"/>
+            </a:ext>
+          </a:extLst>
+        </p:spPr>
+        <p:txBody>
+          <a:bodyPr lIns="91424" tIns="91424" rIns="91424" bIns="91424">
+            <a:spAutoFit/>
+          </a:bodyPr>
+          <a:lstStyle>
+            <a:lvl1pPr>
+              <a:defRPr sz="2000" b="1">
+                <a:solidFill>
+                  <a:srgbClr val="FFFFFF"/>
+                </a:solidFill>
+              </a:defRPr>
+            </a:lvl1pPr>
+          </a:lstStyle>
+          <a:p>
+            <a:r>
+              <a:rPr dirty="0"/>
+              <a:t>Data Exploration</a:t>
+            </a:r>
+          </a:p>
+        </p:txBody>
+      </p:sp>
+      <p:sp>
+        <p:nvSpPr>
+          <p:cNvPr id="132" name="Shape 81"/>
+          <p:cNvSpPr/>
+          <p:nvPr/>
+        </p:nvSpPr>
+        <p:spPr>
+          <a:xfrm>
+            <a:off x="205025" y="1068043"/>
+            <a:ext cx="8565600" cy="508505"/>
+          </a:xfrm>
+          <a:prstGeom prst="rect">
+            <a:avLst/>
+          </a:prstGeom>
+          <a:ln w="12700">
+            <a:miter lim="400000"/>
+          </a:ln>
+          <a:extLst>
+            <a:ext uri="{C572A759-6A51-4108-AA02-DFA0A04FC94B}">
+              <ma14:wrappingTextBoxFlag xmlns:ma14="http://schemas.microsoft.com/office/mac/drawingml/2011/main" xmlns="" val="1"/>
+            </a:ext>
+          </a:extLst>
+        </p:spPr>
+        <p:txBody>
+          <a:bodyPr lIns="91424" tIns="91424" rIns="91424" bIns="91424">
+            <a:spAutoFit/>
+          </a:bodyPr>
+          <a:lstStyle>
+            <a:lvl1pPr>
+              <a:lnSpc>
+                <a:spcPct val="115000"/>
+              </a:lnSpc>
+              <a:defRPr sz="2000" b="1">
+                <a:latin typeface="Open Sans"/>
+                <a:ea typeface="Open Sans"/>
+                <a:cs typeface="Open Sans"/>
+                <a:sym typeface="Open Sans"/>
+              </a:defRPr>
+            </a:lvl1pPr>
+          </a:lstStyle>
+          <a:p>
+            <a:r>
+              <a:rPr lang="en-US" dirty="0" smtClean="0"/>
+              <a:t>Data Summary</a:t>
+            </a:r>
+            <a:endParaRPr dirty="0"/>
+          </a:p>
+        </p:txBody>
+      </p:sp>
+      <p:sp>
+        <p:nvSpPr>
+          <p:cNvPr id="133" name="Shape 82"/>
+          <p:cNvSpPr/>
+          <p:nvPr/>
+        </p:nvSpPr>
+        <p:spPr>
+          <a:xfrm>
+            <a:off x="205024" y="1824066"/>
+            <a:ext cx="8565601" cy="2308292"/>
+          </a:xfrm>
+          <a:prstGeom prst="rect">
+            <a:avLst/>
+          </a:prstGeom>
+          <a:ln w="12700">
+            <a:miter lim="400000"/>
+          </a:ln>
+          <a:extLst>
+            <a:ext uri="{C572A759-6A51-4108-AA02-DFA0A04FC94B}">
+              <ma14:wrappingTextBoxFlag xmlns:ma14="http://schemas.microsoft.com/office/mac/drawingml/2011/main" xmlns="" val="1"/>
+            </a:ext>
+          </a:extLst>
+        </p:spPr>
+        <p:txBody>
+          <a:bodyPr wrap="square" lIns="91424" tIns="91424" rIns="91424" bIns="91424">
+            <a:spAutoFit/>
+          </a:bodyPr>
+          <a:lstStyle>
+            <a:lvl1pPr>
+              <a:lnSpc>
+                <a:spcPct val="115000"/>
+              </a:lnSpc>
+              <a:defRPr sz="1500">
+                <a:latin typeface="Open Sans"/>
+                <a:ea typeface="Open Sans"/>
+                <a:cs typeface="Open Sans"/>
+                <a:sym typeface="Open Sans"/>
+              </a:defRPr>
+            </a:lvl1pPr>
+          </a:lstStyle>
+          <a:p>
+            <a:r>
+              <a:rPr lang="en-US" dirty="0" smtClean="0"/>
+              <a:t>There were 3 datasets provided. Transactions, customer addresses and customer demographic data.</a:t>
+            </a:r>
+          </a:p>
+          <a:p>
+            <a:r>
+              <a:rPr lang="en-US" dirty="0" smtClean="0"/>
+              <a:t>Issues encountered in the data include:</a:t>
+            </a:r>
+          </a:p>
+          <a:p>
+            <a:pPr marL="342900" indent="-342900">
+              <a:buFont typeface="+mj-lt"/>
+              <a:buAutoNum type="arabicPeriod"/>
+            </a:pPr>
+            <a:r>
+              <a:rPr lang="en-US" dirty="0" smtClean="0"/>
+              <a:t>Inconsistency of recorded values – Some fields such as gender and state had different values referring to the same detail. Having a dropdown list when selecting this feature in future would be a great solution. </a:t>
+            </a:r>
+          </a:p>
+          <a:p>
+            <a:pPr marL="342900" indent="-342900">
+              <a:buFont typeface="+mj-lt"/>
+              <a:buAutoNum type="arabicPeriod"/>
+            </a:pPr>
+            <a:r>
+              <a:rPr lang="en-US" dirty="0" smtClean="0"/>
+              <a:t>Missing records – Some fields such as brand, product line and class has up to 16% missing values. Placing emphasis on having complete records in future should mitigate this issue</a:t>
+            </a:r>
+            <a:endParaRPr dirty="0"/>
+          </a:p>
+        </p:txBody>
+      </p:sp>
+      <p:sp>
+        <p:nvSpPr>
+          <p:cNvPr id="137" name="Note: The data and information in this document is reflective of a hypothetical situation and client. This document is to be used for KPMG Virtual Internship purposes only."/>
+          <p:cNvSpPr/>
+          <p:nvPr/>
+        </p:nvSpPr>
+        <p:spPr>
+          <a:xfrm>
+            <a:off x="-6201" y="-6350"/>
+            <a:ext cx="9175601" cy="238700"/>
+          </a:xfrm>
+          <a:prstGeom prst="rect">
+            <a:avLst/>
+          </a:prstGeom>
+          <a:solidFill>
+            <a:schemeClr val="accent3"/>
+          </a:solidFill>
+          <a:ln w="12700">
+            <a:miter lim="400000"/>
+          </a:ln>
+          <a:extLst>
+            <a:ext uri="{C572A759-6A51-4108-AA02-DFA0A04FC94B}">
+              <ma14:wrappingTextBoxFlag xmlns:ma14="http://schemas.microsoft.com/office/mac/drawingml/2011/main" xmlns="" val="1"/>
+            </a:ext>
+          </a:extLst>
+        </p:spPr>
+        <p:txBody>
+          <a:bodyPr lIns="45719" rIns="45719" anchor="ctr"/>
+          <a:lstStyle/>
+          <a:p>
+            <a:pPr defTabSz="457200">
+              <a:defRPr sz="500" b="1">
+                <a:latin typeface="Calibri"/>
+                <a:ea typeface="Calibri"/>
+                <a:cs typeface="Calibri"/>
+                <a:sym typeface="Calibri"/>
+              </a:defRPr>
+            </a:pPr>
+            <a:r>
+              <a:t>       Note: </a:t>
+            </a:r>
+            <a:r>
+              <a:rPr b="0"/>
+              <a:t>The data and information in this document is reflective of a hypothetical situation and client. This document is to be used for KPMG Virtual Internship purposes only. </a:t>
+            </a:r>
+          </a:p>
+        </p:txBody>
+      </p:sp>
+      <p:pic>
+        <p:nvPicPr>
+          <p:cNvPr id="11" name="Picture 10"/>
+          <p:cNvPicPr>
+            <a:picLocks noChangeAspect="1"/>
+          </p:cNvPicPr>
+          <p:nvPr/>
+        </p:nvPicPr>
+        <p:blipFill>
+          <a:blip r:embed="rId3" cstate="print">
+            <a:extLst>
+              <a:ext uri="{28A0092B-C50C-407E-A947-70E740481C1C}">
+                <a14:useLocalDpi xmlns:a14="http://schemas.microsoft.com/office/drawing/2010/main" val="0"/>
+              </a:ext>
+            </a:extLst>
+          </a:blip>
+          <a:stretch>
+            <a:fillRect/>
+          </a:stretch>
+        </p:blipFill>
+        <p:spPr>
+          <a:xfrm>
+            <a:off x="7700295" y="4142892"/>
+            <a:ext cx="1365328" cy="881743"/>
+          </a:xfrm>
+          <a:prstGeom prst="rect">
+            <a:avLst/>
+          </a:prstGeom>
+        </p:spPr>
+      </p:pic>
+    </p:spTree>
+  </p:cSld>
+  <p:clrMapOvr>
+    <a:masterClrMapping/>
+  </p:clrMapOvr>
+  <p:transition spd="med"/>
+</p:sld>
+</file>
+
+<file path=ppt/slides/slide5.xml><?xml version="1.0" encoding="utf-8"?>
+<p:sld xmlns:a="http://schemas.openxmlformats.org/drawingml/2006/main" xmlns:r="http://schemas.openxmlformats.org/officeDocument/2006/relationships" xmlns:p="http://schemas.openxmlformats.org/presentationml/2006/main">
+  <p:cSld>
+    <p:spTree>
+      <p:nvGrpSpPr>
+        <p:cNvPr id="1" name=""/>
+        <p:cNvGrpSpPr/>
+        <p:nvPr/>
+      </p:nvGrpSpPr>
+      <p:grpSpPr>
+        <a:xfrm>
+          <a:off x="0" y="0"/>
+          <a:ext cx="0" cy="0"/>
+          <a:chOff x="0" y="0"/>
+          <a:chExt cx="0" cy="0"/>
+        </a:xfrm>
+      </p:grpSpPr>
+      <p:sp>
+        <p:nvSpPr>
+          <p:cNvPr id="130" name="Shape 79"/>
+          <p:cNvSpPr/>
+          <p:nvPr/>
+        </p:nvSpPr>
+        <p:spPr>
+          <a:xfrm>
+            <a:off x="-15501" y="-19475"/>
+            <a:ext cx="9191402" cy="840000"/>
+          </a:xfrm>
+          <a:prstGeom prst="rect">
+            <a:avLst/>
+          </a:prstGeom>
+          <a:gradFill>
+            <a:gsLst>
+              <a:gs pos="0">
+                <a:srgbClr val="1077D2"/>
+              </a:gs>
+              <a:gs pos="100000">
+                <a:srgbClr val="093153"/>
+              </a:gs>
+            </a:gsLst>
+            <a:lin ang="12000143"/>
+          </a:gradFill>
+          <a:ln w="12700">
+            <a:miter lim="400000"/>
+          </a:ln>
+        </p:spPr>
+        <p:txBody>
+          <a:bodyPr lIns="45719" rIns="45719" anchor="ctr"/>
+          <a:lstStyle/>
+          <a:p>
+            <a:endParaRPr/>
+          </a:p>
+        </p:txBody>
+      </p:sp>
+      <p:sp>
+        <p:nvSpPr>
+          <p:cNvPr id="131" name="Shape 80"/>
+          <p:cNvSpPr/>
+          <p:nvPr/>
+        </p:nvSpPr>
+        <p:spPr>
+          <a:xfrm>
+            <a:off x="205025" y="263974"/>
+            <a:ext cx="8565600" cy="466642"/>
+          </a:xfrm>
+          <a:prstGeom prst="rect">
+            <a:avLst/>
+          </a:prstGeom>
+          <a:ln w="12700">
+            <a:miter lim="400000"/>
+          </a:ln>
+          <a:extLst>
+            <a:ext uri="{C572A759-6A51-4108-AA02-DFA0A04FC94B}">
+              <ma14:wrappingTextBoxFlag xmlns:ma14="http://schemas.microsoft.com/office/mac/drawingml/2011/main" xmlns="" val="1"/>
+            </a:ext>
+          </a:extLst>
+        </p:spPr>
+        <p:txBody>
+          <a:bodyPr lIns="91424" tIns="91424" rIns="91424" bIns="91424">
+            <a:spAutoFit/>
+          </a:bodyPr>
+          <a:lstStyle>
+            <a:lvl1pPr>
+              <a:defRPr sz="2000" b="1">
+                <a:solidFill>
+                  <a:srgbClr val="FFFFFF"/>
+                </a:solidFill>
+              </a:defRPr>
+            </a:lvl1pPr>
+          </a:lstStyle>
+          <a:p>
+            <a:r>
+              <a:rPr dirty="0"/>
+              <a:t>Data Exploration</a:t>
+            </a:r>
+          </a:p>
+        </p:txBody>
+      </p:sp>
+      <p:sp>
+        <p:nvSpPr>
+          <p:cNvPr id="132" name="Shape 81"/>
+          <p:cNvSpPr/>
+          <p:nvPr/>
+        </p:nvSpPr>
+        <p:spPr>
+          <a:xfrm>
+            <a:off x="205025" y="1068043"/>
+            <a:ext cx="8565600" cy="508505"/>
+          </a:xfrm>
+          <a:prstGeom prst="rect">
+            <a:avLst/>
+          </a:prstGeom>
+          <a:ln w="12700">
+            <a:miter lim="400000"/>
+          </a:ln>
+          <a:extLst>
+            <a:ext uri="{C572A759-6A51-4108-AA02-DFA0A04FC94B}">
+              <ma14:wrappingTextBoxFlag xmlns:ma14="http://schemas.microsoft.com/office/mac/drawingml/2011/main" xmlns="" val="1"/>
+            </a:ext>
+          </a:extLst>
+        </p:spPr>
+        <p:txBody>
+          <a:bodyPr lIns="91424" tIns="91424" rIns="91424" bIns="91424">
+            <a:spAutoFit/>
+          </a:bodyPr>
+          <a:lstStyle>
+            <a:lvl1pPr>
+              <a:lnSpc>
+                <a:spcPct val="115000"/>
+              </a:lnSpc>
+              <a:defRPr sz="2000" b="1">
+                <a:latin typeface="Open Sans"/>
+                <a:ea typeface="Open Sans"/>
+                <a:cs typeface="Open Sans"/>
+                <a:sym typeface="Open Sans"/>
+              </a:defRPr>
+            </a:lvl1pPr>
+          </a:lstStyle>
+          <a:p>
+            <a:r>
+              <a:rPr lang="en-US" dirty="0" smtClean="0"/>
+              <a:t>Data Summary</a:t>
+            </a:r>
+            <a:endParaRPr dirty="0"/>
+          </a:p>
+        </p:txBody>
+      </p:sp>
+      <p:sp>
+        <p:nvSpPr>
+          <p:cNvPr id="133" name="Shape 82"/>
+          <p:cNvSpPr/>
+          <p:nvPr/>
+        </p:nvSpPr>
+        <p:spPr>
+          <a:xfrm>
+            <a:off x="205024" y="1824066"/>
+            <a:ext cx="8565601" cy="2308292"/>
+          </a:xfrm>
+          <a:prstGeom prst="rect">
+            <a:avLst/>
+          </a:prstGeom>
+          <a:ln w="12700">
+            <a:miter lim="400000"/>
+          </a:ln>
+          <a:extLst>
+            <a:ext uri="{C572A759-6A51-4108-AA02-DFA0A04FC94B}">
+              <ma14:wrappingTextBoxFlag xmlns:ma14="http://schemas.microsoft.com/office/mac/drawingml/2011/main" xmlns="" val="1"/>
+            </a:ext>
+          </a:extLst>
+        </p:spPr>
+        <p:txBody>
+          <a:bodyPr wrap="square" lIns="91424" tIns="91424" rIns="91424" bIns="91424">
+            <a:spAutoFit/>
+          </a:bodyPr>
+          <a:lstStyle>
+            <a:lvl1pPr>
+              <a:lnSpc>
+                <a:spcPct val="115000"/>
+              </a:lnSpc>
+              <a:defRPr sz="1500">
+                <a:latin typeface="Open Sans"/>
+                <a:ea typeface="Open Sans"/>
+                <a:cs typeface="Open Sans"/>
+                <a:sym typeface="Open Sans"/>
+              </a:defRPr>
+            </a:lvl1pPr>
+          </a:lstStyle>
+          <a:p>
+            <a:r>
+              <a:rPr lang="en-US" dirty="0" smtClean="0"/>
+              <a:t>There were 3 datasets provided. Transactions, customer addresses and customer demographic data.</a:t>
+            </a:r>
+          </a:p>
+          <a:p>
+            <a:r>
+              <a:rPr lang="en-US" dirty="0" smtClean="0"/>
+              <a:t>Issues encountered in the data include:</a:t>
+            </a:r>
+          </a:p>
+          <a:p>
+            <a:pPr marL="342900" indent="-342900">
+              <a:buFont typeface="+mj-lt"/>
+              <a:buAutoNum type="arabicPeriod"/>
+            </a:pPr>
+            <a:r>
+              <a:rPr lang="en-US" dirty="0" smtClean="0"/>
+              <a:t>Inconsistency of recorded values – Some fields such as gender and state had different values referring to the same detail. Having a dropdown list when selecting this feature in future would be a great solution. </a:t>
+            </a:r>
+          </a:p>
+          <a:p>
+            <a:pPr marL="342900" indent="-342900">
+              <a:buFont typeface="+mj-lt"/>
+              <a:buAutoNum type="arabicPeriod"/>
+            </a:pPr>
+            <a:r>
+              <a:rPr lang="en-US" dirty="0" smtClean="0"/>
+              <a:t>Missing records – Some fields such as brand, product line and class has up to 16% missing values. Placing emphasis on having complete records in future should mitigate this issue</a:t>
+            </a:r>
+            <a:endParaRPr dirty="0"/>
+          </a:p>
+        </p:txBody>
+      </p:sp>
+      <p:sp>
+        <p:nvSpPr>
+          <p:cNvPr id="137" name="Note: The data and information in this document is reflective of a hypothetical situation and client. This document is to be used for KPMG Virtual Internship purposes only."/>
+          <p:cNvSpPr/>
+          <p:nvPr/>
+        </p:nvSpPr>
+        <p:spPr>
+          <a:xfrm>
+            <a:off x="-6201" y="-6350"/>
+            <a:ext cx="9175601" cy="238700"/>
+          </a:xfrm>
+          <a:prstGeom prst="rect">
+            <a:avLst/>
+          </a:prstGeom>
+          <a:solidFill>
+            <a:schemeClr val="accent3"/>
+          </a:solidFill>
+          <a:ln w="12700">
+            <a:miter lim="400000"/>
+          </a:ln>
+          <a:extLst>
+            <a:ext uri="{C572A759-6A51-4108-AA02-DFA0A04FC94B}">
+              <ma14:wrappingTextBoxFlag xmlns:ma14="http://schemas.microsoft.com/office/mac/drawingml/2011/main" xmlns="" val="1"/>
+            </a:ext>
+          </a:extLst>
+        </p:spPr>
+        <p:txBody>
+          <a:bodyPr lIns="45719" rIns="45719" anchor="ctr"/>
+          <a:lstStyle/>
+          <a:p>
+            <a:pPr defTabSz="457200">
+              <a:defRPr sz="500" b="1">
+                <a:latin typeface="Calibri"/>
+                <a:ea typeface="Calibri"/>
+                <a:cs typeface="Calibri"/>
+                <a:sym typeface="Calibri"/>
+              </a:defRPr>
+            </a:pPr>
+            <a:r>
+              <a:t>       Note: </a:t>
+            </a:r>
+            <a:r>
+              <a:rPr b="0"/>
+              <a:t>The data and information in this document is reflective of a hypothetical situation and client. This document is to be used for KPMG Virtual Internship purposes only. </a:t>
+            </a:r>
+          </a:p>
+        </p:txBody>
+      </p:sp>
+      <p:pic>
+        <p:nvPicPr>
+          <p:cNvPr id="8" name="Picture 7"/>
+          <p:cNvPicPr>
+            <a:picLocks noChangeAspect="1"/>
+          </p:cNvPicPr>
+          <p:nvPr/>
+        </p:nvPicPr>
+        <p:blipFill>
+          <a:blip r:embed="rId3" cstate="print">
+            <a:extLst>
+              <a:ext uri="{28A0092B-C50C-407E-A947-70E740481C1C}">
+                <a14:useLocalDpi xmlns:a14="http://schemas.microsoft.com/office/drawing/2010/main" val="0"/>
+              </a:ext>
+            </a:extLst>
+          </a:blip>
+          <a:stretch>
+            <a:fillRect/>
+          </a:stretch>
+        </p:blipFill>
+        <p:spPr>
+          <a:xfrm>
+            <a:off x="7700295" y="4142892"/>
+            <a:ext cx="1365328" cy="881743"/>
+          </a:xfrm>
+          <a:prstGeom prst="rect">
+            <a:avLst/>
+          </a:prstGeom>
+        </p:spPr>
+      </p:pic>
+    </p:spTree>
+    <p:extLst>
+      <p:ext uri="{BB962C8B-B14F-4D97-AF65-F5344CB8AC3E}">
+        <p14:creationId xmlns:p14="http://schemas.microsoft.com/office/powerpoint/2010/main" val="2703797455"/>
+      </p:ext>
+    </p:extLst>
+  </p:cSld>
+  <p:clrMapOvr>
+    <a:masterClrMapping/>
+  </p:clrMapOvr>
+  <p:transition spd="med"/>
+</p:sld>
+</file>
+
+<file path=ppt/slides/slide6.xml><?xml version="1.0" encoding="utf-8"?>
+<p:sld xmlns:a="http://schemas.openxmlformats.org/drawingml/2006/main" xmlns:r="http://schemas.openxmlformats.org/officeDocument/2006/relationships" xmlns:p="http://schemas.openxmlformats.org/presentationml/2006/main">
+  <p:cSld>
+    <p:spTree>
+      <p:nvGrpSpPr>
+        <p:cNvPr id="1" name=""/>
+        <p:cNvGrpSpPr/>
+        <p:nvPr/>
+      </p:nvGrpSpPr>
+      <p:grpSpPr>
+        <a:xfrm>
+          <a:off x="0" y="0"/>
+          <a:ext cx="0" cy="0"/>
+          <a:chOff x="0" y="0"/>
+          <a:chExt cx="0" cy="0"/>
+        </a:xfrm>
+      </p:grpSpPr>
+      <p:sp>
+        <p:nvSpPr>
+          <p:cNvPr id="130" name="Shape 79"/>
+          <p:cNvSpPr/>
+          <p:nvPr/>
+        </p:nvSpPr>
+        <p:spPr>
+          <a:xfrm>
+            <a:off x="-15501" y="-19475"/>
+            <a:ext cx="9191402" cy="840000"/>
+          </a:xfrm>
+          <a:prstGeom prst="rect">
+            <a:avLst/>
+          </a:prstGeom>
+          <a:gradFill>
+            <a:gsLst>
+              <a:gs pos="0">
+                <a:srgbClr val="1077D2"/>
+              </a:gs>
+              <a:gs pos="100000">
+                <a:srgbClr val="093153"/>
+              </a:gs>
+            </a:gsLst>
+            <a:lin ang="12000143"/>
+          </a:gradFill>
+          <a:ln w="12700">
+            <a:miter lim="400000"/>
+          </a:ln>
+        </p:spPr>
+        <p:txBody>
+          <a:bodyPr lIns="45719" rIns="45719" anchor="ctr"/>
+          <a:lstStyle/>
+          <a:p>
+            <a:endParaRPr/>
+          </a:p>
+        </p:txBody>
+      </p:sp>
+      <p:sp>
+        <p:nvSpPr>
+          <p:cNvPr id="131" name="Shape 80"/>
+          <p:cNvSpPr/>
+          <p:nvPr/>
+        </p:nvSpPr>
+        <p:spPr>
+          <a:xfrm>
+            <a:off x="205025" y="263974"/>
+            <a:ext cx="8565600" cy="466642"/>
+          </a:xfrm>
+          <a:prstGeom prst="rect">
+            <a:avLst/>
+          </a:prstGeom>
+          <a:ln w="12700">
+            <a:miter lim="400000"/>
+          </a:ln>
+          <a:extLst>
+            <a:ext uri="{C572A759-6A51-4108-AA02-DFA0A04FC94B}">
+              <ma14:wrappingTextBoxFlag xmlns:ma14="http://schemas.microsoft.com/office/mac/drawingml/2011/main" xmlns="" val="1"/>
+            </a:ext>
+          </a:extLst>
+        </p:spPr>
+        <p:txBody>
+          <a:bodyPr lIns="91424" tIns="91424" rIns="91424" bIns="91424">
+            <a:spAutoFit/>
+          </a:bodyPr>
+          <a:lstStyle>
+            <a:lvl1pPr>
+              <a:defRPr sz="2000" b="1">
+                <a:solidFill>
+                  <a:srgbClr val="FFFFFF"/>
+                </a:solidFill>
+              </a:defRPr>
+            </a:lvl1pPr>
+          </a:lstStyle>
+          <a:p>
+            <a:r>
+              <a:rPr dirty="0"/>
+              <a:t>Data Exploration</a:t>
+            </a:r>
+          </a:p>
+        </p:txBody>
+      </p:sp>
+      <p:sp>
+        <p:nvSpPr>
+          <p:cNvPr id="132" name="Shape 81"/>
+          <p:cNvSpPr/>
+          <p:nvPr/>
+        </p:nvSpPr>
+        <p:spPr>
+          <a:xfrm>
+            <a:off x="205025" y="1068043"/>
+            <a:ext cx="8565600" cy="508505"/>
+          </a:xfrm>
+          <a:prstGeom prst="rect">
+            <a:avLst/>
+          </a:prstGeom>
+          <a:ln w="12700">
+            <a:miter lim="400000"/>
+          </a:ln>
+          <a:extLst>
+            <a:ext uri="{C572A759-6A51-4108-AA02-DFA0A04FC94B}">
+              <ma14:wrappingTextBoxFlag xmlns:ma14="http://schemas.microsoft.com/office/mac/drawingml/2011/main" xmlns="" val="1"/>
+            </a:ext>
+          </a:extLst>
+        </p:spPr>
+        <p:txBody>
+          <a:bodyPr lIns="91424" tIns="91424" rIns="91424" bIns="91424">
+            <a:spAutoFit/>
+          </a:bodyPr>
+          <a:lstStyle>
+            <a:lvl1pPr>
+              <a:lnSpc>
+                <a:spcPct val="115000"/>
+              </a:lnSpc>
+              <a:defRPr sz="2000" b="1">
+                <a:latin typeface="Open Sans"/>
+                <a:ea typeface="Open Sans"/>
+                <a:cs typeface="Open Sans"/>
+                <a:sym typeface="Open Sans"/>
+              </a:defRPr>
+            </a:lvl1pPr>
+          </a:lstStyle>
+          <a:p>
+            <a:r>
+              <a:rPr lang="en-US" dirty="0" smtClean="0"/>
+              <a:t>Data Analysis Findings</a:t>
+            </a:r>
+            <a:endParaRPr dirty="0"/>
+          </a:p>
+        </p:txBody>
+      </p:sp>
+      <p:sp>
+        <p:nvSpPr>
+          <p:cNvPr id="133" name="Shape 82"/>
+          <p:cNvSpPr/>
+          <p:nvPr/>
+        </p:nvSpPr>
+        <p:spPr>
+          <a:xfrm>
+            <a:off x="205024" y="1824066"/>
+            <a:ext cx="8565601" cy="427521"/>
+          </a:xfrm>
+          <a:prstGeom prst="rect">
+            <a:avLst/>
+          </a:prstGeom>
+          <a:ln w="12700">
+            <a:miter lim="400000"/>
+          </a:ln>
+          <a:extLst>
+            <a:ext uri="{C572A759-6A51-4108-AA02-DFA0A04FC94B}">
+              <ma14:wrappingTextBoxFlag xmlns:ma14="http://schemas.microsoft.com/office/mac/drawingml/2011/main" xmlns="" val="1"/>
+            </a:ext>
+          </a:extLst>
+        </p:spPr>
+        <p:txBody>
+          <a:bodyPr wrap="square" lIns="91424" tIns="91424" rIns="91424" bIns="91424">
+            <a:spAutoFit/>
+          </a:bodyPr>
+          <a:lstStyle>
+            <a:lvl1pPr>
+              <a:lnSpc>
+                <a:spcPct val="115000"/>
+              </a:lnSpc>
+              <a:defRPr sz="1500">
+                <a:latin typeface="Open Sans"/>
+                <a:ea typeface="Open Sans"/>
+                <a:cs typeface="Open Sans"/>
+                <a:sym typeface="Open Sans"/>
+              </a:defRPr>
+            </a:lvl1pPr>
+          </a:lstStyle>
+          <a:p>
+            <a:endParaRPr dirty="0"/>
+          </a:p>
+        </p:txBody>
+      </p:sp>
+      <p:sp>
+        <p:nvSpPr>
+          <p:cNvPr id="137" name="Note: The data and information in this document is reflective of a hypothetical situation and client. This document is to be used for KPMG Virtual Internship purposes only."/>
+          <p:cNvSpPr/>
+          <p:nvPr/>
+        </p:nvSpPr>
+        <p:spPr>
+          <a:xfrm>
+            <a:off x="-6201" y="-6350"/>
+            <a:ext cx="9175601" cy="238700"/>
+          </a:xfrm>
+          <a:prstGeom prst="rect">
+            <a:avLst/>
+          </a:prstGeom>
+          <a:solidFill>
+            <a:schemeClr val="accent3"/>
+          </a:solidFill>
+          <a:ln w="12700">
+            <a:miter lim="400000"/>
+          </a:ln>
+          <a:extLst>
+            <a:ext uri="{C572A759-6A51-4108-AA02-DFA0A04FC94B}">
+              <ma14:wrappingTextBoxFlag xmlns:ma14="http://schemas.microsoft.com/office/mac/drawingml/2011/main" xmlns="" val="1"/>
+            </a:ext>
+          </a:extLst>
+        </p:spPr>
+        <p:txBody>
+          <a:bodyPr lIns="45719" rIns="45719" anchor="ctr"/>
+          <a:lstStyle/>
+          <a:p>
+            <a:pPr defTabSz="457200">
+              <a:defRPr sz="500" b="1">
+                <a:latin typeface="Calibri"/>
+                <a:ea typeface="Calibri"/>
+                <a:cs typeface="Calibri"/>
+                <a:sym typeface="Calibri"/>
+              </a:defRPr>
+            </a:pPr>
+            <a:r>
+              <a:t>       Note: </a:t>
+            </a:r>
+            <a:r>
+              <a:rPr b="0"/>
+              <a:t>The data and information in this document is reflective of a hypothetical situation and client. This document is to be used for KPMG Virtual Internship purposes only. </a:t>
+            </a:r>
+          </a:p>
+        </p:txBody>
+      </p:sp>
+      <p:pic>
+        <p:nvPicPr>
+          <p:cNvPr id="8" name="Picture 7"/>
+          <p:cNvPicPr>
+            <a:picLocks noChangeAspect="1"/>
+          </p:cNvPicPr>
+          <p:nvPr/>
+        </p:nvPicPr>
+        <p:blipFill>
+          <a:blip r:embed="rId3" cstate="print">
+            <a:extLst>
+              <a:ext uri="{28A0092B-C50C-407E-A947-70E740481C1C}">
+                <a14:useLocalDpi xmlns:a14="http://schemas.microsoft.com/office/drawing/2010/main" val="0"/>
+              </a:ext>
+            </a:extLst>
+          </a:blip>
+          <a:stretch>
+            <a:fillRect/>
+          </a:stretch>
+        </p:blipFill>
+        <p:spPr>
+          <a:xfrm>
+            <a:off x="7700295" y="4142892"/>
+            <a:ext cx="1365328" cy="881743"/>
+          </a:xfrm>
+          <a:prstGeom prst="rect">
+            <a:avLst/>
+          </a:prstGeom>
+        </p:spPr>
+      </p:pic>
+    </p:spTree>
+    <p:extLst>
+      <p:ext uri="{BB962C8B-B14F-4D97-AF65-F5344CB8AC3E}">
+        <p14:creationId xmlns:p14="http://schemas.microsoft.com/office/powerpoint/2010/main" val="1595069209"/>
+      </p:ext>
+    </p:extLst>
+  </p:cSld>
+  <p:clrMapOvr>
+    <a:masterClrMapping/>
+  </p:clrMapOvr>
+  <p:transition spd="med"/>
+</p:sld>
+</file>
+
+<file path=ppt/slides/slide7.xml><?xml version="1.0" encoding="utf-8"?>
+<p:sld xmlns:a="http://schemas.openxmlformats.org/drawingml/2006/main" xmlns:r="http://schemas.openxmlformats.org/officeDocument/2006/relationships" xmlns:p="http://schemas.openxmlformats.org/presentationml/2006/main">
+  <p:cSld>
+    <p:spTree>
+      <p:nvGrpSpPr>
+        <p:cNvPr id="1" name=""/>
+        <p:cNvGrpSpPr/>
+        <p:nvPr/>
+      </p:nvGrpSpPr>
+      <p:grpSpPr>
+        <a:xfrm>
+          <a:off x="0" y="0"/>
+          <a:ext cx="0" cy="0"/>
+          <a:chOff x="0" y="0"/>
+          <a:chExt cx="0" cy="0"/>
+        </a:xfrm>
+      </p:grpSpPr>
+      <p:sp>
+        <p:nvSpPr>
+          <p:cNvPr id="139" name="Shape 88"/>
+          <p:cNvSpPr/>
+          <p:nvPr/>
+        </p:nvSpPr>
+        <p:spPr>
+          <a:xfrm>
+            <a:off x="-15501" y="-19475"/>
+            <a:ext cx="9191402" cy="840000"/>
+          </a:xfrm>
+          <a:prstGeom prst="rect">
+            <a:avLst/>
+          </a:prstGeom>
+          <a:gradFill>
+            <a:gsLst>
+              <a:gs pos="0">
+                <a:srgbClr val="1077D2"/>
+              </a:gs>
+              <a:gs pos="100000">
+                <a:srgbClr val="093153"/>
+              </a:gs>
+            </a:gsLst>
+            <a:lin ang="12000143"/>
+          </a:gradFill>
+          <a:ln w="12700">
+            <a:miter lim="400000"/>
+          </a:ln>
+        </p:spPr>
+        <p:txBody>
+          <a:bodyPr lIns="45719" rIns="45719" anchor="ctr"/>
+          <a:lstStyle/>
+          <a:p>
+            <a:endParaRPr/>
+          </a:p>
+        </p:txBody>
+      </p:sp>
+      <p:sp>
+        <p:nvSpPr>
+          <p:cNvPr id="140" name="Shape 89"/>
+          <p:cNvSpPr/>
+          <p:nvPr/>
+        </p:nvSpPr>
+        <p:spPr>
+          <a:xfrm>
+            <a:off x="205025" y="263974"/>
+            <a:ext cx="8565600" cy="466642"/>
+          </a:xfrm>
+          <a:prstGeom prst="rect">
+            <a:avLst/>
+          </a:prstGeom>
+          <a:ln w="12700">
+            <a:miter lim="400000"/>
+          </a:ln>
+          <a:extLst>
+            <a:ext uri="{C572A759-6A51-4108-AA02-DFA0A04FC94B}">
+              <ma14:wrappingTextBoxFlag xmlns:ma14="http://schemas.microsoft.com/office/mac/drawingml/2011/main" xmlns="" val="1"/>
+            </a:ext>
+          </a:extLst>
+        </p:spPr>
+        <p:txBody>
+          <a:bodyPr lIns="91424" tIns="91424" rIns="91424" bIns="91424">
+            <a:spAutoFit/>
+          </a:bodyPr>
+          <a:lstStyle>
+            <a:lvl1pPr>
+              <a:defRPr sz="2000" b="1">
+                <a:solidFill>
+                  <a:srgbClr val="FFFFFF"/>
+                </a:solidFill>
+              </a:defRPr>
+            </a:lvl1pPr>
+          </a:lstStyle>
+          <a:p>
+            <a:r>
+              <a:t>Model Development</a:t>
+            </a:r>
+          </a:p>
+        </p:txBody>
+      </p:sp>
+      <p:sp>
+        <p:nvSpPr>
+          <p:cNvPr id="141" name="Shape 90"/>
+          <p:cNvSpPr/>
+          <p:nvPr/>
+        </p:nvSpPr>
+        <p:spPr>
+          <a:xfrm>
+            <a:off x="205025" y="1083299"/>
+            <a:ext cx="8565600" cy="508505"/>
+          </a:xfrm>
+          <a:prstGeom prst="rect">
+            <a:avLst/>
+          </a:prstGeom>
+          <a:ln w="12700">
+            <a:miter lim="400000"/>
+          </a:ln>
+          <a:extLst>
+            <a:ext uri="{C572A759-6A51-4108-AA02-DFA0A04FC94B}">
+              <ma14:wrappingTextBoxFlag xmlns:ma14="http://schemas.microsoft.com/office/mac/drawingml/2011/main" xmlns="" val="1"/>
+            </a:ext>
+          </a:extLst>
+        </p:spPr>
+        <p:txBody>
+          <a:bodyPr lIns="91424" tIns="91424" rIns="91424" bIns="91424">
+            <a:spAutoFit/>
+          </a:bodyPr>
+          <a:lstStyle>
+            <a:lvl1pPr>
+              <a:lnSpc>
+                <a:spcPct val="115000"/>
+              </a:lnSpc>
+              <a:defRPr sz="2000" b="1">
+                <a:latin typeface="Open Sans"/>
+                <a:ea typeface="Open Sans"/>
+                <a:cs typeface="Open Sans"/>
+                <a:sym typeface="Open Sans"/>
+              </a:defRPr>
+            </a:lvl1pPr>
+          </a:lstStyle>
+          <a:p>
+            <a:r>
+              <a:rPr lang="en-US" dirty="0" smtClean="0"/>
+              <a:t>Pre-processing data</a:t>
+            </a:r>
+            <a:endParaRPr dirty="0"/>
+          </a:p>
+        </p:txBody>
+      </p:sp>
+      <mc:AlternateContent xmlns:mc="http://schemas.openxmlformats.org/markup-compatibility/2006">
+        <mc:Choice xmlns:a14="http://schemas.microsoft.com/office/drawing/2010/main" Requires="a14">
+          <p:sp>
+            <p:nvSpPr>
+              <p:cNvPr id="142" name="Shape 91"/>
+              <p:cNvSpPr/>
+              <p:nvPr/>
+            </p:nvSpPr>
+            <p:spPr>
+              <a:xfrm>
+                <a:off x="205025" y="1854578"/>
+                <a:ext cx="8565600" cy="2573749"/>
+              </a:xfrm>
+              <a:prstGeom prst="rect">
+                <a:avLst/>
+              </a:prstGeom>
+              <a:ln w="12700">
+                <a:miter lim="400000"/>
+              </a:ln>
+              <a:extLst>
+                <a:ext uri="{C572A759-6A51-4108-AA02-DFA0A04FC94B}">
+                  <ma14:wrappingTextBoxFlag xmlns:ma14="http://schemas.microsoft.com/office/mac/drawingml/2011/main" xmlns="" val="1"/>
+                </a:ext>
+              </a:extLst>
+            </p:spPr>
+            <p:txBody>
+              <a:bodyPr wrap="square" lIns="91424" tIns="91424" rIns="91424" bIns="91424">
+                <a:spAutoFit/>
+              </a:bodyPr>
+              <a:lstStyle>
+                <a:lvl1pPr>
+                  <a:lnSpc>
+                    <a:spcPct val="115000"/>
+                  </a:lnSpc>
+                  <a:defRPr sz="1500">
+                    <a:latin typeface="Open Sans"/>
+                    <a:ea typeface="Open Sans"/>
+                    <a:cs typeface="Open Sans"/>
+                    <a:sym typeface="Open Sans"/>
+                  </a:defRPr>
+                </a:lvl1pPr>
+              </a:lstStyle>
+              <a:p>
+                <a:r>
+                  <a:rPr lang="en-US" dirty="0" smtClean="0"/>
+                  <a:t>In preparation for modelling, we performed feature engineering:</a:t>
+                </a:r>
+              </a:p>
+              <a:p>
+                <a:pPr marL="342900" indent="-342900">
+                  <a:buFont typeface="+mj-lt"/>
+                  <a:buAutoNum type="arabicPeriod"/>
+                </a:pPr>
+                <a:r>
+                  <a:rPr lang="en-US" dirty="0" smtClean="0"/>
+                  <a:t>Age – Age of the customers</a:t>
+                </a:r>
+              </a:p>
+              <a:p>
+                <a:pPr marL="342900" indent="-342900">
+                  <a:buFont typeface="+mj-lt"/>
+                  <a:buAutoNum type="arabicPeriod"/>
+                </a:pPr>
+                <a:r>
+                  <a:rPr lang="en-US" dirty="0" smtClean="0"/>
+                  <a:t>Product ID – A replacement for the previous IDs.</a:t>
+                </a:r>
+              </a:p>
+              <a:p>
+                <a:pPr marL="342900" indent="-342900">
+                  <a:buFont typeface="+mj-lt"/>
+                  <a:buAutoNum type="arabicPeriod"/>
+                </a:pPr>
+                <a:r>
+                  <a:rPr lang="en-US" dirty="0" smtClean="0"/>
+                  <a:t>Profit – Obtained from subtracting standard cost from list price</a:t>
+                </a:r>
+              </a:p>
+              <a:p>
+                <a:pPr marL="342900" indent="-342900">
+                  <a:buFont typeface="+mj-lt"/>
+                  <a:buAutoNum type="arabicPeriod"/>
+                </a:pPr>
+                <a:r>
+                  <a:rPr lang="en-US" dirty="0" smtClean="0"/>
+                  <a:t>Product profitability – A categorical field obtained from binning the product percentage profit.</a:t>
+                </a:r>
+              </a:p>
+              <a:p>
+                <a:pPr marL="342900" indent="-342900">
+                  <a:buFont typeface="+mj-lt"/>
+                  <a:buAutoNum type="arabicPeriod"/>
+                </a:pPr>
+                <a:r>
+                  <a:rPr lang="en-US" dirty="0" smtClean="0"/>
+                  <a:t>Marketability – A categorical field, also the target field. Binned values obtained from the distribution of </a:t>
+                </a:r>
+                <a14:m>
+                  <m:oMath xmlns:m="http://schemas.openxmlformats.org/officeDocument/2006/math">
+                    <m:r>
+                      <a:rPr lang="en-US" i="1" dirty="0" smtClean="0">
+                        <a:latin typeface="Cambria Math" panose="02040503050406030204" pitchFamily="18" charset="0"/>
+                      </a:rPr>
+                      <m:t>0.75(</m:t>
+                    </m:r>
+                    <m:r>
+                      <a:rPr lang="en-US" i="1" dirty="0" smtClean="0">
+                        <a:latin typeface="Cambria Math" panose="02040503050406030204" pitchFamily="18" charset="0"/>
+                      </a:rPr>
+                      <m:t>𝑡𝑜𝑡𝑎𝑙</m:t>
+                    </m:r>
+                    <m:r>
+                      <a:rPr lang="en-US" i="1" dirty="0" smtClean="0">
+                        <a:latin typeface="Cambria Math" panose="02040503050406030204" pitchFamily="18" charset="0"/>
+                      </a:rPr>
+                      <m:t> </m:t>
+                    </m:r>
+                    <m:r>
+                      <a:rPr lang="en-US" i="1" dirty="0" smtClean="0">
+                        <a:latin typeface="Cambria Math" panose="02040503050406030204" pitchFamily="18" charset="0"/>
+                      </a:rPr>
+                      <m:t>𝑝𝑟𝑜𝑓𝑖𝑡</m:t>
+                    </m:r>
+                    <m:r>
+                      <a:rPr lang="en-US" i="1" dirty="0" smtClean="0">
+                        <a:latin typeface="Cambria Math" panose="02040503050406030204" pitchFamily="18" charset="0"/>
+                      </a:rPr>
+                      <m:t>) ∗ 0.25(</m:t>
+                    </m:r>
+                    <m:r>
+                      <a:rPr lang="en-US" i="1" dirty="0" smtClean="0">
+                        <a:latin typeface="Cambria Math" panose="02040503050406030204" pitchFamily="18" charset="0"/>
+                      </a:rPr>
+                      <m:t>𝑝𝑎𝑠𝑡</m:t>
+                    </m:r>
+                    <m:r>
+                      <a:rPr lang="en-US" i="1" dirty="0" smtClean="0">
+                        <a:latin typeface="Cambria Math" panose="02040503050406030204" pitchFamily="18" charset="0"/>
+                      </a:rPr>
+                      <m:t> </m:t>
+                    </m:r>
+                    <m:r>
+                      <a:rPr lang="en-US" i="1" dirty="0" smtClean="0">
+                        <a:latin typeface="Cambria Math" panose="02040503050406030204" pitchFamily="18" charset="0"/>
+                      </a:rPr>
+                      <m:t>𝑝𝑢𝑟𝑐h𝑎𝑠𝑒𝑠</m:t>
+                    </m:r>
+                    <m:r>
+                      <a:rPr lang="en-US" i="1" dirty="0" smtClean="0">
+                        <a:latin typeface="Cambria Math" panose="02040503050406030204" pitchFamily="18" charset="0"/>
+                      </a:rPr>
+                      <m:t>)</m:t>
+                    </m:r>
+                  </m:oMath>
+                </a14:m>
+                <a:r>
+                  <a:rPr lang="en-US" dirty="0" smtClean="0"/>
+                  <a:t> per customer.</a:t>
+                </a:r>
+              </a:p>
+              <a:p>
+                <a:pPr marL="342900" indent="-342900">
+                  <a:buFont typeface="+mj-lt"/>
+                  <a:buAutoNum type="arabicPeriod"/>
+                </a:pPr>
+                <a:endParaRPr lang="en-US" dirty="0" smtClean="0"/>
+              </a:p>
+              <a:p>
+                <a:pPr marL="342900" indent="-342900">
+                  <a:buFont typeface="+mj-lt"/>
+                  <a:buAutoNum type="arabicPeriod"/>
+                </a:pPr>
+                <a:endParaRPr lang="en-US" dirty="0" smtClean="0"/>
+              </a:p>
+            </p:txBody>
+          </p:sp>
+        </mc:Choice>
+        <mc:Fallback>
+          <p:sp>
+            <p:nvSpPr>
+              <p:cNvPr id="142" name="Shape 91"/>
+              <p:cNvSpPr>
+                <a:spLocks noRot="1" noChangeAspect="1" noMove="1" noResize="1" noEditPoints="1" noAdjustHandles="1" noChangeArrowheads="1" noChangeShapeType="1" noTextEdit="1"/>
+              </p:cNvSpPr>
+              <p:nvPr/>
+            </p:nvSpPr>
+            <p:spPr>
+              <a:xfrm>
+                <a:off x="205025" y="1854578"/>
+                <a:ext cx="8565600" cy="2573749"/>
+              </a:xfrm>
+              <a:prstGeom prst="rect">
+                <a:avLst/>
+              </a:prstGeom>
+              <a:blipFill>
+                <a:blip r:embed="rId2"/>
+                <a:stretch>
+                  <a:fillRect l="-285"/>
+                </a:stretch>
+              </a:blipFill>
+              <a:ln w="12700">
+                <a:miter lim="400000"/>
+              </a:ln>
+              <a:extLst>
+                <a:ext uri="{C572A759-6A51-4108-AA02-DFA0A04FC94B}">
+                  <ma14:wrappingTextBoxFlag xmlns:ma14="http://schemas.microsoft.com/office/mac/drawingml/2011/main" xmlns="" val="1"/>
+                </a:ext>
+              </a:extLst>
+            </p:spPr>
+            <p:txBody>
+              <a:bodyPr/>
+              <a:lstStyle/>
+              <a:p>
+                <a:r>
+                  <a:rPr lang="en-US">
+                    <a:noFill/>
+                  </a:rPr>
+                  <a:t> </a:t>
+                </a:r>
+              </a:p>
+            </p:txBody>
+          </p:sp>
+        </mc:Fallback>
+      </mc:AlternateContent>
+      <p:sp>
+        <p:nvSpPr>
+          <p:cNvPr id="146" name="Note: The data and information in this document is reflective of a hypothetical situation and client. This document is to be used for KPMG Virtual Internship purposes only."/>
+          <p:cNvSpPr/>
+          <p:nvPr/>
+        </p:nvSpPr>
+        <p:spPr>
+          <a:xfrm>
+            <a:off x="-6201" y="-6350"/>
+            <a:ext cx="9175601" cy="238700"/>
+          </a:xfrm>
+          <a:prstGeom prst="rect">
+            <a:avLst/>
+          </a:prstGeom>
+          <a:solidFill>
+            <a:schemeClr val="accent3"/>
+          </a:solidFill>
+          <a:ln w="12700">
+            <a:miter lim="400000"/>
+          </a:ln>
+          <a:extLst>
+            <a:ext uri="{C572A759-6A51-4108-AA02-DFA0A04FC94B}">
+              <ma14:wrappingTextBoxFlag xmlns:ma14="http://schemas.microsoft.com/office/mac/drawingml/2011/main" xmlns="" val="1"/>
+            </a:ext>
+          </a:extLst>
+        </p:spPr>
+        <p:txBody>
+          <a:bodyPr lIns="45719" rIns="45719" anchor="ctr"/>
+          <a:lstStyle/>
+          <a:p>
+            <a:pPr defTabSz="457200">
+              <a:defRPr sz="500" b="1">
+                <a:latin typeface="Calibri"/>
+                <a:ea typeface="Calibri"/>
+                <a:cs typeface="Calibri"/>
+                <a:sym typeface="Calibri"/>
+              </a:defRPr>
+            </a:pPr>
+            <a:r>
+              <a:t>       Note: </a:t>
+            </a:r>
+            <a:r>
+              <a:rPr b="0"/>
+              <a:t>The data and information in this document is reflective of a hypothetical situation and client. This document is to be used for KPMG Virtual Internship purposes only. </a:t>
+            </a:r>
+          </a:p>
+        </p:txBody>
+      </p:sp>
+      <p:pic>
+        <p:nvPicPr>
+          <p:cNvPr id="11" name="Picture 10"/>
+          <p:cNvPicPr>
+            <a:picLocks noChangeAspect="1"/>
+          </p:cNvPicPr>
+          <p:nvPr/>
+        </p:nvPicPr>
+        <p:blipFill>
+          <a:blip r:embed="rId3" cstate="print">
+            <a:extLst>
+              <a:ext uri="{28A0092B-C50C-407E-A947-70E740481C1C}">
+                <a14:useLocalDpi xmlns:a14="http://schemas.microsoft.com/office/drawing/2010/main" val="0"/>
+              </a:ext>
+            </a:extLst>
+          </a:blip>
+          <a:stretch>
+            <a:fillRect/>
+          </a:stretch>
+        </p:blipFill>
+        <p:spPr>
+          <a:xfrm>
+            <a:off x="7700295" y="4142892"/>
+            <a:ext cx="1365328" cy="881743"/>
+          </a:xfrm>
+          <a:prstGeom prst="rect">
+            <a:avLst/>
+          </a:prstGeom>
+        </p:spPr>
+      </p:pic>
+    </p:spTree>
+  </p:cSld>
+  <p:clrMapOvr>
+    <a:masterClrMapping/>
+  </p:clrMapOvr>
+  <p:transition spd="med"/>
+</p:sld>
+</file>
+
+<file path=ppt/slides/slide8.xml><?xml version="1.0" encoding="utf-8"?>
+<p:sld xmlns:a="http://schemas.openxmlformats.org/drawingml/2006/main" xmlns:r="http://schemas.openxmlformats.org/officeDocument/2006/relationships" xmlns:p="http://schemas.openxmlformats.org/presentationml/2006/main">
+  <p:cSld>
+    <p:spTree>
+      <p:nvGrpSpPr>
+        <p:cNvPr id="1" name=""/>
+        <p:cNvGrpSpPr/>
+        <p:nvPr/>
+      </p:nvGrpSpPr>
+      <p:grpSpPr>
+        <a:xfrm>
+          <a:off x="0" y="0"/>
+          <a:ext cx="0" cy="0"/>
+          <a:chOff x="0" y="0"/>
+          <a:chExt cx="0" cy="0"/>
+        </a:xfrm>
+      </p:grpSpPr>
+      <p:sp>
+        <p:nvSpPr>
+          <p:cNvPr id="139" name="Shape 88"/>
+          <p:cNvSpPr/>
+          <p:nvPr/>
+        </p:nvSpPr>
+        <p:spPr>
+          <a:xfrm>
+            <a:off x="-15501" y="-19475"/>
+            <a:ext cx="9191402" cy="840000"/>
+          </a:xfrm>
+          <a:prstGeom prst="rect">
+            <a:avLst/>
+          </a:prstGeom>
+          <a:gradFill>
+            <a:gsLst>
+              <a:gs pos="0">
+                <a:srgbClr val="1077D2"/>
+              </a:gs>
+              <a:gs pos="100000">
+                <a:srgbClr val="093153"/>
+              </a:gs>
+            </a:gsLst>
+            <a:lin ang="12000143"/>
+          </a:gradFill>
+          <a:ln w="12700">
+            <a:miter lim="400000"/>
+          </a:ln>
+        </p:spPr>
+        <p:txBody>
+          <a:bodyPr lIns="45719" rIns="45719" anchor="ctr"/>
+          <a:lstStyle/>
+          <a:p>
+            <a:endParaRPr/>
+          </a:p>
+        </p:txBody>
+      </p:sp>
+      <p:sp>
+        <p:nvSpPr>
+          <p:cNvPr id="140" name="Shape 89"/>
+          <p:cNvSpPr/>
+          <p:nvPr/>
+        </p:nvSpPr>
+        <p:spPr>
+          <a:xfrm>
+            <a:off x="205025" y="263974"/>
+            <a:ext cx="8565600" cy="466642"/>
+          </a:xfrm>
+          <a:prstGeom prst="rect">
+            <a:avLst/>
+          </a:prstGeom>
+          <a:ln w="12700">
+            <a:miter lim="400000"/>
+          </a:ln>
+          <a:extLst>
+            <a:ext uri="{C572A759-6A51-4108-AA02-DFA0A04FC94B}">
+              <ma14:wrappingTextBoxFlag xmlns:ma14="http://schemas.microsoft.com/office/mac/drawingml/2011/main" xmlns="" val="1"/>
+            </a:ext>
+          </a:extLst>
+        </p:spPr>
+        <p:txBody>
+          <a:bodyPr lIns="91424" tIns="91424" rIns="91424" bIns="91424">
+            <a:spAutoFit/>
+          </a:bodyPr>
+          <a:lstStyle>
+            <a:lvl1pPr>
+              <a:defRPr sz="2000" b="1">
+                <a:solidFill>
+                  <a:srgbClr val="FFFFFF"/>
+                </a:solidFill>
+              </a:defRPr>
+            </a:lvl1pPr>
+          </a:lstStyle>
+          <a:p>
+            <a:r>
+              <a:t>Model Development</a:t>
+            </a:r>
+          </a:p>
+        </p:txBody>
+      </p:sp>
+      <p:sp>
+        <p:nvSpPr>
+          <p:cNvPr id="141" name="Shape 90"/>
+          <p:cNvSpPr/>
+          <p:nvPr/>
+        </p:nvSpPr>
+        <p:spPr>
+          <a:xfrm>
+            <a:off x="205025" y="1083299"/>
+            <a:ext cx="8565600" cy="508505"/>
+          </a:xfrm>
+          <a:prstGeom prst="rect">
+            <a:avLst/>
+          </a:prstGeom>
+          <a:ln w="12700">
+            <a:miter lim="400000"/>
+          </a:ln>
+          <a:extLst>
+            <a:ext uri="{C572A759-6A51-4108-AA02-DFA0A04FC94B}">
+              <ma14:wrappingTextBoxFlag xmlns:ma14="http://schemas.microsoft.com/office/mac/drawingml/2011/main" xmlns="" val="1"/>
+            </a:ext>
+          </a:extLst>
+        </p:spPr>
+        <p:txBody>
+          <a:bodyPr lIns="91424" tIns="91424" rIns="91424" bIns="91424">
+            <a:spAutoFit/>
+          </a:bodyPr>
+          <a:lstStyle>
+            <a:lvl1pPr>
+              <a:lnSpc>
+                <a:spcPct val="115000"/>
+              </a:lnSpc>
+              <a:defRPr sz="2000" b="1">
+                <a:latin typeface="Open Sans"/>
+                <a:ea typeface="Open Sans"/>
+                <a:cs typeface="Open Sans"/>
+                <a:sym typeface="Open Sans"/>
+              </a:defRPr>
+            </a:lvl1pPr>
+          </a:lstStyle>
+          <a:p>
+            <a:r>
+              <a:rPr lang="en-US" dirty="0" smtClean="0"/>
+              <a:t>Feature and Model selection</a:t>
+            </a:r>
+            <a:endParaRPr dirty="0"/>
+          </a:p>
+        </p:txBody>
+      </p:sp>
+      <p:sp>
+        <p:nvSpPr>
+          <p:cNvPr id="142" name="Shape 91"/>
+          <p:cNvSpPr/>
+          <p:nvPr/>
+        </p:nvSpPr>
+        <p:spPr>
+          <a:xfrm>
+            <a:off x="205025" y="1854578"/>
+            <a:ext cx="8565600" cy="1246463"/>
+          </a:xfrm>
+          <a:prstGeom prst="rect">
+            <a:avLst/>
+          </a:prstGeom>
+          <a:ln w="12700">
+            <a:miter lim="400000"/>
+          </a:ln>
+          <a:extLst>
+            <a:ext uri="{C572A759-6A51-4108-AA02-DFA0A04FC94B}">
+              <ma14:wrappingTextBoxFlag xmlns:ma14="http://schemas.microsoft.com/office/mac/drawingml/2011/main" xmlns="" val="1"/>
+            </a:ext>
+          </a:extLst>
+        </p:spPr>
+        <p:txBody>
+          <a:bodyPr wrap="square" lIns="91424" tIns="91424" rIns="91424" bIns="91424">
+            <a:spAutoFit/>
+          </a:bodyPr>
+          <a:lstStyle>
+            <a:lvl1pPr>
+              <a:lnSpc>
+                <a:spcPct val="115000"/>
+              </a:lnSpc>
+              <a:defRPr sz="1500">
+                <a:latin typeface="Open Sans"/>
+                <a:ea typeface="Open Sans"/>
+                <a:cs typeface="Open Sans"/>
+                <a:sym typeface="Open Sans"/>
+              </a:defRPr>
+            </a:lvl1pPr>
+          </a:lstStyle>
+          <a:p>
+            <a:r>
+              <a:rPr lang="en-US" dirty="0" smtClean="0"/>
+              <a:t>After **selection of necessary features** for the model, the categorical features were one-hot encoded while the numerical ones were normalized and standardized. </a:t>
+            </a:r>
+            <a:endParaRPr lang="en-US" dirty="0"/>
+          </a:p>
+          <a:p>
+            <a:r>
+              <a:rPr lang="en-US" dirty="0" smtClean="0"/>
+              <a:t>The final model was a **CLASSIFICATION MODEL** with **a/an accuracy/roc/AIC/</a:t>
+            </a:r>
+            <a:r>
+              <a:rPr lang="en-US" dirty="0" err="1" smtClean="0"/>
+              <a:t>logloss</a:t>
+            </a:r>
+            <a:r>
+              <a:rPr lang="en-US" dirty="0" smtClean="0"/>
+              <a:t>/f1 (METRIC MEASURE)** score of **METRIC VALUE**. </a:t>
+            </a:r>
+          </a:p>
+        </p:txBody>
+      </p:sp>
+      <p:sp>
+        <p:nvSpPr>
+          <p:cNvPr id="146" name="Note: The data and information in this document is reflective of a hypothetical situation and client. This document is to be used for KPMG Virtual Internship purposes only."/>
+          <p:cNvSpPr/>
+          <p:nvPr/>
+        </p:nvSpPr>
+        <p:spPr>
+          <a:xfrm>
+            <a:off x="-6201" y="-6350"/>
+            <a:ext cx="9175601" cy="238700"/>
+          </a:xfrm>
+          <a:prstGeom prst="rect">
+            <a:avLst/>
+          </a:prstGeom>
+          <a:solidFill>
+            <a:schemeClr val="accent3"/>
+          </a:solidFill>
+          <a:ln w="12700">
+            <a:miter lim="400000"/>
+          </a:ln>
+          <a:extLst>
+            <a:ext uri="{C572A759-6A51-4108-AA02-DFA0A04FC94B}">
+              <ma14:wrappingTextBoxFlag xmlns:ma14="http://schemas.microsoft.com/office/mac/drawingml/2011/main" xmlns="" val="1"/>
+            </a:ext>
+          </a:extLst>
+        </p:spPr>
+        <p:txBody>
+          <a:bodyPr lIns="45719" rIns="45719" anchor="ctr"/>
+          <a:lstStyle/>
+          <a:p>
+            <a:pPr defTabSz="457200">
+              <a:defRPr sz="500" b="1">
+                <a:latin typeface="Calibri"/>
+                <a:ea typeface="Calibri"/>
+                <a:cs typeface="Calibri"/>
+                <a:sym typeface="Calibri"/>
+              </a:defRPr>
+            </a:pPr>
+            <a:r>
+              <a:t>       Note: </a:t>
+            </a:r>
+            <a:r>
+              <a:rPr b="0"/>
+              <a:t>The data and information in this document is reflective of a hypothetical situation and client. This document is to be used for KPMG Virtual Internship purposes only. </a:t>
+            </a:r>
+          </a:p>
+        </p:txBody>
+      </p:sp>
+      <p:pic>
+        <p:nvPicPr>
+          <p:cNvPr id="8" name="Picture 7"/>
+          <p:cNvPicPr>
+            <a:picLocks noChangeAspect="1"/>
+          </p:cNvPicPr>
+          <p:nvPr/>
+        </p:nvPicPr>
+        <p:blipFill>
+          <a:blip r:embed="rId2" cstate="print">
+            <a:extLst>
+              <a:ext uri="{28A0092B-C50C-407E-A947-70E740481C1C}">
+                <a14:useLocalDpi xmlns:a14="http://schemas.microsoft.com/office/drawing/2010/main" val="0"/>
+              </a:ext>
+            </a:extLst>
+          </a:blip>
+          <a:stretch>
+            <a:fillRect/>
+          </a:stretch>
+        </p:blipFill>
+        <p:spPr>
+          <a:xfrm>
+            <a:off x="7700295" y="4142892"/>
+            <a:ext cx="1365328" cy="881743"/>
+          </a:xfrm>
+          <a:prstGeom prst="rect">
+            <a:avLst/>
+          </a:prstGeom>
+        </p:spPr>
+      </p:pic>
+    </p:spTree>
+    <p:extLst>
+      <p:ext uri="{BB962C8B-B14F-4D97-AF65-F5344CB8AC3E}">
+        <p14:creationId xmlns:p14="http://schemas.microsoft.com/office/powerpoint/2010/main" val="1387180225"/>
+      </p:ext>
+    </p:extLst>
+  </p:cSld>
+  <p:clrMapOvr>
+    <a:masterClrMapping/>
+  </p:clrMapOvr>
+  <p:transition spd="med"/>
+</p:sld>
+</file>
+
+<file path=ppt/slides/slide9.xml><?xml version="1.0" encoding="utf-8"?>
+<p:sld xmlns:a="http://schemas.openxmlformats.org/drawingml/2006/main" xmlns:r="http://schemas.openxmlformats.org/officeDocument/2006/relationships" xmlns:p="http://schemas.openxmlformats.org/presentationml/2006/main">
+  <p:cSld>
+    <p:spTree>
+      <p:nvGrpSpPr>
+        <p:cNvPr id="1" name=""/>
+        <p:cNvGrpSpPr/>
+        <p:nvPr/>
+      </p:nvGrpSpPr>
+      <p:grpSpPr>
+        <a:xfrm>
+          <a:off x="0" y="0"/>
+          <a:ext cx="0" cy="0"/>
+          <a:chOff x="0" y="0"/>
+          <a:chExt cx="0" cy="0"/>
+        </a:xfrm>
+      </p:grpSpPr>
+      <p:sp>
+        <p:nvSpPr>
+          <p:cNvPr id="148" name="Shape 97"/>
+          <p:cNvSpPr/>
+          <p:nvPr/>
+        </p:nvSpPr>
+        <p:spPr>
+          <a:xfrm>
+            <a:off x="-15501" y="-19475"/>
+            <a:ext cx="9191402" cy="840000"/>
+          </a:xfrm>
+          <a:prstGeom prst="rect">
+            <a:avLst/>
+          </a:prstGeom>
+          <a:gradFill>
+            <a:gsLst>
+              <a:gs pos="0">
+                <a:srgbClr val="1077D2"/>
+              </a:gs>
+              <a:gs pos="100000">
+                <a:srgbClr val="093153"/>
+              </a:gs>
+            </a:gsLst>
+            <a:lin ang="12000143"/>
+          </a:gradFill>
+          <a:ln w="12700">
+            <a:miter lim="400000"/>
+          </a:ln>
+        </p:spPr>
+        <p:txBody>
+          <a:bodyPr lIns="45719" rIns="45719" anchor="ctr"/>
+          <a:lstStyle/>
+          <a:p>
+            <a:endParaRPr/>
+          </a:p>
+        </p:txBody>
+      </p:sp>
+      <p:sp>
+        <p:nvSpPr>
+          <p:cNvPr id="149" name="Shape 98"/>
+          <p:cNvSpPr/>
+          <p:nvPr/>
+        </p:nvSpPr>
+        <p:spPr>
+          <a:xfrm>
+            <a:off x="205025" y="263974"/>
+            <a:ext cx="8565600" cy="758742"/>
+          </a:xfrm>
+          <a:prstGeom prst="rect">
+            <a:avLst/>
+          </a:prstGeom>
+          <a:ln w="12700">
+            <a:miter lim="400000"/>
+          </a:ln>
+          <a:extLst>
+            <a:ext uri="{C572A759-6A51-4108-AA02-DFA0A04FC94B}">
+              <ma14:wrappingTextBoxFlag xmlns:ma14="http://schemas.microsoft.com/office/mac/drawingml/2011/main" xmlns="" val="1"/>
+            </a:ext>
+          </a:extLst>
+        </p:spPr>
+        <p:txBody>
+          <a:bodyPr lIns="91424" tIns="91424" rIns="91424" bIns="91424">
+            <a:spAutoFit/>
+          </a:bodyPr>
+          <a:lstStyle>
+            <a:lvl1pPr>
+              <a:defRPr sz="2000" b="1">
+                <a:solidFill>
+                  <a:srgbClr val="FFFFFF"/>
+                </a:solidFill>
+              </a:defRPr>
+            </a:lvl1pPr>
+          </a:lstStyle>
+          <a:p>
+            <a:r>
+              <a:t>Interpretation</a:t>
+            </a:r>
+          </a:p>
+        </p:txBody>
+      </p:sp>
+      <p:sp>
+        <p:nvSpPr>
+          <p:cNvPr id="150" name="Shape 99"/>
+          <p:cNvSpPr/>
+          <p:nvPr/>
+        </p:nvSpPr>
+        <p:spPr>
+          <a:xfrm>
+            <a:off x="205025" y="1083299"/>
+            <a:ext cx="8565600" cy="508505"/>
+          </a:xfrm>
+          <a:prstGeom prst="rect">
+            <a:avLst/>
+          </a:prstGeom>
+          <a:ln w="12700">
+            <a:miter lim="400000"/>
+          </a:ln>
+          <a:extLst>
+            <a:ext uri="{C572A759-6A51-4108-AA02-DFA0A04FC94B}">
+              <ma14:wrappingTextBoxFlag xmlns:ma14="http://schemas.microsoft.com/office/mac/drawingml/2011/main" xmlns="" val="1"/>
+            </a:ext>
+          </a:extLst>
+        </p:spPr>
+        <p:txBody>
+          <a:bodyPr lIns="91424" tIns="91424" rIns="91424" bIns="91424">
+            <a:spAutoFit/>
+          </a:bodyPr>
+          <a:lstStyle>
+            <a:lvl1pPr>
+              <a:lnSpc>
+                <a:spcPct val="115000"/>
+              </a:lnSpc>
+              <a:defRPr sz="2000" b="1">
+                <a:latin typeface="Open Sans"/>
+                <a:ea typeface="Open Sans"/>
+                <a:cs typeface="Open Sans"/>
+                <a:sym typeface="Open Sans"/>
+              </a:defRPr>
+            </a:lvl1pPr>
+          </a:lstStyle>
+          <a:p>
+            <a:r>
+              <a:rPr lang="en-US" dirty="0" smtClean="0"/>
+              <a:t>Conclusions</a:t>
+            </a:r>
+            <a:endParaRPr dirty="0"/>
+          </a:p>
+        </p:txBody>
+      </p:sp>
+      <p:sp>
+        <p:nvSpPr>
+          <p:cNvPr id="151" name="Shape 100"/>
+          <p:cNvSpPr/>
+          <p:nvPr/>
+        </p:nvSpPr>
+        <p:spPr>
+          <a:xfrm>
+            <a:off x="205025" y="1655951"/>
+            <a:ext cx="8565600" cy="450091"/>
+          </a:xfrm>
+          <a:prstGeom prst="rect">
+            <a:avLst/>
+          </a:prstGeom>
+          <a:ln w="12700">
+            <a:miter lim="400000"/>
+          </a:ln>
+          <a:extLst>
+            <a:ext uri="{C572A759-6A51-4108-AA02-DFA0A04FC94B}">
+              <ma14:wrappingTextBoxFlag xmlns:ma14="http://schemas.microsoft.com/office/mac/drawingml/2011/main" xmlns="" val="1"/>
+            </a:ext>
+          </a:extLst>
+        </p:spPr>
+        <p:txBody>
+          <a:bodyPr wrap="square" lIns="91424" tIns="91424" rIns="91424" bIns="91424">
+            <a:spAutoFit/>
+          </a:bodyPr>
+          <a:lstStyle>
+            <a:lvl1pPr>
+              <a:lnSpc>
+                <a:spcPct val="115000"/>
+              </a:lnSpc>
+              <a:defRPr sz="1500">
+                <a:latin typeface="Open Sans"/>
+                <a:ea typeface="Open Sans"/>
+                <a:cs typeface="Open Sans"/>
+                <a:sym typeface="Open Sans"/>
+              </a:defRPr>
+            </a:lvl1pPr>
+          </a:lstStyle>
+          <a:p>
+            <a:r>
+              <a:rPr dirty="0"/>
+              <a:t>Place any information about this point here.</a:t>
+            </a:r>
+          </a:p>
+        </p:txBody>
+      </p:sp>
+      <p:sp>
+        <p:nvSpPr>
+          <p:cNvPr id="155" name="Note: The data and information in this document is reflective of a hypothetical situation and client. This document is to be used for KPMG Virtual Internship purposes only."/>
+          <p:cNvSpPr/>
+          <p:nvPr/>
+        </p:nvSpPr>
+        <p:spPr>
+          <a:xfrm>
+            <a:off x="-6201" y="-6350"/>
+            <a:ext cx="9175601" cy="238700"/>
+          </a:xfrm>
+          <a:prstGeom prst="rect">
+            <a:avLst/>
+          </a:prstGeom>
+          <a:solidFill>
+            <a:schemeClr val="accent3"/>
+          </a:solidFill>
+          <a:ln w="12700">
+            <a:miter lim="400000"/>
+          </a:ln>
+          <a:extLst>
+            <a:ext uri="{C572A759-6A51-4108-AA02-DFA0A04FC94B}">
+              <ma14:wrappingTextBoxFlag xmlns:ma14="http://schemas.microsoft.com/office/mac/drawingml/2011/main" xmlns="" val="1"/>
+            </a:ext>
+          </a:extLst>
+        </p:spPr>
+        <p:txBody>
+          <a:bodyPr lIns="45719" rIns="45719" anchor="ctr"/>
+          <a:lstStyle/>
+          <a:p>
+            <a:pPr defTabSz="457200">
+              <a:defRPr sz="500" b="1">
+                <a:latin typeface="Calibri"/>
+                <a:ea typeface="Calibri"/>
+                <a:cs typeface="Calibri"/>
+                <a:sym typeface="Calibri"/>
+              </a:defRPr>
+            </a:pPr>
+            <a:r>
+              <a:t>       Note: </a:t>
+            </a:r>
+            <a:r>
+              <a:rPr b="0"/>
+              <a:t>The data and information in this document is reflective of a hypothetical situation and client. This document is to be used for KPMG Virtual Internship purposes only. </a:t>
+            </a:r>
+          </a:p>
+        </p:txBody>
+      </p:sp>
+      <p:pic>
+        <p:nvPicPr>
+          <p:cNvPr id="11" name="Picture 10"/>
+          <p:cNvPicPr>
+            <a:picLocks noChangeAspect="1"/>
+          </p:cNvPicPr>
+          <p:nvPr/>
+        </p:nvPicPr>
+        <p:blipFill>
+          <a:blip r:embed="rId2" cstate="print">
+            <a:extLst>
+              <a:ext uri="{28A0092B-C50C-407E-A947-70E740481C1C}">
+                <a14:useLocalDpi xmlns:a14="http://schemas.microsoft.com/office/drawing/2010/main" val="0"/>
+              </a:ext>
+            </a:extLst>
+          </a:blip>
+          <a:stretch>
+            <a:fillRect/>
+          </a:stretch>
+        </p:blipFill>
+        <p:spPr>
+          <a:xfrm>
+            <a:off x="7700295" y="4142892"/>
+            <a:ext cx="1365328" cy="881743"/>
+          </a:xfrm>
+          <a:prstGeom prst="rect">
+            <a:avLst/>
+          </a:prstGeom>
+        </p:spPr>
+      </p:pic>
+    </p:spTree>
+  </p:cSld>
+  <p:clrMapOvr>
+    <a:masterClrMapping/>
+  </p:clrMapOvr>
+  <p:transition spd="med"/>
 </p:sld>
 </file>
 
 <file path=ppt/theme/theme1.xml><?xml version="1.0" encoding="utf-8"?>
-<a:theme xmlns:a="http://schemas.openxmlformats.org/drawingml/2006/main" xmlns:r="http://schemas.openxmlformats.org/officeDocument/2006/relationships" name="Simple Light">
+<a:theme xmlns:a="http://schemas.openxmlformats.org/drawingml/2006/main" name="Simple Light">
   <a:themeElements>
     <a:clrScheme name="Simple Light">
       <a:dk1>
@@ -5447,7 +6956,7 @@
       <a:effectStyleLst>
         <a:effectStyle>
           <a:effectLst>
-            <a:outerShdw sx="100000" sy="100000" kx="0" ky="0" algn="b" rotWithShape="0" blurRad="38100" dist="23000" dir="5400000">
+            <a:outerShdw blurRad="38100" dist="23000" dir="5400000" rotWithShape="0">
               <a:srgbClr val="000000">
                 <a:alpha val="35000"/>
               </a:srgbClr>
@@ -5456,7 +6965,7 @@
         </a:effectStyle>
         <a:effectStyle>
           <a:effectLst>
-            <a:outerShdw sx="100000" sy="100000" kx="0" ky="0" algn="b" rotWithShape="0" blurRad="38100" dist="23000" dir="5400000">
+            <a:outerShdw blurRad="38100" dist="23000" dir="5400000" rotWithShape="0">
               <a:srgbClr val="000000">
                 <a:alpha val="35000"/>
               </a:srgbClr>
@@ -5465,7 +6974,7 @@
         </a:effectStyle>
         <a:effectStyle>
           <a:effectLst>
-            <a:outerShdw sx="100000" sy="100000" kx="0" ky="0" algn="b" rotWithShape="0" blurRad="38100" dist="20000" dir="5400000">
+            <a:outerShdw blurRad="38100" dist="20000" dir="5400000" rotWithShape="0">
               <a:srgbClr val="000000">
                 <a:alpha val="38000"/>
               </a:srgbClr>
@@ -5539,7 +7048,7 @@
           <a:round/>
         </a:ln>
         <a:effectLst>
-          <a:outerShdw sx="100000" sy="100000" kx="0" ky="0" algn="b" rotWithShape="0" blurRad="38100" dist="23000" dir="5400000">
+          <a:outerShdw blurRad="38100" dist="23000" dir="5400000" rotWithShape="0">
             <a:srgbClr val="000000">
               <a:alpha val="35000"/>
             </a:srgbClr>
@@ -5547,7 +7056,7 @@
         </a:effectLst>
         <a:sp3d/>
       </a:spPr>
-      <a:bodyPr rot="0" spcFirstLastPara="1" vertOverflow="overflow" horzOverflow="overflow" vert="horz" wrap="square" lIns="45719" tIns="45719" rIns="45719" bIns="45719" numCol="1" spcCol="38100" rtlCol="0" anchor="ctr" upright="0">
+      <a:bodyPr rot="0" spcFirstLastPara="1" vertOverflow="overflow" horzOverflow="overflow" vert="horz" wrap="square" lIns="45719" tIns="45719" rIns="45719" bIns="45719" numCol="1" spcCol="38100" rtlCol="0" anchor="ctr">
         <a:spAutoFit/>
       </a:bodyPr>
       <a:lstStyle>
@@ -5566,7 +7075,7 @@
           <a:buFontTx/>
           <a:buNone/>
           <a:tabLst/>
-          <a:defRPr b="0" baseline="0" cap="none" i="0" spc="0" strike="noStrike" sz="1400" u="none" kumimoji="0" normalizeH="0">
+          <a:defRPr kumimoji="0" sz="1400" b="0" i="0" u="none" strike="noStrike" cap="none" spc="0" normalizeH="0" baseline="0">
             <a:ln>
               <a:noFill/>
             </a:ln>
@@ -5596,7 +7105,7 @@
           <a:buFontTx/>
           <a:buNone/>
           <a:tabLst/>
-          <a:defRPr b="0" baseline="0" cap="none" i="0" spc="0" strike="noStrike" sz="1800" u="none" kumimoji="0" normalizeH="0">
+          <a:defRPr kumimoji="0" sz="1800" b="0" i="0" u="none" strike="noStrike" cap="none" spc="0" normalizeH="0" baseline="0">
             <a:ln>
               <a:noFill/>
             </a:ln>
@@ -5622,7 +7131,7 @@
           <a:buFontTx/>
           <a:buNone/>
           <a:tabLst/>
-          <a:defRPr b="0" baseline="0" cap="none" i="0" spc="0" strike="noStrike" sz="1800" u="none" kumimoji="0" normalizeH="0">
+          <a:defRPr kumimoji="0" sz="1800" b="0" i="0" u="none" strike="noStrike" cap="none" spc="0" normalizeH="0" baseline="0">
             <a:ln>
               <a:noFill/>
             </a:ln>
@@ -5648,7 +7157,7 @@
           <a:buFontTx/>
           <a:buNone/>
           <a:tabLst/>
-          <a:defRPr b="0" baseline="0" cap="none" i="0" spc="0" strike="noStrike" sz="1800" u="none" kumimoji="0" normalizeH="0">
+          <a:defRPr kumimoji="0" sz="1800" b="0" i="0" u="none" strike="noStrike" cap="none" spc="0" normalizeH="0" baseline="0">
             <a:ln>
               <a:noFill/>
             </a:ln>
@@ -5674,7 +7183,7 @@
           <a:buFontTx/>
           <a:buNone/>
           <a:tabLst/>
-          <a:defRPr b="0" baseline="0" cap="none" i="0" spc="0" strike="noStrike" sz="1800" u="none" kumimoji="0" normalizeH="0">
+          <a:defRPr kumimoji="0" sz="1800" b="0" i="0" u="none" strike="noStrike" cap="none" spc="0" normalizeH="0" baseline="0">
             <a:ln>
               <a:noFill/>
             </a:ln>
@@ -5700,7 +7209,7 @@
           <a:buFontTx/>
           <a:buNone/>
           <a:tabLst/>
-          <a:defRPr b="0" baseline="0" cap="none" i="0" spc="0" strike="noStrike" sz="1800" u="none" kumimoji="0" normalizeH="0">
+          <a:defRPr kumimoji="0" sz="1800" b="0" i="0" u="none" strike="noStrike" cap="none" spc="0" normalizeH="0" baseline="0">
             <a:ln>
               <a:noFill/>
             </a:ln>
@@ -5726,7 +7235,7 @@
           <a:buFontTx/>
           <a:buNone/>
           <a:tabLst/>
-          <a:defRPr b="0" baseline="0" cap="none" i="0" spc="0" strike="noStrike" sz="1800" u="none" kumimoji="0" normalizeH="0">
+          <a:defRPr kumimoji="0" sz="1800" b="0" i="0" u="none" strike="noStrike" cap="none" spc="0" normalizeH="0" baseline="0">
             <a:ln>
               <a:noFill/>
             </a:ln>
@@ -5752,7 +7261,7 @@
           <a:buFontTx/>
           <a:buNone/>
           <a:tabLst/>
-          <a:defRPr b="0" baseline="0" cap="none" i="0" spc="0" strike="noStrike" sz="1800" u="none" kumimoji="0" normalizeH="0">
+          <a:defRPr kumimoji="0" sz="1800" b="0" i="0" u="none" strike="noStrike" cap="none" spc="0" normalizeH="0" baseline="0">
             <a:ln>
               <a:noFill/>
             </a:ln>
@@ -5778,7 +7287,7 @@
           <a:buFontTx/>
           <a:buNone/>
           <a:tabLst/>
-          <a:defRPr b="0" baseline="0" cap="none" i="0" spc="0" strike="noStrike" sz="1800" u="none" kumimoji="0" normalizeH="0">
+          <a:defRPr kumimoji="0" sz="1800" b="0" i="0" u="none" strike="noStrike" cap="none" spc="0" normalizeH="0" baseline="0">
             <a:ln>
               <a:noFill/>
             </a:ln>
@@ -5804,7 +7313,7 @@
           <a:buFontTx/>
           <a:buNone/>
           <a:tabLst/>
-          <a:defRPr b="0" baseline="0" cap="none" i="0" spc="0" strike="noStrike" sz="1800" u="none" kumimoji="0" normalizeH="0">
+          <a:defRPr kumimoji="0" sz="1800" b="0" i="0" u="none" strike="noStrike" cap="none" spc="0" normalizeH="0" baseline="0">
             <a:ln>
               <a:noFill/>
             </a:ln>
@@ -5817,9 +7326,15 @@
         </a:lvl9pPr>
       </a:lstStyle>
       <a:style>
-        <a:lnRef idx="0"/>
-        <a:fillRef idx="0"/>
-        <a:effectRef idx="0"/>
+        <a:lnRef idx="0">
+          <a:scrgbClr r="0" g="0" b="0"/>
+        </a:lnRef>
+        <a:fillRef idx="0">
+          <a:scrgbClr r="0" g="0" b="0"/>
+        </a:fillRef>
+        <a:effectRef idx="0">
+          <a:scrgbClr r="0" g="0" b="0"/>
+        </a:effectRef>
         <a:fontRef idx="none"/>
       </a:style>
     </a:spDef>
@@ -5834,7 +7349,7 @@
           <a:round/>
         </a:ln>
         <a:effectLst>
-          <a:outerShdw sx="100000" sy="100000" kx="0" ky="0" algn="b" rotWithShape="0" blurRad="38100" dist="20000" dir="5400000">
+          <a:outerShdw blurRad="38100" dist="20000" dir="5400000" rotWithShape="0">
             <a:srgbClr val="000000">
               <a:alpha val="38000"/>
             </a:srgbClr>
@@ -5842,7 +7357,7 @@
         </a:effectLst>
         <a:sp3d/>
       </a:spPr>
-      <a:bodyPr rot="0" spcFirstLastPara="1" vertOverflow="overflow" horzOverflow="overflow" vert="horz" wrap="square" lIns="91439" tIns="45719" rIns="91439" bIns="45719" numCol="1" spcCol="38100" rtlCol="0" anchor="t" upright="0">
+      <a:bodyPr rot="0" spcFirstLastPara="1" vertOverflow="overflow" horzOverflow="overflow" vert="horz" wrap="square" lIns="91439" tIns="45719" rIns="91439" bIns="45719" numCol="1" spcCol="38100" rtlCol="0" anchor="t">
         <a:noAutofit/>
       </a:bodyPr>
       <a:lstStyle>
@@ -5861,7 +7376,7 @@
           <a:buFontTx/>
           <a:buNone/>
           <a:tabLst/>
-          <a:defRPr b="0" baseline="0" cap="none" i="0" spc="0" strike="noStrike" sz="1800" u="none" kumimoji="0" normalizeH="0">
+          <a:defRPr kumimoji="0" sz="1800" b="0" i="0" u="none" strike="noStrike" cap="none" spc="0" normalizeH="0" baseline="0">
             <a:ln>
               <a:noFill/>
             </a:ln>
@@ -5887,7 +7402,7 @@
           <a:buFontTx/>
           <a:buNone/>
           <a:tabLst/>
-          <a:defRPr b="0" baseline="0" cap="none" i="0" spc="0" strike="noStrike" sz="1800" u="none" kumimoji="0" normalizeH="0">
+          <a:defRPr kumimoji="0" sz="1800" b="0" i="0" u="none" strike="noStrike" cap="none" spc="0" normalizeH="0" baseline="0">
             <a:ln>
               <a:noFill/>
             </a:ln>
@@ -5913,7 +7428,7 @@
           <a:buFontTx/>
           <a:buNone/>
           <a:tabLst/>
-          <a:defRPr b="0" baseline="0" cap="none" i="0" spc="0" strike="noStrike" sz="1800" u="none" kumimoji="0" normalizeH="0">
+          <a:defRPr kumimoji="0" sz="1800" b="0" i="0" u="none" strike="noStrike" cap="none" spc="0" normalizeH="0" baseline="0">
             <a:ln>
               <a:noFill/>
             </a:ln>
@@ -5939,7 +7454,7 @@
           <a:buFontTx/>
           <a:buNone/>
           <a:tabLst/>
-          <a:defRPr b="0" baseline="0" cap="none" i="0" spc="0" strike="noStrike" sz="1800" u="none" kumimoji="0" normalizeH="0">
+          <a:defRPr kumimoji="0" sz="1800" b="0" i="0" u="none" strike="noStrike" cap="none" spc="0" normalizeH="0" baseline="0">
             <a:ln>
               <a:noFill/>
             </a:ln>
@@ -5965,7 +7480,7 @@
           <a:buFontTx/>
           <a:buNone/>
           <a:tabLst/>
-          <a:defRPr b="0" baseline="0" cap="none" i="0" spc="0" strike="noStrike" sz="1800" u="none" kumimoji="0" normalizeH="0">
+          <a:defRPr kumimoji="0" sz="1800" b="0" i="0" u="none" strike="noStrike" cap="none" spc="0" normalizeH="0" baseline="0">
             <a:ln>
               <a:noFill/>
             </a:ln>
@@ -5991,7 +7506,7 @@
           <a:buFontTx/>
           <a:buNone/>
           <a:tabLst/>
-          <a:defRPr b="0" baseline="0" cap="none" i="0" spc="0" strike="noStrike" sz="1800" u="none" kumimoji="0" normalizeH="0">
+          <a:defRPr kumimoji="0" sz="1800" b="0" i="0" u="none" strike="noStrike" cap="none" spc="0" normalizeH="0" baseline="0">
             <a:ln>
               <a:noFill/>
             </a:ln>
@@ -6017,7 +7532,7 @@
           <a:buFontTx/>
           <a:buNone/>
           <a:tabLst/>
-          <a:defRPr b="0" baseline="0" cap="none" i="0" spc="0" strike="noStrike" sz="1800" u="none" kumimoji="0" normalizeH="0">
+          <a:defRPr kumimoji="0" sz="1800" b="0" i="0" u="none" strike="noStrike" cap="none" spc="0" normalizeH="0" baseline="0">
             <a:ln>
               <a:noFill/>
             </a:ln>
@@ -6043,7 +7558,7 @@
           <a:buFontTx/>
           <a:buNone/>
           <a:tabLst/>
-          <a:defRPr b="0" baseline="0" cap="none" i="0" spc="0" strike="noStrike" sz="1800" u="none" kumimoji="0" normalizeH="0">
+          <a:defRPr kumimoji="0" sz="1800" b="0" i="0" u="none" strike="noStrike" cap="none" spc="0" normalizeH="0" baseline="0">
             <a:ln>
               <a:noFill/>
             </a:ln>
@@ -6069,7 +7584,7 @@
           <a:buFontTx/>
           <a:buNone/>
           <a:tabLst/>
-          <a:defRPr b="0" baseline="0" cap="none" i="0" spc="0" strike="noStrike" sz="1800" u="none" kumimoji="0" normalizeH="0">
+          <a:defRPr kumimoji="0" sz="1800" b="0" i="0" u="none" strike="noStrike" cap="none" spc="0" normalizeH="0" baseline="0">
             <a:ln>
               <a:noFill/>
             </a:ln>
@@ -6095,7 +7610,7 @@
           <a:buFontTx/>
           <a:buNone/>
           <a:tabLst/>
-          <a:defRPr b="0" baseline="0" cap="none" i="0" spc="0" strike="noStrike" sz="1800" u="none" kumimoji="0" normalizeH="0">
+          <a:defRPr kumimoji="0" sz="1800" b="0" i="0" u="none" strike="noStrike" cap="none" spc="0" normalizeH="0" baseline="0">
             <a:ln>
               <a:noFill/>
             </a:ln>
@@ -6108,9 +7623,15 @@
         </a:lvl9pPr>
       </a:lstStyle>
       <a:style>
-        <a:lnRef idx="0"/>
-        <a:fillRef idx="0"/>
-        <a:effectRef idx="0"/>
+        <a:lnRef idx="0">
+          <a:scrgbClr r="0" g="0" b="0"/>
+        </a:lnRef>
+        <a:fillRef idx="0">
+          <a:scrgbClr r="0" g="0" b="0"/>
+        </a:fillRef>
+        <a:effectRef idx="0">
+          <a:scrgbClr r="0" g="0" b="0"/>
+        </a:effectRef>
         <a:fontRef idx="none"/>
       </a:style>
     </a:lnDef>
@@ -6124,7 +7645,7 @@
         <a:effectLst/>
         <a:sp3d/>
       </a:spPr>
-      <a:bodyPr rot="0" spcFirstLastPara="1" vertOverflow="overflow" horzOverflow="overflow" vert="horz" wrap="square" lIns="45719" tIns="45719" rIns="45719" bIns="45719" numCol="1" spcCol="38100" rtlCol="0" anchor="t" upright="0">
+      <a:bodyPr rot="0" spcFirstLastPara="1" vertOverflow="overflow" horzOverflow="overflow" vert="horz" wrap="square" lIns="45719" tIns="45719" rIns="45719" bIns="45719" numCol="1" spcCol="38100" rtlCol="0" anchor="t">
         <a:spAutoFit/>
       </a:bodyPr>
       <a:lstStyle>
@@ -6143,7 +7664,7 @@
           <a:buFontTx/>
           <a:buNone/>
           <a:tabLst/>
-          <a:defRPr b="0" baseline="0" cap="none" i="0" spc="0" strike="noStrike" sz="1400" u="none" kumimoji="0" normalizeH="0">
+          <a:defRPr kumimoji="0" sz="1400" b="0" i="0" u="none" strike="noStrike" cap="none" spc="0" normalizeH="0" baseline="0">
             <a:ln>
               <a:noFill/>
             </a:ln>
@@ -6173,7 +7694,7 @@
           <a:buFontTx/>
           <a:buNone/>
           <a:tabLst/>
-          <a:defRPr b="0" baseline="0" cap="none" i="0" spc="0" strike="noStrike" sz="1800" u="none" kumimoji="0" normalizeH="0">
+          <a:defRPr kumimoji="0" sz="1800" b="0" i="0" u="none" strike="noStrike" cap="none" spc="0" normalizeH="0" baseline="0">
             <a:ln>
               <a:noFill/>
             </a:ln>
@@ -6199,7 +7720,7 @@
           <a:buFontTx/>
           <a:buNone/>
           <a:tabLst/>
-          <a:defRPr b="0" baseline="0" cap="none" i="0" spc="0" strike="noStrike" sz="1800" u="none" kumimoji="0" normalizeH="0">
+          <a:defRPr kumimoji="0" sz="1800" b="0" i="0" u="none" strike="noStrike" cap="none" spc="0" normalizeH="0" baseline="0">
             <a:ln>
               <a:noFill/>
             </a:ln>
@@ -6225,7 +7746,7 @@
           <a:buFontTx/>
           <a:buNone/>
           <a:tabLst/>
-          <a:defRPr b="0" baseline="0" cap="none" i="0" spc="0" strike="noStrike" sz="1800" u="none" kumimoji="0" normalizeH="0">
+          <a:defRPr kumimoji="0" sz="1800" b="0" i="0" u="none" strike="noStrike" cap="none" spc="0" normalizeH="0" baseline="0">
             <a:ln>
               <a:noFill/>
             </a:ln>
@@ -6251,7 +7772,7 @@
           <a:buFontTx/>
           <a:buNone/>
           <a:tabLst/>
-          <a:defRPr b="0" baseline="0" cap="none" i="0" spc="0" strike="noStrike" sz="1800" u="none" kumimoji="0" normalizeH="0">
+          <a:defRPr kumimoji="0" sz="1800" b="0" i="0" u="none" strike="noStrike" cap="none" spc="0" normalizeH="0" baseline="0">
             <a:ln>
               <a:noFill/>
             </a:ln>
@@ -6277,7 +7798,7 @@
           <a:buFontTx/>
           <a:buNone/>
           <a:tabLst/>
-          <a:defRPr b="0" baseline="0" cap="none" i="0" spc="0" strike="noStrike" sz="1800" u="none" kumimoji="0" normalizeH="0">
+          <a:defRPr kumimoji="0" sz="1800" b="0" i="0" u="none" strike="noStrike" cap="none" spc="0" normalizeH="0" baseline="0">
             <a:ln>
               <a:noFill/>
             </a:ln>
@@ -6303,7 +7824,7 @@
           <a:buFontTx/>
           <a:buNone/>
           <a:tabLst/>
-          <a:defRPr b="0" baseline="0" cap="none" i="0" spc="0" strike="noStrike" sz="1800" u="none" kumimoji="0" normalizeH="0">
+          <a:defRPr kumimoji="0" sz="1800" b="0" i="0" u="none" strike="noStrike" cap="none" spc="0" normalizeH="0" baseline="0">
             <a:ln>
               <a:noFill/>
             </a:ln>
@@ -6329,7 +7850,7 @@
           <a:buFontTx/>
           <a:buNone/>
           <a:tabLst/>
-          <a:defRPr b="0" baseline="0" cap="none" i="0" spc="0" strike="noStrike" sz="1800" u="none" kumimoji="0" normalizeH="0">
+          <a:defRPr kumimoji="0" sz="1800" b="0" i="0" u="none" strike="noStrike" cap="none" spc="0" normalizeH="0" baseline="0">
             <a:ln>
               <a:noFill/>
             </a:ln>
@@ -6355,7 +7876,7 @@
           <a:buFontTx/>
           <a:buNone/>
           <a:tabLst/>
-          <a:defRPr b="0" baseline="0" cap="none" i="0" spc="0" strike="noStrike" sz="1800" u="none" kumimoji="0" normalizeH="0">
+          <a:defRPr kumimoji="0" sz="1800" b="0" i="0" u="none" strike="noStrike" cap="none" spc="0" normalizeH="0" baseline="0">
             <a:ln>
               <a:noFill/>
             </a:ln>
@@ -6381,7 +7902,7 @@
           <a:buFontTx/>
           <a:buNone/>
           <a:tabLst/>
-          <a:defRPr b="0" baseline="0" cap="none" i="0" spc="0" strike="noStrike" sz="1800" u="none" kumimoji="0" normalizeH="0">
+          <a:defRPr kumimoji="0" sz="1800" b="0" i="0" u="none" strike="noStrike" cap="none" spc="0" normalizeH="0" baseline="0">
             <a:ln>
               <a:noFill/>
             </a:ln>
@@ -6394,18 +7915,25 @@
         </a:lvl9pPr>
       </a:lstStyle>
       <a:style>
-        <a:lnRef idx="0"/>
-        <a:fillRef idx="0"/>
-        <a:effectRef idx="0"/>
+        <a:lnRef idx="0">
+          <a:scrgbClr r="0" g="0" b="0"/>
+        </a:lnRef>
+        <a:fillRef idx="0">
+          <a:scrgbClr r="0" g="0" b="0"/>
+        </a:fillRef>
+        <a:effectRef idx="0">
+          <a:scrgbClr r="0" g="0" b="0"/>
+        </a:effectRef>
         <a:fontRef idx="none"/>
       </a:style>
     </a:txDef>
   </a:objectDefaults>
+  <a:extraClrSchemeLst/>
 </a:theme>
 </file>
 
 <file path=ppt/theme/theme2.xml><?xml version="1.0" encoding="utf-8"?>
-<a:theme xmlns:a="http://schemas.openxmlformats.org/drawingml/2006/main" xmlns:r="http://schemas.openxmlformats.org/officeDocument/2006/relationships" name="Simple Light">
+<a:theme xmlns:a="http://schemas.openxmlformats.org/drawingml/2006/main" name="Simple Light">
   <a:themeElements>
     <a:clrScheme name="Simple Light">
       <a:dk1>
@@ -6531,7 +8059,7 @@
       <a:effectStyleLst>
         <a:effectStyle>
           <a:effectLst>
-            <a:outerShdw sx="100000" sy="100000" kx="0" ky="0" algn="b" rotWithShape="0" blurRad="38100" dist="23000" dir="5400000">
+            <a:outerShdw blurRad="38100" dist="23000" dir="5400000" rotWithShape="0">
               <a:srgbClr val="000000">
                 <a:alpha val="35000"/>
               </a:srgbClr>
@@ -6540,7 +8068,7 @@
         </a:effectStyle>
         <a:effectStyle>
           <a:effectLst>
-            <a:outerShdw sx="100000" sy="100000" kx="0" ky="0" algn="b" rotWithShape="0" blurRad="38100" dist="23000" dir="5400000">
+            <a:outerShdw blurRad="38100" dist="23000" dir="5400000" rotWithShape="0">
               <a:srgbClr val="000000">
                 <a:alpha val="35000"/>
               </a:srgbClr>
@@ -6549,7 +8077,7 @@
         </a:effectStyle>
         <a:effectStyle>
           <a:effectLst>
-            <a:outerShdw sx="100000" sy="100000" kx="0" ky="0" algn="b" rotWithShape="0" blurRad="38100" dist="20000" dir="5400000">
+            <a:outerShdw blurRad="38100" dist="20000" dir="5400000" rotWithShape="0">
               <a:srgbClr val="000000">
                 <a:alpha val="38000"/>
               </a:srgbClr>
@@ -6623,7 +8151,7 @@
           <a:round/>
         </a:ln>
         <a:effectLst>
-          <a:outerShdw sx="100000" sy="100000" kx="0" ky="0" algn="b" rotWithShape="0" blurRad="38100" dist="23000" dir="5400000">
+          <a:outerShdw blurRad="38100" dist="23000" dir="5400000" rotWithShape="0">
             <a:srgbClr val="000000">
               <a:alpha val="35000"/>
             </a:srgbClr>
@@ -6631,7 +8159,7 @@
         </a:effectLst>
         <a:sp3d/>
       </a:spPr>
-      <a:bodyPr rot="0" spcFirstLastPara="1" vertOverflow="overflow" horzOverflow="overflow" vert="horz" wrap="square" lIns="45719" tIns="45719" rIns="45719" bIns="45719" numCol="1" spcCol="38100" rtlCol="0" anchor="ctr" upright="0">
+      <a:bodyPr rot="0" spcFirstLastPara="1" vertOverflow="overflow" horzOverflow="overflow" vert="horz" wrap="square" lIns="45719" tIns="45719" rIns="45719" bIns="45719" numCol="1" spcCol="38100" rtlCol="0" anchor="ctr">
         <a:spAutoFit/>
       </a:bodyPr>
       <a:lstStyle>
@@ -6650,7 +8178,7 @@
           <a:buFontTx/>
           <a:buNone/>
           <a:tabLst/>
-          <a:defRPr b="0" baseline="0" cap="none" i="0" spc="0" strike="noStrike" sz="1400" u="none" kumimoji="0" normalizeH="0">
+          <a:defRPr kumimoji="0" sz="1400" b="0" i="0" u="none" strike="noStrike" cap="none" spc="0" normalizeH="0" baseline="0">
             <a:ln>
               <a:noFill/>
             </a:ln>
@@ -6680,7 +8208,7 @@
           <a:buFontTx/>
           <a:buNone/>
           <a:tabLst/>
-          <a:defRPr b="0" baseline="0" cap="none" i="0" spc="0" strike="noStrike" sz="1800" u="none" kumimoji="0" normalizeH="0">
+          <a:defRPr kumimoji="0" sz="1800" b="0" i="0" u="none" strike="noStrike" cap="none" spc="0" normalizeH="0" baseline="0">
             <a:ln>
               <a:noFill/>
             </a:ln>
@@ -6706,7 +8234,7 @@
           <a:buFontTx/>
           <a:buNone/>
           <a:tabLst/>
-          <a:defRPr b="0" baseline="0" cap="none" i="0" spc="0" strike="noStrike" sz="1800" u="none" kumimoji="0" normalizeH="0">
+          <a:defRPr kumimoji="0" sz="1800" b="0" i="0" u="none" strike="noStrike" cap="none" spc="0" normalizeH="0" baseline="0">
             <a:ln>
               <a:noFill/>
             </a:ln>
@@ -6732,7 +8260,7 @@
           <a:buFontTx/>
           <a:buNone/>
           <a:tabLst/>
-          <a:defRPr b="0" baseline="0" cap="none" i="0" spc="0" strike="noStrike" sz="1800" u="none" kumimoji="0" normalizeH="0">
+          <a:defRPr kumimoji="0" sz="1800" b="0" i="0" u="none" strike="noStrike" cap="none" spc="0" normalizeH="0" baseline="0">
             <a:ln>
               <a:noFill/>
             </a:ln>
@@ -6758,7 +8286,7 @@
           <a:buFontTx/>
           <a:buNone/>
           <a:tabLst/>
-          <a:defRPr b="0" baseline="0" cap="none" i="0" spc="0" strike="noStrike" sz="1800" u="none" kumimoji="0" normalizeH="0">
+          <a:defRPr kumimoji="0" sz="1800" b="0" i="0" u="none" strike="noStrike" cap="none" spc="0" normalizeH="0" baseline="0">
             <a:ln>
               <a:noFill/>
             </a:ln>
@@ -6784,7 +8312,7 @@
           <a:buFontTx/>
           <a:buNone/>
           <a:tabLst/>
-          <a:defRPr b="0" baseline="0" cap="none" i="0" spc="0" strike="noStrike" sz="1800" u="none" kumimoji="0" normalizeH="0">
+          <a:defRPr kumimoji="0" sz="1800" b="0" i="0" u="none" strike="noStrike" cap="none" spc="0" normalizeH="0" baseline="0">
             <a:ln>
               <a:noFill/>
             </a:ln>
@@ -6810,7 +8338,7 @@
           <a:buFontTx/>
           <a:buNone/>
           <a:tabLst/>
-          <a:defRPr b="0" baseline="0" cap="none" i="0" spc="0" strike="noStrike" sz="1800" u="none" kumimoji="0" normalizeH="0">
+          <a:defRPr kumimoji="0" sz="1800" b="0" i="0" u="none" strike="noStrike" cap="none" spc="0" normalizeH="0" baseline="0">
             <a:ln>
               <a:noFill/>
             </a:ln>
@@ -6836,7 +8364,7 @@
           <a:buFontTx/>
           <a:buNone/>
           <a:tabLst/>
-          <a:defRPr b="0" baseline="0" cap="none" i="0" spc="0" strike="noStrike" sz="1800" u="none" kumimoji="0" normalizeH="0">
+          <a:defRPr kumimoji="0" sz="1800" b="0" i="0" u="none" strike="noStrike" cap="none" spc="0" normalizeH="0" baseline="0">
             <a:ln>
               <a:noFill/>
             </a:ln>
@@ -6862,7 +8390,7 @@
           <a:buFontTx/>
           <a:buNone/>
           <a:tabLst/>
-          <a:defRPr b="0" baseline="0" cap="none" i="0" spc="0" strike="noStrike" sz="1800" u="none" kumimoji="0" normalizeH="0">
+          <a:defRPr kumimoji="0" sz="1800" b="0" i="0" u="none" strike="noStrike" cap="none" spc="0" normalizeH="0" baseline="0">
             <a:ln>
               <a:noFill/>
             </a:ln>
@@ -6888,7 +8416,7 @@
           <a:buFontTx/>
           <a:buNone/>
           <a:tabLst/>
-          <a:defRPr b="0" baseline="0" cap="none" i="0" spc="0" strike="noStrike" sz="1800" u="none" kumimoji="0" normalizeH="0">
+          <a:defRPr kumimoji="0" sz="1800" b="0" i="0" u="none" strike="noStrike" cap="none" spc="0" normalizeH="0" baseline="0">
             <a:ln>
               <a:noFill/>
             </a:ln>
@@ -6901,9 +8429,15 @@
         </a:lvl9pPr>
       </a:lstStyle>
       <a:style>
-        <a:lnRef idx="0"/>
-        <a:fillRef idx="0"/>
-        <a:effectRef idx="0"/>
+        <a:lnRef idx="0">
+          <a:scrgbClr r="0" g="0" b="0"/>
+        </a:lnRef>
+        <a:fillRef idx="0">
+          <a:scrgbClr r="0" g="0" b="0"/>
+        </a:fillRef>
+        <a:effectRef idx="0">
+          <a:scrgbClr r="0" g="0" b="0"/>
+        </a:effectRef>
         <a:fontRef idx="none"/>
       </a:style>
     </a:spDef>
@@ -6918,7 +8452,7 @@
           <a:round/>
         </a:ln>
         <a:effectLst>
-          <a:outerShdw sx="100000" sy="100000" kx="0" ky="0" algn="b" rotWithShape="0" blurRad="38100" dist="20000" dir="5400000">
+          <a:outerShdw blurRad="38100" dist="20000" dir="5400000" rotWithShape="0">
             <a:srgbClr val="000000">
               <a:alpha val="38000"/>
             </a:srgbClr>
@@ -6926,7 +8460,7 @@
         </a:effectLst>
         <a:sp3d/>
       </a:spPr>
-      <a:bodyPr rot="0" spcFirstLastPara="1" vertOverflow="overflow" horzOverflow="overflow" vert="horz" wrap="square" lIns="91439" tIns="45719" rIns="91439" bIns="45719" numCol="1" spcCol="38100" rtlCol="0" anchor="t" upright="0">
+      <a:bodyPr rot="0" spcFirstLastPara="1" vertOverflow="overflow" horzOverflow="overflow" vert="horz" wrap="square" lIns="91439" tIns="45719" rIns="91439" bIns="45719" numCol="1" spcCol="38100" rtlCol="0" anchor="t">
         <a:noAutofit/>
       </a:bodyPr>
       <a:lstStyle>
@@ -6945,7 +8479,7 @@
           <a:buFontTx/>
           <a:buNone/>
           <a:tabLst/>
-          <a:defRPr b="0" baseline="0" cap="none" i="0" spc="0" strike="noStrike" sz="1800" u="none" kumimoji="0" normalizeH="0">
+          <a:defRPr kumimoji="0" sz="1800" b="0" i="0" u="none" strike="noStrike" cap="none" spc="0" normalizeH="0" baseline="0">
             <a:ln>
               <a:noFill/>
             </a:ln>
@@ -6971,7 +8505,7 @@
           <a:buFontTx/>
           <a:buNone/>
           <a:tabLst/>
-          <a:defRPr b="0" baseline="0" cap="none" i="0" spc="0" strike="noStrike" sz="1800" u="none" kumimoji="0" normalizeH="0">
+          <a:defRPr kumimoji="0" sz="1800" b="0" i="0" u="none" strike="noStrike" cap="none" spc="0" normalizeH="0" baseline="0">
             <a:ln>
               <a:noFill/>
             </a:ln>
@@ -6997,7 +8531,7 @@
           <a:buFontTx/>
           <a:buNone/>
           <a:tabLst/>
-          <a:defRPr b="0" baseline="0" cap="none" i="0" spc="0" strike="noStrike" sz="1800" u="none" kumimoji="0" normalizeH="0">
+          <a:defRPr kumimoji="0" sz="1800" b="0" i="0" u="none" strike="noStrike" cap="none" spc="0" normalizeH="0" baseline="0">
             <a:ln>
               <a:noFill/>
             </a:ln>
@@ -7023,7 +8557,7 @@
           <a:buFontTx/>
           <a:buNone/>
           <a:tabLst/>
-          <a:defRPr b="0" baseline="0" cap="none" i="0" spc="0" strike="noStrike" sz="1800" u="none" kumimoji="0" normalizeH="0">
+          <a:defRPr kumimoji="0" sz="1800" b="0" i="0" u="none" strike="noStrike" cap="none" spc="0" normalizeH="0" baseline="0">
             <a:ln>
               <a:noFill/>
             </a:ln>
@@ -7049,7 +8583,7 @@
           <a:buFontTx/>
           <a:buNone/>
           <a:tabLst/>
-          <a:defRPr b="0" baseline="0" cap="none" i="0" spc="0" strike="noStrike" sz="1800" u="none" kumimoji="0" normalizeH="0">
+          <a:defRPr kumimoji="0" sz="1800" b="0" i="0" u="none" strike="noStrike" cap="none" spc="0" normalizeH="0" baseline="0">
             <a:ln>
               <a:noFill/>
             </a:ln>
@@ -7075,7 +8609,7 @@
           <a:buFontTx/>
           <a:buNone/>
           <a:tabLst/>
-          <a:defRPr b="0" baseline="0" cap="none" i="0" spc="0" strike="noStrike" sz="1800" u="none" kumimoji="0" normalizeH="0">
+          <a:defRPr kumimoji="0" sz="1800" b="0" i="0" u="none" strike="noStrike" cap="none" spc="0" normalizeH="0" baseline="0">
             <a:ln>
               <a:noFill/>
             </a:ln>
@@ -7101,7 +8635,7 @@
           <a:buFontTx/>
           <a:buNone/>
           <a:tabLst/>
-          <a:defRPr b="0" baseline="0" cap="none" i="0" spc="0" strike="noStrike" sz="1800" u="none" kumimoji="0" normalizeH="0">
+          <a:defRPr kumimoji="0" sz="1800" b="0" i="0" u="none" strike="noStrike" cap="none" spc="0" normalizeH="0" baseline="0">
             <a:ln>
               <a:noFill/>
             </a:ln>
@@ -7127,7 +8661,7 @@
           <a:buFontTx/>
           <a:buNone/>
           <a:tabLst/>
-          <a:defRPr b="0" baseline="0" cap="none" i="0" spc="0" strike="noStrike" sz="1800" u="none" kumimoji="0" normalizeH="0">
+          <a:defRPr kumimoji="0" sz="1800" b="0" i="0" u="none" strike="noStrike" cap="none" spc="0" normalizeH="0" baseline="0">
             <a:ln>
               <a:noFill/>
             </a:ln>
@@ -7153,7 +8687,7 @@
           <a:buFontTx/>
           <a:buNone/>
           <a:tabLst/>
-          <a:defRPr b="0" baseline="0" cap="none" i="0" spc="0" strike="noStrike" sz="1800" u="none" kumimoji="0" normalizeH="0">
+          <a:defRPr kumimoji="0" sz="1800" b="0" i="0" u="none" strike="noStrike" cap="none" spc="0" normalizeH="0" baseline="0">
             <a:ln>
               <a:noFill/>
             </a:ln>
@@ -7179,7 +8713,7 @@
           <a:buFontTx/>
           <a:buNone/>
           <a:tabLst/>
-          <a:defRPr b="0" baseline="0" cap="none" i="0" spc="0" strike="noStrike" sz="1800" u="none" kumimoji="0" normalizeH="0">
+          <a:defRPr kumimoji="0" sz="1800" b="0" i="0" u="none" strike="noStrike" cap="none" spc="0" normalizeH="0" baseline="0">
             <a:ln>
               <a:noFill/>
             </a:ln>
@@ -7192,9 +8726,15 @@
         </a:lvl9pPr>
       </a:lstStyle>
       <a:style>
-        <a:lnRef idx="0"/>
-        <a:fillRef idx="0"/>
-        <a:effectRef idx="0"/>
+        <a:lnRef idx="0">
+          <a:scrgbClr r="0" g="0" b="0"/>
+        </a:lnRef>
+        <a:fillRef idx="0">
+          <a:scrgbClr r="0" g="0" b="0"/>
+        </a:fillRef>
+        <a:effectRef idx="0">
+          <a:scrgbClr r="0" g="0" b="0"/>
+        </a:effectRef>
         <a:fontRef idx="none"/>
       </a:style>
     </a:lnDef>
@@ -7208,7 +8748,7 @@
         <a:effectLst/>
         <a:sp3d/>
       </a:spPr>
-      <a:bodyPr rot="0" spcFirstLastPara="1" vertOverflow="overflow" horzOverflow="overflow" vert="horz" wrap="square" lIns="45719" tIns="45719" rIns="45719" bIns="45719" numCol="1" spcCol="38100" rtlCol="0" anchor="t" upright="0">
+      <a:bodyPr rot="0" spcFirstLastPara="1" vertOverflow="overflow" horzOverflow="overflow" vert="horz" wrap="square" lIns="45719" tIns="45719" rIns="45719" bIns="45719" numCol="1" spcCol="38100" rtlCol="0" anchor="t">
         <a:spAutoFit/>
       </a:bodyPr>
       <a:lstStyle>
@@ -7227,7 +8767,7 @@
           <a:buFontTx/>
           <a:buNone/>
           <a:tabLst/>
-          <a:defRPr b="0" baseline="0" cap="none" i="0" spc="0" strike="noStrike" sz="1400" u="none" kumimoji="0" normalizeH="0">
+          <a:defRPr kumimoji="0" sz="1400" b="0" i="0" u="none" strike="noStrike" cap="none" spc="0" normalizeH="0" baseline="0">
             <a:ln>
               <a:noFill/>
             </a:ln>
@@ -7257,7 +8797,7 @@
           <a:buFontTx/>
           <a:buNone/>
           <a:tabLst/>
-          <a:defRPr b="0" baseline="0" cap="none" i="0" spc="0" strike="noStrike" sz="1800" u="none" kumimoji="0" normalizeH="0">
+          <a:defRPr kumimoji="0" sz="1800" b="0" i="0" u="none" strike="noStrike" cap="none" spc="0" normalizeH="0" baseline="0">
             <a:ln>
               <a:noFill/>
             </a:ln>
@@ -7283,7 +8823,7 @@
           <a:buFontTx/>
           <a:buNone/>
           <a:tabLst/>
-          <a:defRPr b="0" baseline="0" cap="none" i="0" spc="0" strike="noStrike" sz="1800" u="none" kumimoji="0" normalizeH="0">
+          <a:defRPr kumimoji="0" sz="1800" b="0" i="0" u="none" strike="noStrike" cap="none" spc="0" normalizeH="0" baseline="0">
             <a:ln>
               <a:noFill/>
             </a:ln>
@@ -7309,7 +8849,7 @@
           <a:buFontTx/>
           <a:buNone/>
           <a:tabLst/>
-          <a:defRPr b="0" baseline="0" cap="none" i="0" spc="0" strike="noStrike" sz="1800" u="none" kumimoji="0" normalizeH="0">
+          <a:defRPr kumimoji="0" sz="1800" b="0" i="0" u="none" strike="noStrike" cap="none" spc="0" normalizeH="0" baseline="0">
             <a:ln>
               <a:noFill/>
             </a:ln>
@@ -7335,7 +8875,7 @@
           <a:buFontTx/>
           <a:buNone/>
           <a:tabLst/>
-          <a:defRPr b="0" baseline="0" cap="none" i="0" spc="0" strike="noStrike" sz="1800" u="none" kumimoji="0" normalizeH="0">
+          <a:defRPr kumimoji="0" sz="1800" b="0" i="0" u="none" strike="noStrike" cap="none" spc="0" normalizeH="0" baseline="0">
             <a:ln>
               <a:noFill/>
             </a:ln>
@@ -7361,7 +8901,7 @@
           <a:buFontTx/>
           <a:buNone/>
           <a:tabLst/>
-          <a:defRPr b="0" baseline="0" cap="none" i="0" spc="0" strike="noStrike" sz="1800" u="none" kumimoji="0" normalizeH="0">
+          <a:defRPr kumimoji="0" sz="1800" b="0" i="0" u="none" strike="noStrike" cap="none" spc="0" normalizeH="0" baseline="0">
             <a:ln>
               <a:noFill/>
             </a:ln>
@@ -7387,7 +8927,7 @@
           <a:buFontTx/>
           <a:buNone/>
           <a:tabLst/>
-          <a:defRPr b="0" baseline="0" cap="none" i="0" spc="0" strike="noStrike" sz="1800" u="none" kumimoji="0" normalizeH="0">
+          <a:defRPr kumimoji="0" sz="1800" b="0" i="0" u="none" strike="noStrike" cap="none" spc="0" normalizeH="0" baseline="0">
             <a:ln>
               <a:noFill/>
             </a:ln>
@@ -7413,7 +8953,7 @@
           <a:buFontTx/>
           <a:buNone/>
           <a:tabLst/>
-          <a:defRPr b="0" baseline="0" cap="none" i="0" spc="0" strike="noStrike" sz="1800" u="none" kumimoji="0" normalizeH="0">
+          <a:defRPr kumimoji="0" sz="1800" b="0" i="0" u="none" strike="noStrike" cap="none" spc="0" normalizeH="0" baseline="0">
             <a:ln>
               <a:noFill/>
             </a:ln>
@@ -7439,7 +8979,7 @@
           <a:buFontTx/>
           <a:buNone/>
           <a:tabLst/>
-          <a:defRPr b="0" baseline="0" cap="none" i="0" spc="0" strike="noStrike" sz="1800" u="none" kumimoji="0" normalizeH="0">
+          <a:defRPr kumimoji="0" sz="1800" b="0" i="0" u="none" strike="noStrike" cap="none" spc="0" normalizeH="0" baseline="0">
             <a:ln>
               <a:noFill/>
             </a:ln>
@@ -7465,7 +9005,7 @@
           <a:buFontTx/>
           <a:buNone/>
           <a:tabLst/>
-          <a:defRPr b="0" baseline="0" cap="none" i="0" spc="0" strike="noStrike" sz="1800" u="none" kumimoji="0" normalizeH="0">
+          <a:defRPr kumimoji="0" sz="1800" b="0" i="0" u="none" strike="noStrike" cap="none" spc="0" normalizeH="0" baseline="0">
             <a:ln>
               <a:noFill/>
             </a:ln>
@@ -7478,12 +9018,19 @@
         </a:lvl9pPr>
       </a:lstStyle>
       <a:style>
-        <a:lnRef idx="0"/>
-        <a:fillRef idx="0"/>
-        <a:effectRef idx="0"/>
+        <a:lnRef idx="0">
+          <a:scrgbClr r="0" g="0" b="0"/>
+        </a:lnRef>
+        <a:fillRef idx="0">
+          <a:scrgbClr r="0" g="0" b="0"/>
+        </a:fillRef>
+        <a:effectRef idx="0">
+          <a:scrgbClr r="0" g="0" b="0"/>
+        </a:effectRef>
         <a:fontRef idx="none"/>
       </a:style>
     </a:txDef>
   </a:objectDefaults>
+  <a:extraClrSchemeLst/>
 </a:theme>
 </file>